--- a/Artefatos/15.Arquitetura de Negócio para cada Cenário Oficina Jacarandás.pptx
+++ b/Artefatos/15.Arquitetura de Negócio para cada Cenário Oficina Jacarandás.pptx
@@ -6520,7 +6520,7 @@
           <p:cNvPr id="27" name="Google Shape;75;p13">
             <a:extLst>
               <a:ext uri="{FF2B5EF4-FFF2-40B4-BE49-F238E27FC236}">
-                <a16:creationId xmlns:a16="http://schemas.microsoft.com/office/drawing/2014/main" xmlns="" id="{A045D80E-4EF0-424F-8522-EEA629B4D528}"/>
+                <a16:creationId xmlns="" xmlns:a16="http://schemas.microsoft.com/office/drawing/2014/main" id="{A045D80E-4EF0-424F-8522-EEA629B4D528}"/>
               </a:ext>
             </a:extLst>
           </p:cNvPr>
@@ -6562,7 +6562,7 @@
           <p:cNvPr id="28" name="Google Shape;75;p13">
             <a:extLst>
               <a:ext uri="{FF2B5EF4-FFF2-40B4-BE49-F238E27FC236}">
-                <a16:creationId xmlns:a16="http://schemas.microsoft.com/office/drawing/2014/main" xmlns="" id="{77F1DC65-51E4-4A38-ADC6-19ED54B9B934}"/>
+                <a16:creationId xmlns="" xmlns:a16="http://schemas.microsoft.com/office/drawing/2014/main" id="{77F1DC65-51E4-4A38-ADC6-19ED54B9B934}"/>
               </a:ext>
             </a:extLst>
           </p:cNvPr>
@@ -6620,7 +6620,6 @@
               <a:rPr lang="pt-BR" sz="1000" dirty="0" smtClean="0"/>
               <a:t>Pagar Pelo Serviço</a:t>
             </a:r>
-            <a:endParaRPr lang="pt-BR" sz="1000" dirty="0" smtClean="0"/>
           </a:p>
           <a:p>
             <a:pPr marL="165100">
@@ -7423,14 +7422,15 @@
         <p:nvCxnSpPr>
           <p:cNvPr id="93" name="Google Shape;93;p14"/>
           <p:cNvCxnSpPr>
+            <a:stCxn id="84" idx="0"/>
             <a:endCxn id="81" idx="1"/>
           </p:cNvCxnSpPr>
           <p:nvPr/>
         </p:nvCxnSpPr>
         <p:spPr>
           <a:xfrm rot="5400000" flipH="1" flipV="1">
-            <a:off x="2302257" y="556461"/>
-            <a:ext cx="1281265" cy="1140076"/>
+            <a:off x="2315052" y="640915"/>
+            <a:ext cx="1352924" cy="1042826"/>
           </a:xfrm>
           <a:prstGeom prst="curvedConnector2">
             <a:avLst/>
@@ -7516,11 +7516,7 @@
             </a:pPr>
             <a:r>
               <a:rPr lang="pt-BR" sz="1000" dirty="0" smtClean="0"/>
-              <a:t>Avaliar o serviço que deve ser </a:t>
-            </a:r>
-            <a:r>
-              <a:rPr lang="pt-BR" sz="1000" dirty="0" smtClean="0"/>
-              <a:t>realizado</a:t>
+              <a:t>Avaliar o serviço que deve ser realizado</a:t>
             </a:r>
             <a:endParaRPr lang="en-US" sz="1000" dirty="0" smtClean="0"/>
           </a:p>
@@ -8176,7 +8172,6 @@
               <a:rPr lang="pt-BR" sz="1100" dirty="0" smtClean="0"/>
               <a:t>Pagar Pelo Serviço </a:t>
             </a:r>
-            <a:endParaRPr lang="pt-BR" sz="1100" dirty="0" smtClean="0"/>
           </a:p>
           <a:p>
             <a:pPr marL="457200" indent="-292100">
@@ -8499,8 +8494,8 @@
         </p:nvCxnSpPr>
         <p:spPr>
           <a:xfrm rot="5400000" flipH="1" flipV="1">
-            <a:off x="2302257" y="556461"/>
-            <a:ext cx="1281265" cy="1140076"/>
+            <a:off x="2313189" y="639053"/>
+            <a:ext cx="1352924" cy="1046551"/>
           </a:xfrm>
           <a:prstGeom prst="curvedConnector2">
             <a:avLst/>
@@ -8592,8 +8587,8 @@
         </p:nvSpPr>
         <p:spPr>
           <a:xfrm>
-            <a:off x="1297000" y="3374520"/>
-            <a:ext cx="2628073" cy="728903"/>
+            <a:off x="1297000" y="3413904"/>
+            <a:ext cx="2011279" cy="689519"/>
           </a:xfrm>
           <a:prstGeom prst="bracketPair">
             <a:avLst/>
@@ -8649,14 +8644,392 @@
           <p:nvPr/>
         </p:nvCxnSpPr>
         <p:spPr>
+          <a:xfrm flipV="1">
+            <a:off x="3308279" y="2471086"/>
+            <a:ext cx="259376" cy="1287578"/>
+          </a:xfrm>
+          <a:prstGeom prst="curvedConnector2">
+            <a:avLst/>
+          </a:prstGeom>
+          <a:noFill/>
+          <a:ln w="9525" cap="flat" cmpd="sng">
+            <a:solidFill>
+              <a:srgbClr val="595959"/>
+            </a:solidFill>
+            <a:prstDash val="solid"/>
+            <a:round/>
+            <a:headEnd type="none" w="med" len="med"/>
+            <a:tailEnd type="none" w="med" len="med"/>
+          </a:ln>
+        </p:spPr>
+      </p:cxnSp>
+      <p:sp>
+        <p:nvSpPr>
+          <p:cNvPr id="18" name="Google Shape;91;p14"/>
+          <p:cNvSpPr/>
+          <p:nvPr/>
+        </p:nvSpPr>
+        <p:spPr>
+          <a:xfrm>
+            <a:off x="4550698" y="1981539"/>
+            <a:ext cx="1147657" cy="531600"/>
+          </a:xfrm>
+          <a:prstGeom prst="roundRect">
+            <a:avLst>
+              <a:gd name="adj" fmla="val 16667"/>
+            </a:avLst>
+          </a:prstGeom>
+          <a:gradFill>
+            <a:gsLst>
+              <a:gs pos="0">
+                <a:srgbClr val="D4E5F5"/>
+              </a:gs>
+              <a:gs pos="100000">
+                <a:srgbClr val="70A4D5"/>
+              </a:gs>
+            </a:gsLst>
+            <a:path path="circle">
+              <a:fillToRect l="50000" t="50000" r="50000" b="50000"/>
+            </a:path>
+            <a:tileRect/>
+          </a:gradFill>
+          <a:ln w="9525" cap="flat" cmpd="sng">
+            <a:solidFill>
+              <a:srgbClr val="F3F3F3"/>
+            </a:solidFill>
+            <a:prstDash val="solid"/>
+            <a:round/>
+            <a:headEnd type="none" w="sm" len="sm"/>
+            <a:tailEnd type="none" w="sm" len="sm"/>
+          </a:ln>
+        </p:spPr>
+        <p:txBody>
+          <a:bodyPr spcFirstLastPara="1" wrap="square" lIns="91425" tIns="91425" rIns="91425" bIns="91425" anchor="ctr" anchorCtr="0">
+            <a:noAutofit/>
+          </a:bodyPr>
+          <a:lstStyle/>
+          <a:p>
+            <a:pPr marL="0" lvl="0" indent="0" algn="ctr" rtl="0">
+              <a:spcBef>
+                <a:spcPts val="0"/>
+              </a:spcBef>
+              <a:spcAft>
+                <a:spcPts val="0"/>
+              </a:spcAft>
+              <a:buNone/>
+            </a:pPr>
+            <a:r>
+              <a:rPr lang="pt-BR" sz="1000" dirty="0" smtClean="0"/>
+              <a:t>Setor </a:t>
+            </a:r>
+            <a:r>
+              <a:rPr lang="pt-BR" sz="1000" dirty="0" smtClean="0"/>
+              <a:t>de Serviço</a:t>
+            </a:r>
+            <a:endParaRPr lang="pt-BR" sz="1000" dirty="0" smtClean="0"/>
+          </a:p>
+        </p:txBody>
+      </p:sp>
+      <p:sp>
+        <p:nvSpPr>
+          <p:cNvPr id="21" name="Google Shape;95;p14"/>
+          <p:cNvSpPr/>
+          <p:nvPr/>
+        </p:nvSpPr>
+        <p:spPr>
+          <a:xfrm>
+            <a:off x="4223430" y="3466671"/>
+            <a:ext cx="1766654" cy="645313"/>
+          </a:xfrm>
+          <a:prstGeom prst="bracketPair">
+            <a:avLst/>
+          </a:prstGeom>
+          <a:noFill/>
+          <a:ln w="9525" cap="flat" cmpd="sng">
+            <a:solidFill>
+              <a:srgbClr val="595959"/>
+            </a:solidFill>
+            <a:prstDash val="solid"/>
+            <a:round/>
+            <a:headEnd type="none" w="sm" len="sm"/>
+            <a:tailEnd type="none" w="sm" len="sm"/>
+          </a:ln>
+        </p:spPr>
+        <p:txBody>
+          <a:bodyPr spcFirstLastPara="1" wrap="square" lIns="91425" tIns="91425" rIns="91425" bIns="91425" anchor="ctr" anchorCtr="0">
+            <a:noAutofit/>
+          </a:bodyPr>
+          <a:lstStyle/>
+          <a:p>
+            <a:pPr marL="457200" indent="-292100">
+              <a:buSzPts val="1000"/>
+              <a:buChar char="●"/>
+            </a:pPr>
+            <a:r>
+              <a:rPr lang="pt-BR" sz="1000" dirty="0" smtClean="0"/>
+              <a:t>Iniciar Serviço</a:t>
+            </a:r>
+          </a:p>
+          <a:p>
+            <a:pPr marL="457200" indent="-292100">
+              <a:buSzPts val="1000"/>
+              <a:buChar char="●"/>
+            </a:pPr>
+            <a:r>
+              <a:rPr lang="pt-BR" sz="1000" dirty="0" smtClean="0"/>
+              <a:t>Finalizar Serviço</a:t>
+            </a:r>
+            <a:endParaRPr lang="pt-BR" sz="1000" dirty="0"/>
+          </a:p>
+          <a:p>
+            <a:pPr marL="165100">
+              <a:buSzPts val="1000"/>
+            </a:pPr>
+            <a:endParaRPr lang="pt-BR" sz="1000" dirty="0"/>
+          </a:p>
+          <a:p>
+            <a:pPr marL="457200" indent="-292100">
+              <a:buSzPts val="1000"/>
+              <a:buChar char="●"/>
+            </a:pPr>
+            <a:endParaRPr lang="pt-BR" sz="1000" dirty="0"/>
+          </a:p>
+        </p:txBody>
+      </p:sp>
+      <p:sp>
+        <p:nvSpPr>
+          <p:cNvPr id="24" name="Google Shape;95;p14"/>
+          <p:cNvSpPr/>
+          <p:nvPr/>
+        </p:nvSpPr>
+        <p:spPr>
+          <a:xfrm>
+            <a:off x="6463191" y="3481863"/>
+            <a:ext cx="1874261" cy="619847"/>
+          </a:xfrm>
+          <a:prstGeom prst="bracketPair">
+            <a:avLst/>
+          </a:prstGeom>
+          <a:noFill/>
+          <a:ln w="9525" cap="flat" cmpd="sng">
+            <a:solidFill>
+              <a:srgbClr val="595959"/>
+            </a:solidFill>
+            <a:prstDash val="solid"/>
+            <a:round/>
+            <a:headEnd type="none" w="sm" len="sm"/>
+            <a:tailEnd type="none" w="sm" len="sm"/>
+          </a:ln>
+        </p:spPr>
+        <p:txBody>
+          <a:bodyPr spcFirstLastPara="1" wrap="square" lIns="91425" tIns="91425" rIns="91425" bIns="91425" anchor="ctr" anchorCtr="0">
+            <a:noAutofit/>
+          </a:bodyPr>
+          <a:lstStyle/>
+          <a:p>
+            <a:pPr marL="457200" indent="-292100">
+              <a:buSzPts val="1000"/>
+              <a:buChar char="●"/>
+            </a:pPr>
+            <a:r>
+              <a:rPr lang="pt-BR" sz="1000" dirty="0" smtClean="0"/>
+              <a:t>Entrar em contato com o cliente</a:t>
+            </a:r>
+            <a:endParaRPr lang="pt-BR" sz="1000" dirty="0"/>
+          </a:p>
+          <a:p>
+            <a:pPr marL="165100">
+              <a:buSzPts val="1000"/>
+            </a:pPr>
+            <a:endParaRPr lang="pt-BR" sz="1000" dirty="0"/>
+          </a:p>
+          <a:p>
+            <a:pPr marL="457200" indent="-292100">
+              <a:buSzPts val="1000"/>
+              <a:buChar char="●"/>
+            </a:pPr>
+            <a:endParaRPr lang="pt-BR" sz="1000" dirty="0"/>
+          </a:p>
+        </p:txBody>
+      </p:sp>
+      <p:cxnSp>
+        <p:nvCxnSpPr>
+          <p:cNvPr id="26" name="Google Shape;90;p14"/>
+          <p:cNvCxnSpPr>
+            <a:stCxn id="21" idx="0"/>
+          </p:cNvCxnSpPr>
+          <p:nvPr/>
+        </p:nvCxnSpPr>
+        <p:spPr>
+          <a:xfrm rot="5400000" flipH="1" flipV="1">
+            <a:off x="4650692" y="2975556"/>
+            <a:ext cx="947180" cy="35050"/>
+          </a:xfrm>
+          <a:prstGeom prst="curvedConnector3">
+            <a:avLst>
+              <a:gd name="adj1" fmla="val 50000"/>
+            </a:avLst>
+          </a:prstGeom>
+          <a:noFill/>
+          <a:ln w="9525" cap="flat" cmpd="sng">
+            <a:solidFill>
+              <a:srgbClr val="595959"/>
+            </a:solidFill>
+            <a:prstDash val="solid"/>
+            <a:round/>
+            <a:headEnd type="none" w="med" len="med"/>
+            <a:tailEnd type="none" w="med" len="med"/>
+          </a:ln>
+        </p:spPr>
+      </p:cxnSp>
+      <p:sp>
+        <p:nvSpPr>
+          <p:cNvPr id="30" name="Google Shape;91;p14"/>
+          <p:cNvSpPr/>
+          <p:nvPr/>
+        </p:nvSpPr>
+        <p:spPr>
+          <a:xfrm>
+            <a:off x="6769824" y="1978973"/>
+            <a:ext cx="1147657" cy="531600"/>
+          </a:xfrm>
+          <a:prstGeom prst="roundRect">
+            <a:avLst>
+              <a:gd name="adj" fmla="val 16667"/>
+            </a:avLst>
+          </a:prstGeom>
+          <a:gradFill>
+            <a:gsLst>
+              <a:gs pos="0">
+                <a:srgbClr val="D4E5F5"/>
+              </a:gs>
+              <a:gs pos="100000">
+                <a:srgbClr val="70A4D5"/>
+              </a:gs>
+            </a:gsLst>
+            <a:path path="circle">
+              <a:fillToRect l="50000" t="50000" r="50000" b="50000"/>
+            </a:path>
+            <a:tileRect/>
+          </a:gradFill>
+          <a:ln w="9525" cap="flat" cmpd="sng">
+            <a:solidFill>
+              <a:srgbClr val="F3F3F3"/>
+            </a:solidFill>
+            <a:prstDash val="solid"/>
+            <a:round/>
+            <a:headEnd type="none" w="sm" len="sm"/>
+            <a:tailEnd type="none" w="sm" len="sm"/>
+          </a:ln>
+        </p:spPr>
+        <p:txBody>
+          <a:bodyPr spcFirstLastPara="1" wrap="square" lIns="91425" tIns="91425" rIns="91425" bIns="91425" anchor="ctr" anchorCtr="0">
+            <a:noAutofit/>
+          </a:bodyPr>
+          <a:lstStyle/>
+          <a:p>
+            <a:pPr marL="0" lvl="0" indent="0" algn="ctr" rtl="0">
+              <a:spcBef>
+                <a:spcPts val="0"/>
+              </a:spcBef>
+              <a:spcAft>
+                <a:spcPts val="0"/>
+              </a:spcAft>
+              <a:buNone/>
+            </a:pPr>
+            <a:r>
+              <a:rPr lang="pt-BR" sz="1000" dirty="0" smtClean="0"/>
+              <a:t>Setor </a:t>
+            </a:r>
+            <a:r>
+              <a:rPr lang="pt-BR" sz="1000" dirty="0" smtClean="0"/>
+              <a:t>de atendimento</a:t>
+            </a:r>
+            <a:endParaRPr lang="pt-BR" sz="1000" dirty="0" smtClean="0"/>
+          </a:p>
+        </p:txBody>
+      </p:sp>
+      <p:cxnSp>
+        <p:nvCxnSpPr>
+          <p:cNvPr id="31" name="Google Shape;90;p14"/>
+          <p:cNvCxnSpPr>
+            <a:stCxn id="24" idx="3"/>
+          </p:cNvCxnSpPr>
+          <p:nvPr/>
+        </p:nvCxnSpPr>
+        <p:spPr>
           <a:xfrm flipH="1" flipV="1">
-            <a:off x="3567655" y="2471086"/>
-            <a:ext cx="357418" cy="1267886"/>
+            <a:off x="7308340" y="2519491"/>
+            <a:ext cx="1029112" cy="1272296"/>
           </a:xfrm>
           <a:prstGeom prst="curvedConnector4">
             <a:avLst>
-              <a:gd name="adj1" fmla="val -63959"/>
-              <a:gd name="adj2" fmla="val 64372"/>
+              <a:gd name="adj1" fmla="val -22213"/>
+              <a:gd name="adj2" fmla="val 62180"/>
+            </a:avLst>
+          </a:prstGeom>
+          <a:noFill/>
+          <a:ln w="9525" cap="flat" cmpd="sng">
+            <a:solidFill>
+              <a:srgbClr val="595959"/>
+            </a:solidFill>
+            <a:prstDash val="solid"/>
+            <a:round/>
+            <a:headEnd type="none" w="med" len="med"/>
+            <a:tailEnd type="none" w="med" len="med"/>
+          </a:ln>
+        </p:spPr>
+      </p:cxnSp>
+      <p:cxnSp>
+        <p:nvCxnSpPr>
+          <p:cNvPr id="38" name="Google Shape;90;p14"/>
+          <p:cNvCxnSpPr>
+            <a:stCxn id="18" idx="0"/>
+            <a:endCxn id="81" idx="2"/>
+          </p:cNvCxnSpPr>
+          <p:nvPr/>
+        </p:nvCxnSpPr>
+        <p:spPr>
+          <a:xfrm rot="16200000" flipV="1">
+            <a:off x="4190603" y="1047615"/>
+            <a:ext cx="1163748" cy="704100"/>
+          </a:xfrm>
+          <a:prstGeom prst="curvedConnector5">
+            <a:avLst>
+              <a:gd name="adj1" fmla="val 43265"/>
+              <a:gd name="adj2" fmla="val 42477"/>
+              <a:gd name="adj3" fmla="val 42835"/>
+            </a:avLst>
+          </a:prstGeom>
+          <a:noFill/>
+          <a:ln w="9525" cap="flat" cmpd="sng">
+            <a:solidFill>
+              <a:srgbClr val="595959"/>
+            </a:solidFill>
+            <a:prstDash val="solid"/>
+            <a:round/>
+            <a:headEnd type="none" w="med" len="med"/>
+            <a:tailEnd type="none" w="med" len="med"/>
+          </a:ln>
+        </p:spPr>
+      </p:cxnSp>
+      <p:cxnSp>
+        <p:nvCxnSpPr>
+          <p:cNvPr id="50" name="Google Shape;90;p14"/>
+          <p:cNvCxnSpPr>
+            <a:stCxn id="30" idx="0"/>
+            <a:endCxn id="81" idx="2"/>
+          </p:cNvCxnSpPr>
+          <p:nvPr/>
+        </p:nvCxnSpPr>
+        <p:spPr>
+          <a:xfrm rot="16200000" flipV="1">
+            <a:off x="5301449" y="-63231"/>
+            <a:ext cx="1161182" cy="2923226"/>
+          </a:xfrm>
+          <a:prstGeom prst="curvedConnector3">
+            <a:avLst>
+              <a:gd name="adj1" fmla="val 48790"/>
             </a:avLst>
           </a:prstGeom>
           <a:noFill/>

--- a/Artefatos/15.Arquitetura de Negócio para cada Cenário Oficina Jacarandás.pptx
+++ b/Artefatos/15.Arquitetura de Negócio para cada Cenário Oficina Jacarandás.pptx
@@ -6520,7 +6520,7 @@
           <p:cNvPr id="27" name="Google Shape;75;p13">
             <a:extLst>
               <a:ext uri="{FF2B5EF4-FFF2-40B4-BE49-F238E27FC236}">
-                <a16:creationId xmlns="" xmlns:a16="http://schemas.microsoft.com/office/drawing/2014/main" id="{A045D80E-4EF0-424F-8522-EEA629B4D528}"/>
+                <a16:creationId xmlns:a16="http://schemas.microsoft.com/office/drawing/2014/main" xmlns="" id="{A045D80E-4EF0-424F-8522-EEA629B4D528}"/>
               </a:ext>
             </a:extLst>
           </p:cNvPr>
@@ -6562,7 +6562,7 @@
           <p:cNvPr id="28" name="Google Shape;75;p13">
             <a:extLst>
               <a:ext uri="{FF2B5EF4-FFF2-40B4-BE49-F238E27FC236}">
-                <a16:creationId xmlns="" xmlns:a16="http://schemas.microsoft.com/office/drawing/2014/main" id="{77F1DC65-51E4-4A38-ADC6-19ED54B9B934}"/>
+                <a16:creationId xmlns:a16="http://schemas.microsoft.com/office/drawing/2014/main" xmlns="" id="{77F1DC65-51E4-4A38-ADC6-19ED54B9B934}"/>
               </a:ext>
             </a:extLst>
           </p:cNvPr>
@@ -8569,13 +8569,8 @@
             </a:pPr>
             <a:r>
               <a:rPr lang="pt-BR" sz="1000" dirty="0" smtClean="0"/>
-              <a:t>Setor de </a:t>
+              <a:t>Setor de Pagamento</a:t>
             </a:r>
-            <a:r>
-              <a:rPr lang="pt-BR" sz="1000" dirty="0" smtClean="0"/>
-              <a:t>Pagamento</a:t>
-            </a:r>
-            <a:endParaRPr lang="pt-BR" sz="1000" dirty="0" smtClean="0"/>
           </a:p>
         </p:txBody>
       </p:sp>
@@ -8720,13 +8715,8 @@
             </a:pPr>
             <a:r>
               <a:rPr lang="pt-BR" sz="1000" dirty="0" smtClean="0"/>
-              <a:t>Setor </a:t>
+              <a:t>Setor de Serviço</a:t>
             </a:r>
-            <a:r>
-              <a:rPr lang="pt-BR" sz="1000" dirty="0" smtClean="0"/>
-              <a:t>de Serviço</a:t>
-            </a:r>
-            <a:endParaRPr lang="pt-BR" sz="1000" dirty="0" smtClean="0"/>
           </a:p>
         </p:txBody>
       </p:sp>
@@ -8939,13 +8929,8 @@
             </a:pPr>
             <a:r>
               <a:rPr lang="pt-BR" sz="1000" dirty="0" smtClean="0"/>
-              <a:t>Setor </a:t>
+              <a:t>Setor de atendimento</a:t>
             </a:r>
-            <a:r>
-              <a:rPr lang="pt-BR" sz="1000" dirty="0" smtClean="0"/>
-              <a:t>de atendimento</a:t>
-            </a:r>
-            <a:endParaRPr lang="pt-BR" sz="1000" dirty="0" smtClean="0"/>
           </a:p>
         </p:txBody>
       </p:sp>
@@ -9610,38 +9595,8 @@
               <a:buChar char="●"/>
             </a:pPr>
             <a:r>
-              <a:rPr lang="pt-BR" sz="1000" dirty="0"/>
-              <a:t>Recrutar </a:t>
-            </a:r>
-            <a:r>
               <a:rPr lang="pt-BR" sz="1000" dirty="0" smtClean="0"/>
-              <a:t>Candidato</a:t>
-            </a:r>
-            <a:endParaRPr lang="pt-BR" sz="1000" dirty="0"/>
-          </a:p>
-          <a:p>
-            <a:pPr marL="457200" indent="-292100">
-              <a:buSzPts val="1000"/>
-              <a:buChar char="●"/>
-            </a:pPr>
-            <a:r>
-              <a:rPr lang="pt-BR" sz="1000" dirty="0" smtClean="0"/>
-              <a:t>Avaliar Candidato</a:t>
-            </a:r>
-            <a:endParaRPr lang="pt-BR" sz="1000" dirty="0"/>
-          </a:p>
-          <a:p>
-            <a:pPr marL="457200" indent="-292100">
-              <a:buSzPts val="1000"/>
-              <a:buChar char="●"/>
-            </a:pPr>
-            <a:r>
-              <a:rPr lang="pt-BR" sz="1000" dirty="0"/>
-              <a:t>Contratar </a:t>
-            </a:r>
-            <a:r>
-              <a:rPr lang="pt-BR" sz="1000" dirty="0" smtClean="0"/>
-              <a:t>Candidato</a:t>
+              <a:t>Processo Seletivo</a:t>
             </a:r>
             <a:endParaRPr lang="pt-BR" sz="1000" dirty="0"/>
           </a:p>

--- a/Artefatos/15.Arquitetura de Negócio para cada Cenário Oficina Jacarandás.pptx
+++ b/Artefatos/15.Arquitetura de Negócio para cada Cenário Oficina Jacarandás.pptx
@@ -11,8 +11,8 @@
     <p:sldId id="256" r:id="rId2"/>
     <p:sldId id="263" r:id="rId3"/>
     <p:sldId id="257" r:id="rId4"/>
-    <p:sldId id="258" r:id="rId5"/>
-    <p:sldId id="262" r:id="rId6"/>
+    <p:sldId id="262" r:id="rId5"/>
+    <p:sldId id="258" r:id="rId6"/>
   </p:sldIdLst>
   <p:sldSz cx="9144000" cy="5143500" type="screen16x9"/>
   <p:notesSz cx="6858000" cy="9144000"/>
@@ -1177,7 +1177,7 @@
     </p:spTree>
     <p:extLst>
       <p:ext uri="{BB962C8B-B14F-4D97-AF65-F5344CB8AC3E}">
-        <p14:creationId xmlns:p14="http://schemas.microsoft.com/office/powerpoint/2010/main" val="1245799505"/>
+        <p14:creationId xmlns:p14="http://schemas.microsoft.com/office/powerpoint/2010/main" val="3634297076"/>
       </p:ext>
     </p:extLst>
   </p:cSld>
@@ -1286,7 +1286,7 @@
     </p:spTree>
     <p:extLst>
       <p:ext uri="{BB962C8B-B14F-4D97-AF65-F5344CB8AC3E}">
-        <p14:creationId xmlns:p14="http://schemas.microsoft.com/office/powerpoint/2010/main" val="3634297076"/>
+        <p14:creationId xmlns:p14="http://schemas.microsoft.com/office/powerpoint/2010/main" val="1245799505"/>
       </p:ext>
     </p:extLst>
   </p:cSld>
@@ -6520,7 +6520,7 @@
           <p:cNvPr id="27" name="Google Shape;75;p13">
             <a:extLst>
               <a:ext uri="{FF2B5EF4-FFF2-40B4-BE49-F238E27FC236}">
-                <a16:creationId xmlns:a16="http://schemas.microsoft.com/office/drawing/2014/main" xmlns="" id="{A045D80E-4EF0-424F-8522-EEA629B4D528}"/>
+                <a16:creationId xmlns="" xmlns:a16="http://schemas.microsoft.com/office/drawing/2014/main" id="{A045D80E-4EF0-424F-8522-EEA629B4D528}"/>
               </a:ext>
             </a:extLst>
           </p:cNvPr>
@@ -6552,7 +6552,15 @@
             </a:pPr>
             <a:r>
               <a:rPr lang="pt-BR" sz="1000" dirty="0"/>
-              <a:t>Fornecer peça e material para Oficina</a:t>
+              <a:t>Fornecer </a:t>
+            </a:r>
+            <a:r>
+              <a:rPr lang="pt-BR" sz="1000" dirty="0" smtClean="0"/>
+              <a:t>material </a:t>
+            </a:r>
+            <a:r>
+              <a:rPr lang="pt-BR" sz="1000" dirty="0"/>
+              <a:t>para Oficina</a:t>
             </a:r>
           </a:p>
         </p:txBody>
@@ -6562,7 +6570,7 @@
           <p:cNvPr id="28" name="Google Shape;75;p13">
             <a:extLst>
               <a:ext uri="{FF2B5EF4-FFF2-40B4-BE49-F238E27FC236}">
-                <a16:creationId xmlns:a16="http://schemas.microsoft.com/office/drawing/2014/main" xmlns="" id="{77F1DC65-51E4-4A38-ADC6-19ED54B9B934}"/>
+                <a16:creationId xmlns="" xmlns:a16="http://schemas.microsoft.com/office/drawing/2014/main" id="{77F1DC65-51E4-4A38-ADC6-19ED54B9B934}"/>
               </a:ext>
             </a:extLst>
           </p:cNvPr>
@@ -9062,6 +9070,610 @@
         </p:nvSpPr>
         <p:spPr>
           <a:xfrm>
+            <a:off x="130400" y="1428688"/>
+            <a:ext cx="8542500" cy="1367400"/>
+          </a:xfrm>
+          <a:prstGeom prst="rect">
+            <a:avLst/>
+          </a:prstGeom>
+          <a:noFill/>
+          <a:ln w="9525" cap="flat" cmpd="sng">
+            <a:solidFill>
+              <a:srgbClr val="FF9900"/>
+            </a:solidFill>
+            <a:prstDash val="solid"/>
+            <a:round/>
+            <a:headEnd type="none" w="sm" len="sm"/>
+            <a:tailEnd type="none" w="sm" len="sm"/>
+          </a:ln>
+        </p:spPr>
+        <p:txBody>
+          <a:bodyPr spcFirstLastPara="1" wrap="square" lIns="91425" tIns="91425" rIns="91425" bIns="91425" anchor="t" anchorCtr="0">
+            <a:noAutofit/>
+          </a:bodyPr>
+          <a:lstStyle/>
+          <a:p>
+            <a:pPr marL="0" lvl="0" indent="0" algn="l" rtl="0">
+              <a:spcBef>
+                <a:spcPts val="0"/>
+              </a:spcBef>
+              <a:spcAft>
+                <a:spcPts val="0"/>
+              </a:spcAft>
+              <a:buNone/>
+            </a:pPr>
+            <a:r>
+              <a:rPr lang="pt-BR"/>
+              <a:t>Nós Operacionais</a:t>
+            </a:r>
+            <a:endParaRPr/>
+          </a:p>
+        </p:txBody>
+      </p:sp>
+      <p:sp>
+        <p:nvSpPr>
+          <p:cNvPr id="101" name="Google Shape;101;p15"/>
+          <p:cNvSpPr/>
+          <p:nvPr/>
+        </p:nvSpPr>
+        <p:spPr>
+          <a:xfrm>
+            <a:off x="3659550" y="186275"/>
+            <a:ext cx="1815000" cy="771900"/>
+          </a:xfrm>
+          <a:prstGeom prst="wave">
+            <a:avLst>
+              <a:gd name="adj1" fmla="val 6999"/>
+              <a:gd name="adj2" fmla="val 0"/>
+            </a:avLst>
+          </a:prstGeom>
+          <a:solidFill>
+            <a:srgbClr val="F4CCCC"/>
+          </a:solidFill>
+          <a:ln w="9525" cap="flat" cmpd="sng">
+            <a:solidFill>
+              <a:srgbClr val="FFFFFF"/>
+            </a:solidFill>
+            <a:prstDash val="solid"/>
+            <a:round/>
+            <a:headEnd type="none" w="sm" len="sm"/>
+            <a:tailEnd type="none" w="sm" len="sm"/>
+          </a:ln>
+        </p:spPr>
+        <p:txBody>
+          <a:bodyPr spcFirstLastPara="1" wrap="square" lIns="91425" tIns="91425" rIns="91425" bIns="91425" anchor="ctr" anchorCtr="0">
+            <a:noAutofit/>
+          </a:bodyPr>
+          <a:lstStyle/>
+          <a:p>
+            <a:pPr marL="457200" indent="-292100">
+              <a:buSzPts val="1000"/>
+              <a:buChar char="❖"/>
+            </a:pPr>
+            <a:r>
+              <a:rPr lang="pt-BR" sz="1200" dirty="0" smtClean="0"/>
+              <a:t>Fornecer materiais </a:t>
+            </a:r>
+            <a:r>
+              <a:rPr lang="pt-BR" sz="1200" dirty="0"/>
+              <a:t>para Oficina</a:t>
+            </a:r>
+            <a:endParaRPr sz="1200" dirty="0"/>
+          </a:p>
+        </p:txBody>
+      </p:sp>
+      <p:grpSp>
+        <p:nvGrpSpPr>
+          <p:cNvPr id="102" name="Google Shape;102;p15"/>
+          <p:cNvGrpSpPr/>
+          <p:nvPr/>
+        </p:nvGrpSpPr>
+        <p:grpSpPr>
+          <a:xfrm>
+            <a:off x="1957577" y="1838790"/>
+            <a:ext cx="1116450" cy="959751"/>
+            <a:chOff x="2852000" y="3424900"/>
+            <a:chExt cx="1116450" cy="959751"/>
+          </a:xfrm>
+        </p:grpSpPr>
+        <p:grpSp>
+          <p:nvGrpSpPr>
+            <p:cNvPr id="103" name="Google Shape;103;p15"/>
+            <p:cNvGrpSpPr/>
+            <p:nvPr/>
+          </p:nvGrpSpPr>
+          <p:grpSpPr>
+            <a:xfrm>
+              <a:off x="3206355" y="3424900"/>
+              <a:ext cx="308885" cy="587736"/>
+              <a:chOff x="1499725" y="1450825"/>
+              <a:chExt cx="497400" cy="843600"/>
+            </a:xfrm>
+          </p:grpSpPr>
+          <p:sp>
+            <p:nvSpPr>
+              <p:cNvPr id="104" name="Google Shape;104;p15"/>
+              <p:cNvSpPr/>
+              <p:nvPr/>
+            </p:nvSpPr>
+            <p:spPr>
+              <a:xfrm>
+                <a:off x="1597825" y="1450825"/>
+                <a:ext cx="313200" cy="281400"/>
+              </a:xfrm>
+              <a:prstGeom prst="flowChartConnector">
+                <a:avLst/>
+              </a:prstGeom>
+              <a:solidFill>
+                <a:srgbClr val="EEEEEE"/>
+              </a:solidFill>
+              <a:ln w="9525" cap="flat" cmpd="sng">
+                <a:solidFill>
+                  <a:srgbClr val="595959"/>
+                </a:solidFill>
+                <a:prstDash val="solid"/>
+                <a:round/>
+                <a:headEnd type="none" w="sm" len="sm"/>
+                <a:tailEnd type="none" w="sm" len="sm"/>
+              </a:ln>
+            </p:spPr>
+            <p:txBody>
+              <a:bodyPr spcFirstLastPara="1" wrap="square" lIns="91425" tIns="91425" rIns="91425" bIns="91425" anchor="ctr" anchorCtr="0">
+                <a:noAutofit/>
+              </a:bodyPr>
+              <a:lstStyle/>
+              <a:p>
+                <a:pPr marL="0" lvl="0" indent="0" algn="l" rtl="0">
+                  <a:spcBef>
+                    <a:spcPts val="0"/>
+                  </a:spcBef>
+                  <a:spcAft>
+                    <a:spcPts val="0"/>
+                  </a:spcAft>
+                  <a:buNone/>
+                </a:pPr>
+                <a:endParaRPr/>
+              </a:p>
+            </p:txBody>
+          </p:sp>
+          <p:cxnSp>
+            <p:nvCxnSpPr>
+              <p:cNvPr id="105" name="Google Shape;105;p15"/>
+              <p:cNvCxnSpPr>
+                <a:stCxn id="104" idx="4"/>
+              </p:cNvCxnSpPr>
+              <p:nvPr/>
+            </p:nvCxnSpPr>
+            <p:spPr>
+              <a:xfrm flipH="1">
+                <a:off x="1748725" y="1732225"/>
+                <a:ext cx="5700" cy="293100"/>
+              </a:xfrm>
+              <a:prstGeom prst="straightConnector1">
+                <a:avLst/>
+              </a:prstGeom>
+              <a:noFill/>
+              <a:ln w="9525" cap="flat" cmpd="sng">
+                <a:solidFill>
+                  <a:srgbClr val="595959"/>
+                </a:solidFill>
+                <a:prstDash val="solid"/>
+                <a:round/>
+                <a:headEnd type="none" w="med" len="med"/>
+                <a:tailEnd type="none" w="med" len="med"/>
+              </a:ln>
+            </p:spPr>
+          </p:cxnSp>
+          <p:cxnSp>
+            <p:nvCxnSpPr>
+              <p:cNvPr id="106" name="Google Shape;106;p15"/>
+              <p:cNvCxnSpPr/>
+              <p:nvPr/>
+            </p:nvCxnSpPr>
+            <p:spPr>
+              <a:xfrm>
+                <a:off x="1527475" y="1858775"/>
+                <a:ext cx="453900" cy="1800"/>
+              </a:xfrm>
+              <a:prstGeom prst="straightConnector1">
+                <a:avLst/>
+              </a:prstGeom>
+              <a:noFill/>
+              <a:ln w="9525" cap="flat" cmpd="sng">
+                <a:solidFill>
+                  <a:srgbClr val="595959"/>
+                </a:solidFill>
+                <a:prstDash val="solid"/>
+                <a:round/>
+                <a:headEnd type="none" w="med" len="med"/>
+                <a:tailEnd type="none" w="med" len="med"/>
+              </a:ln>
+            </p:spPr>
+          </p:cxnSp>
+          <p:cxnSp>
+            <p:nvCxnSpPr>
+              <p:cNvPr id="107" name="Google Shape;107;p15"/>
+              <p:cNvCxnSpPr/>
+              <p:nvPr/>
+            </p:nvCxnSpPr>
+            <p:spPr>
+              <a:xfrm flipH="1">
+                <a:off x="1499725" y="2022925"/>
+                <a:ext cx="248700" cy="271500"/>
+              </a:xfrm>
+              <a:prstGeom prst="straightConnector1">
+                <a:avLst/>
+              </a:prstGeom>
+              <a:noFill/>
+              <a:ln w="9525" cap="flat" cmpd="sng">
+                <a:solidFill>
+                  <a:srgbClr val="595959"/>
+                </a:solidFill>
+                <a:prstDash val="solid"/>
+                <a:round/>
+                <a:headEnd type="none" w="med" len="med"/>
+                <a:tailEnd type="none" w="med" len="med"/>
+              </a:ln>
+            </p:spPr>
+          </p:cxnSp>
+          <p:cxnSp>
+            <p:nvCxnSpPr>
+              <p:cNvPr id="108" name="Google Shape;108;p15"/>
+              <p:cNvCxnSpPr/>
+              <p:nvPr/>
+            </p:nvCxnSpPr>
+            <p:spPr>
+              <a:xfrm rot="10800000">
+                <a:off x="1748425" y="2022925"/>
+                <a:ext cx="248700" cy="271500"/>
+              </a:xfrm>
+              <a:prstGeom prst="straightConnector1">
+                <a:avLst/>
+              </a:prstGeom>
+              <a:noFill/>
+              <a:ln w="9525" cap="flat" cmpd="sng">
+                <a:solidFill>
+                  <a:srgbClr val="595959"/>
+                </a:solidFill>
+                <a:prstDash val="solid"/>
+                <a:round/>
+                <a:headEnd type="none" w="med" len="med"/>
+                <a:tailEnd type="none" w="med" len="med"/>
+              </a:ln>
+            </p:spPr>
+          </p:cxnSp>
+        </p:grpSp>
+        <p:sp>
+          <p:nvSpPr>
+            <p:cNvPr id="109" name="Google Shape;109;p15"/>
+            <p:cNvSpPr txBox="1"/>
+            <p:nvPr/>
+          </p:nvSpPr>
+          <p:spPr>
+            <a:xfrm>
+              <a:off x="2852000" y="3912484"/>
+              <a:ext cx="1116450" cy="472167"/>
+            </a:xfrm>
+            <a:prstGeom prst="rect">
+              <a:avLst/>
+            </a:prstGeom>
+            <a:noFill/>
+            <a:ln>
+              <a:noFill/>
+            </a:ln>
+          </p:spPr>
+          <p:txBody>
+            <a:bodyPr spcFirstLastPara="1" wrap="square" lIns="91425" tIns="91425" rIns="91425" bIns="91425" anchor="t" anchorCtr="0">
+              <a:noAutofit/>
+            </a:bodyPr>
+            <a:lstStyle/>
+            <a:p>
+              <a:pPr algn="ctr"/>
+              <a:r>
+                <a:rPr lang="pt-BR" sz="1200" b="1" dirty="0"/>
+                <a:t>Fornecedor de </a:t>
+              </a:r>
+              <a:r>
+                <a:rPr lang="pt-BR" sz="1200" b="1" dirty="0" smtClean="0"/>
+                <a:t>Materiais</a:t>
+              </a:r>
+              <a:endParaRPr sz="1200" b="1" dirty="0"/>
+            </a:p>
+          </p:txBody>
+        </p:sp>
+      </p:grpSp>
+      <p:cxnSp>
+        <p:nvCxnSpPr>
+          <p:cNvPr id="110" name="Google Shape;110;p15"/>
+          <p:cNvCxnSpPr>
+            <a:stCxn id="111" idx="0"/>
+            <a:endCxn id="101" idx="2"/>
+          </p:cNvCxnSpPr>
+          <p:nvPr/>
+        </p:nvCxnSpPr>
+        <p:spPr>
+          <a:xfrm rot="5400000" flipH="1" flipV="1">
+            <a:off x="3910659" y="1540998"/>
+            <a:ext cx="1293238" cy="19543"/>
+          </a:xfrm>
+          <a:prstGeom prst="curvedConnector5">
+            <a:avLst>
+              <a:gd name="adj1" fmla="val 47911"/>
+              <a:gd name="adj2" fmla="val 108115"/>
+              <a:gd name="adj3" fmla="val 79035"/>
+            </a:avLst>
+          </a:prstGeom>
+          <a:noFill/>
+          <a:ln w="9525" cap="flat" cmpd="sng">
+            <a:solidFill>
+              <a:srgbClr val="595959"/>
+            </a:solidFill>
+            <a:prstDash val="solid"/>
+            <a:round/>
+            <a:headEnd type="none" w="med" len="med"/>
+            <a:tailEnd type="none" w="med" len="med"/>
+          </a:ln>
+        </p:spPr>
+      </p:cxnSp>
+      <p:sp>
+        <p:nvSpPr>
+          <p:cNvPr id="112" name="Google Shape;112;p15"/>
+          <p:cNvSpPr txBox="1"/>
+          <p:nvPr/>
+        </p:nvSpPr>
+        <p:spPr>
+          <a:xfrm>
+            <a:off x="130400" y="2806709"/>
+            <a:ext cx="8542500" cy="1367400"/>
+          </a:xfrm>
+          <a:prstGeom prst="rect">
+            <a:avLst/>
+          </a:prstGeom>
+          <a:noFill/>
+          <a:ln w="9525" cap="flat" cmpd="sng">
+            <a:solidFill>
+              <a:srgbClr val="FF9900"/>
+            </a:solidFill>
+            <a:prstDash val="solid"/>
+            <a:round/>
+            <a:headEnd type="none" w="sm" len="sm"/>
+            <a:tailEnd type="none" w="sm" len="sm"/>
+          </a:ln>
+        </p:spPr>
+        <p:txBody>
+          <a:bodyPr spcFirstLastPara="1" wrap="square" lIns="91425" tIns="91425" rIns="91425" bIns="91425" anchor="t" anchorCtr="0">
+            <a:noAutofit/>
+          </a:bodyPr>
+          <a:lstStyle/>
+          <a:p>
+            <a:pPr marL="0" lvl="0" indent="0" algn="l" rtl="0">
+              <a:spcBef>
+                <a:spcPts val="0"/>
+              </a:spcBef>
+              <a:spcAft>
+                <a:spcPts val="0"/>
+              </a:spcAft>
+              <a:buNone/>
+            </a:pPr>
+            <a:r>
+              <a:rPr lang="pt-BR" dirty="0"/>
+              <a:t>Capacidades Operacionais</a:t>
+            </a:r>
+            <a:endParaRPr dirty="0"/>
+          </a:p>
+        </p:txBody>
+      </p:sp>
+      <p:cxnSp>
+        <p:nvCxnSpPr>
+          <p:cNvPr id="113" name="Google Shape;113;p15"/>
+          <p:cNvCxnSpPr>
+            <a:stCxn id="104" idx="0"/>
+            <a:endCxn id="101" idx="2"/>
+          </p:cNvCxnSpPr>
+          <p:nvPr/>
+        </p:nvCxnSpPr>
+        <p:spPr>
+          <a:xfrm rot="-5400000">
+            <a:off x="3051351" y="323040"/>
+            <a:ext cx="934500" cy="2097000"/>
+          </a:xfrm>
+          <a:prstGeom prst="curvedConnector3">
+            <a:avLst>
+              <a:gd name="adj1" fmla="val 47226"/>
+            </a:avLst>
+          </a:prstGeom>
+          <a:noFill/>
+          <a:ln w="9525" cap="flat" cmpd="sng">
+            <a:solidFill>
+              <a:srgbClr val="595959"/>
+            </a:solidFill>
+            <a:prstDash val="solid"/>
+            <a:round/>
+            <a:headEnd type="none" w="med" len="med"/>
+            <a:tailEnd type="none" w="med" len="med"/>
+          </a:ln>
+        </p:spPr>
+      </p:cxnSp>
+      <p:cxnSp>
+        <p:nvCxnSpPr>
+          <p:cNvPr id="114" name="Google Shape;114;p15"/>
+          <p:cNvCxnSpPr>
+            <a:stCxn id="111" idx="2"/>
+            <a:endCxn id="115" idx="1"/>
+          </p:cNvCxnSpPr>
+          <p:nvPr/>
+        </p:nvCxnSpPr>
+        <p:spPr>
+          <a:xfrm rot="5400000">
+            <a:off x="4226948" y="3015989"/>
+            <a:ext cx="607560" cy="33558"/>
+          </a:xfrm>
+          <a:prstGeom prst="curvedConnector4">
+            <a:avLst>
+              <a:gd name="adj1" fmla="val 36046"/>
+              <a:gd name="adj2" fmla="val 781209"/>
+            </a:avLst>
+          </a:prstGeom>
+          <a:noFill/>
+          <a:ln w="9525" cap="flat" cmpd="sng">
+            <a:solidFill>
+              <a:srgbClr val="595959"/>
+            </a:solidFill>
+            <a:prstDash val="solid"/>
+            <a:round/>
+            <a:headEnd type="none" w="med" len="med"/>
+            <a:tailEnd type="none" w="med" len="med"/>
+          </a:ln>
+        </p:spPr>
+      </p:cxnSp>
+      <p:sp>
+        <p:nvSpPr>
+          <p:cNvPr id="115" name="Google Shape;115;p15"/>
+          <p:cNvSpPr/>
+          <p:nvPr/>
+        </p:nvSpPr>
+        <p:spPr>
+          <a:xfrm>
+            <a:off x="4513949" y="3166988"/>
+            <a:ext cx="2472477" cy="339120"/>
+          </a:xfrm>
+          <a:prstGeom prst="bracketPair">
+            <a:avLst/>
+          </a:prstGeom>
+          <a:noFill/>
+          <a:ln w="9525" cap="flat" cmpd="sng">
+            <a:solidFill>
+              <a:srgbClr val="595959"/>
+            </a:solidFill>
+            <a:prstDash val="solid"/>
+            <a:round/>
+            <a:headEnd type="none" w="sm" len="sm"/>
+            <a:tailEnd type="none" w="sm" len="sm"/>
+          </a:ln>
+        </p:spPr>
+        <p:txBody>
+          <a:bodyPr spcFirstLastPara="1" wrap="square" lIns="91425" tIns="91425" rIns="91425" bIns="91425" anchor="ctr" anchorCtr="0">
+            <a:noAutofit/>
+          </a:bodyPr>
+          <a:lstStyle/>
+          <a:p>
+            <a:pPr marL="457200" indent="-292100">
+              <a:buSzPts val="1000"/>
+              <a:buChar char="●"/>
+            </a:pPr>
+            <a:r>
+              <a:rPr lang="pt-BR" sz="1000" dirty="0"/>
+              <a:t>Comprar </a:t>
+            </a:r>
+            <a:r>
+              <a:rPr lang="pt-BR" sz="1000" dirty="0" smtClean="0"/>
+              <a:t>peça e material</a:t>
+            </a:r>
+            <a:endParaRPr lang="pt-BR" sz="1000" dirty="0"/>
+          </a:p>
+        </p:txBody>
+      </p:sp>
+      <p:sp>
+        <p:nvSpPr>
+          <p:cNvPr id="111" name="Google Shape;111;p15"/>
+          <p:cNvSpPr/>
+          <p:nvPr/>
+        </p:nvSpPr>
+        <p:spPr>
+          <a:xfrm>
+            <a:off x="4012651" y="2197388"/>
+            <a:ext cx="1069711" cy="531600"/>
+          </a:xfrm>
+          <a:prstGeom prst="roundRect">
+            <a:avLst>
+              <a:gd name="adj" fmla="val 16667"/>
+            </a:avLst>
+          </a:prstGeom>
+          <a:gradFill>
+            <a:gsLst>
+              <a:gs pos="0">
+                <a:srgbClr val="D4E5F5"/>
+              </a:gs>
+              <a:gs pos="100000">
+                <a:srgbClr val="70A4D5"/>
+              </a:gs>
+            </a:gsLst>
+            <a:path path="circle">
+              <a:fillToRect l="50000" t="50000" r="50000" b="50000"/>
+            </a:path>
+            <a:tileRect/>
+          </a:gradFill>
+          <a:ln w="9525" cap="flat" cmpd="sng">
+            <a:solidFill>
+              <a:srgbClr val="F3F3F3"/>
+            </a:solidFill>
+            <a:prstDash val="solid"/>
+            <a:round/>
+            <a:headEnd type="none" w="sm" len="sm"/>
+            <a:tailEnd type="none" w="sm" len="sm"/>
+          </a:ln>
+        </p:spPr>
+        <p:txBody>
+          <a:bodyPr spcFirstLastPara="1" wrap="square" lIns="91425" tIns="91425" rIns="91425" bIns="91425" anchor="ctr" anchorCtr="0">
+            <a:noAutofit/>
+          </a:bodyPr>
+          <a:lstStyle/>
+          <a:p>
+            <a:pPr marL="0" lvl="0" indent="0" algn="ctr" rtl="0">
+              <a:spcBef>
+                <a:spcPts val="0"/>
+              </a:spcBef>
+              <a:spcAft>
+                <a:spcPts val="0"/>
+              </a:spcAft>
+              <a:buNone/>
+            </a:pPr>
+            <a:r>
+              <a:rPr lang="pt-BR" sz="1000" dirty="0" smtClean="0"/>
+              <a:t>Setor Financeiro</a:t>
+            </a:r>
+            <a:endParaRPr sz="1000" dirty="0"/>
+          </a:p>
+        </p:txBody>
+      </p:sp>
+    </p:spTree>
+    <p:extLst>
+      <p:ext uri="{BB962C8B-B14F-4D97-AF65-F5344CB8AC3E}">
+        <p14:creationId xmlns:p14="http://schemas.microsoft.com/office/powerpoint/2010/main" val="1004141051"/>
+      </p:ext>
+    </p:extLst>
+  </p:cSld>
+  <p:clrMapOvr>
+    <a:masterClrMapping/>
+  </p:clrMapOvr>
+</p:sld>
+</file>
+
+<file path=ppt/slides/slide5.xml><?xml version="1.0" encoding="utf-8"?>
+<p:sld xmlns:a="http://schemas.openxmlformats.org/drawingml/2006/main" xmlns:r="http://schemas.openxmlformats.org/officeDocument/2006/relationships" xmlns:p="http://schemas.openxmlformats.org/presentationml/2006/main">
+  <p:cSld>
+    <p:spTree>
+      <p:nvGrpSpPr>
+        <p:cNvPr id="1" name="Shape 99"/>
+        <p:cNvGrpSpPr/>
+        <p:nvPr/>
+      </p:nvGrpSpPr>
+      <p:grpSpPr>
+        <a:xfrm>
+          <a:off x="0" y="0"/>
+          <a:ext cx="0" cy="0"/>
+          <a:chOff x="0" y="0"/>
+          <a:chExt cx="0" cy="0"/>
+        </a:xfrm>
+      </p:grpSpPr>
+      <p:sp>
+        <p:nvSpPr>
+          <p:cNvPr id="100" name="Google Shape;100;p15"/>
+          <p:cNvSpPr txBox="1"/>
+          <p:nvPr/>
+        </p:nvSpPr>
+        <p:spPr>
+          <a:xfrm>
             <a:off x="130400" y="1480979"/>
             <a:ext cx="8542500" cy="1367400"/>
           </a:xfrm>
@@ -9666,606 +10278,6 @@
         </p:txBody>
       </p:sp>
     </p:spTree>
-  </p:cSld>
-  <p:clrMapOvr>
-    <a:masterClrMapping/>
-  </p:clrMapOvr>
-</p:sld>
-</file>
-
-<file path=ppt/slides/slide5.xml><?xml version="1.0" encoding="utf-8"?>
-<p:sld xmlns:a="http://schemas.openxmlformats.org/drawingml/2006/main" xmlns:r="http://schemas.openxmlformats.org/officeDocument/2006/relationships" xmlns:p="http://schemas.openxmlformats.org/presentationml/2006/main">
-  <p:cSld>
-    <p:spTree>
-      <p:nvGrpSpPr>
-        <p:cNvPr id="1" name="Shape 99"/>
-        <p:cNvGrpSpPr/>
-        <p:nvPr/>
-      </p:nvGrpSpPr>
-      <p:grpSpPr>
-        <a:xfrm>
-          <a:off x="0" y="0"/>
-          <a:ext cx="0" cy="0"/>
-          <a:chOff x="0" y="0"/>
-          <a:chExt cx="0" cy="0"/>
-        </a:xfrm>
-      </p:grpSpPr>
-      <p:sp>
-        <p:nvSpPr>
-          <p:cNvPr id="100" name="Google Shape;100;p15"/>
-          <p:cNvSpPr txBox="1"/>
-          <p:nvPr/>
-        </p:nvSpPr>
-        <p:spPr>
-          <a:xfrm>
-            <a:off x="130400" y="1428688"/>
-            <a:ext cx="8542500" cy="1367400"/>
-          </a:xfrm>
-          <a:prstGeom prst="rect">
-            <a:avLst/>
-          </a:prstGeom>
-          <a:noFill/>
-          <a:ln w="9525" cap="flat" cmpd="sng">
-            <a:solidFill>
-              <a:srgbClr val="FF9900"/>
-            </a:solidFill>
-            <a:prstDash val="solid"/>
-            <a:round/>
-            <a:headEnd type="none" w="sm" len="sm"/>
-            <a:tailEnd type="none" w="sm" len="sm"/>
-          </a:ln>
-        </p:spPr>
-        <p:txBody>
-          <a:bodyPr spcFirstLastPara="1" wrap="square" lIns="91425" tIns="91425" rIns="91425" bIns="91425" anchor="t" anchorCtr="0">
-            <a:noAutofit/>
-          </a:bodyPr>
-          <a:lstStyle/>
-          <a:p>
-            <a:pPr marL="0" lvl="0" indent="0" algn="l" rtl="0">
-              <a:spcBef>
-                <a:spcPts val="0"/>
-              </a:spcBef>
-              <a:spcAft>
-                <a:spcPts val="0"/>
-              </a:spcAft>
-              <a:buNone/>
-            </a:pPr>
-            <a:r>
-              <a:rPr lang="pt-BR"/>
-              <a:t>Nós Operacionais</a:t>
-            </a:r>
-            <a:endParaRPr/>
-          </a:p>
-        </p:txBody>
-      </p:sp>
-      <p:sp>
-        <p:nvSpPr>
-          <p:cNvPr id="101" name="Google Shape;101;p15"/>
-          <p:cNvSpPr/>
-          <p:nvPr/>
-        </p:nvSpPr>
-        <p:spPr>
-          <a:xfrm>
-            <a:off x="3659550" y="186275"/>
-            <a:ext cx="1815000" cy="771900"/>
-          </a:xfrm>
-          <a:prstGeom prst="wave">
-            <a:avLst>
-              <a:gd name="adj1" fmla="val 6999"/>
-              <a:gd name="adj2" fmla="val 0"/>
-            </a:avLst>
-          </a:prstGeom>
-          <a:solidFill>
-            <a:srgbClr val="F4CCCC"/>
-          </a:solidFill>
-          <a:ln w="9525" cap="flat" cmpd="sng">
-            <a:solidFill>
-              <a:srgbClr val="FFFFFF"/>
-            </a:solidFill>
-            <a:prstDash val="solid"/>
-            <a:round/>
-            <a:headEnd type="none" w="sm" len="sm"/>
-            <a:tailEnd type="none" w="sm" len="sm"/>
-          </a:ln>
-        </p:spPr>
-        <p:txBody>
-          <a:bodyPr spcFirstLastPara="1" wrap="square" lIns="91425" tIns="91425" rIns="91425" bIns="91425" anchor="ctr" anchorCtr="0">
-            <a:noAutofit/>
-          </a:bodyPr>
-          <a:lstStyle/>
-          <a:p>
-            <a:pPr marL="457200" indent="-292100">
-              <a:buSzPts val="1000"/>
-              <a:buChar char="❖"/>
-            </a:pPr>
-            <a:r>
-              <a:rPr lang="pt-BR" sz="1200" dirty="0"/>
-              <a:t>Fornecer peças e materiais para Oficina</a:t>
-            </a:r>
-            <a:endParaRPr sz="1200" dirty="0"/>
-          </a:p>
-        </p:txBody>
-      </p:sp>
-      <p:grpSp>
-        <p:nvGrpSpPr>
-          <p:cNvPr id="102" name="Google Shape;102;p15"/>
-          <p:cNvGrpSpPr/>
-          <p:nvPr/>
-        </p:nvGrpSpPr>
-        <p:grpSpPr>
-          <a:xfrm>
-            <a:off x="1957577" y="1838790"/>
-            <a:ext cx="1116450" cy="959751"/>
-            <a:chOff x="2852000" y="3424900"/>
-            <a:chExt cx="1116450" cy="959751"/>
-          </a:xfrm>
-        </p:grpSpPr>
-        <p:grpSp>
-          <p:nvGrpSpPr>
-            <p:cNvPr id="103" name="Google Shape;103;p15"/>
-            <p:cNvGrpSpPr/>
-            <p:nvPr/>
-          </p:nvGrpSpPr>
-          <p:grpSpPr>
-            <a:xfrm>
-              <a:off x="3206355" y="3424900"/>
-              <a:ext cx="308885" cy="587736"/>
-              <a:chOff x="1499725" y="1450825"/>
-              <a:chExt cx="497400" cy="843600"/>
-            </a:xfrm>
-          </p:grpSpPr>
-          <p:sp>
-            <p:nvSpPr>
-              <p:cNvPr id="104" name="Google Shape;104;p15"/>
-              <p:cNvSpPr/>
-              <p:nvPr/>
-            </p:nvSpPr>
-            <p:spPr>
-              <a:xfrm>
-                <a:off x="1597825" y="1450825"/>
-                <a:ext cx="313200" cy="281400"/>
-              </a:xfrm>
-              <a:prstGeom prst="flowChartConnector">
-                <a:avLst/>
-              </a:prstGeom>
-              <a:solidFill>
-                <a:srgbClr val="EEEEEE"/>
-              </a:solidFill>
-              <a:ln w="9525" cap="flat" cmpd="sng">
-                <a:solidFill>
-                  <a:srgbClr val="595959"/>
-                </a:solidFill>
-                <a:prstDash val="solid"/>
-                <a:round/>
-                <a:headEnd type="none" w="sm" len="sm"/>
-                <a:tailEnd type="none" w="sm" len="sm"/>
-              </a:ln>
-            </p:spPr>
-            <p:txBody>
-              <a:bodyPr spcFirstLastPara="1" wrap="square" lIns="91425" tIns="91425" rIns="91425" bIns="91425" anchor="ctr" anchorCtr="0">
-                <a:noAutofit/>
-              </a:bodyPr>
-              <a:lstStyle/>
-              <a:p>
-                <a:pPr marL="0" lvl="0" indent="0" algn="l" rtl="0">
-                  <a:spcBef>
-                    <a:spcPts val="0"/>
-                  </a:spcBef>
-                  <a:spcAft>
-                    <a:spcPts val="0"/>
-                  </a:spcAft>
-                  <a:buNone/>
-                </a:pPr>
-                <a:endParaRPr/>
-              </a:p>
-            </p:txBody>
-          </p:sp>
-          <p:cxnSp>
-            <p:nvCxnSpPr>
-              <p:cNvPr id="105" name="Google Shape;105;p15"/>
-              <p:cNvCxnSpPr>
-                <a:stCxn id="104" idx="4"/>
-              </p:cNvCxnSpPr>
-              <p:nvPr/>
-            </p:nvCxnSpPr>
-            <p:spPr>
-              <a:xfrm flipH="1">
-                <a:off x="1748725" y="1732225"/>
-                <a:ext cx="5700" cy="293100"/>
-              </a:xfrm>
-              <a:prstGeom prst="straightConnector1">
-                <a:avLst/>
-              </a:prstGeom>
-              <a:noFill/>
-              <a:ln w="9525" cap="flat" cmpd="sng">
-                <a:solidFill>
-                  <a:srgbClr val="595959"/>
-                </a:solidFill>
-                <a:prstDash val="solid"/>
-                <a:round/>
-                <a:headEnd type="none" w="med" len="med"/>
-                <a:tailEnd type="none" w="med" len="med"/>
-              </a:ln>
-            </p:spPr>
-          </p:cxnSp>
-          <p:cxnSp>
-            <p:nvCxnSpPr>
-              <p:cNvPr id="106" name="Google Shape;106;p15"/>
-              <p:cNvCxnSpPr/>
-              <p:nvPr/>
-            </p:nvCxnSpPr>
-            <p:spPr>
-              <a:xfrm>
-                <a:off x="1527475" y="1858775"/>
-                <a:ext cx="453900" cy="1800"/>
-              </a:xfrm>
-              <a:prstGeom prst="straightConnector1">
-                <a:avLst/>
-              </a:prstGeom>
-              <a:noFill/>
-              <a:ln w="9525" cap="flat" cmpd="sng">
-                <a:solidFill>
-                  <a:srgbClr val="595959"/>
-                </a:solidFill>
-                <a:prstDash val="solid"/>
-                <a:round/>
-                <a:headEnd type="none" w="med" len="med"/>
-                <a:tailEnd type="none" w="med" len="med"/>
-              </a:ln>
-            </p:spPr>
-          </p:cxnSp>
-          <p:cxnSp>
-            <p:nvCxnSpPr>
-              <p:cNvPr id="107" name="Google Shape;107;p15"/>
-              <p:cNvCxnSpPr/>
-              <p:nvPr/>
-            </p:nvCxnSpPr>
-            <p:spPr>
-              <a:xfrm flipH="1">
-                <a:off x="1499725" y="2022925"/>
-                <a:ext cx="248700" cy="271500"/>
-              </a:xfrm>
-              <a:prstGeom prst="straightConnector1">
-                <a:avLst/>
-              </a:prstGeom>
-              <a:noFill/>
-              <a:ln w="9525" cap="flat" cmpd="sng">
-                <a:solidFill>
-                  <a:srgbClr val="595959"/>
-                </a:solidFill>
-                <a:prstDash val="solid"/>
-                <a:round/>
-                <a:headEnd type="none" w="med" len="med"/>
-                <a:tailEnd type="none" w="med" len="med"/>
-              </a:ln>
-            </p:spPr>
-          </p:cxnSp>
-          <p:cxnSp>
-            <p:nvCxnSpPr>
-              <p:cNvPr id="108" name="Google Shape;108;p15"/>
-              <p:cNvCxnSpPr/>
-              <p:nvPr/>
-            </p:nvCxnSpPr>
-            <p:spPr>
-              <a:xfrm rot="10800000">
-                <a:off x="1748425" y="2022925"/>
-                <a:ext cx="248700" cy="271500"/>
-              </a:xfrm>
-              <a:prstGeom prst="straightConnector1">
-                <a:avLst/>
-              </a:prstGeom>
-              <a:noFill/>
-              <a:ln w="9525" cap="flat" cmpd="sng">
-                <a:solidFill>
-                  <a:srgbClr val="595959"/>
-                </a:solidFill>
-                <a:prstDash val="solid"/>
-                <a:round/>
-                <a:headEnd type="none" w="med" len="med"/>
-                <a:tailEnd type="none" w="med" len="med"/>
-              </a:ln>
-            </p:spPr>
-          </p:cxnSp>
-        </p:grpSp>
-        <p:sp>
-          <p:nvSpPr>
-            <p:cNvPr id="109" name="Google Shape;109;p15"/>
-            <p:cNvSpPr txBox="1"/>
-            <p:nvPr/>
-          </p:nvSpPr>
-          <p:spPr>
-            <a:xfrm>
-              <a:off x="2852000" y="3912484"/>
-              <a:ext cx="1116450" cy="472167"/>
-            </a:xfrm>
-            <a:prstGeom prst="rect">
-              <a:avLst/>
-            </a:prstGeom>
-            <a:noFill/>
-            <a:ln>
-              <a:noFill/>
-            </a:ln>
-          </p:spPr>
-          <p:txBody>
-            <a:bodyPr spcFirstLastPara="1" wrap="square" lIns="91425" tIns="91425" rIns="91425" bIns="91425" anchor="t" anchorCtr="0">
-              <a:noAutofit/>
-            </a:bodyPr>
-            <a:lstStyle/>
-            <a:p>
-              <a:pPr algn="ctr"/>
-              <a:r>
-                <a:rPr lang="pt-BR" sz="1200" b="1" dirty="0"/>
-                <a:t>Fornecedor de </a:t>
-              </a:r>
-              <a:r>
-                <a:rPr lang="pt-BR" sz="1200" b="1" dirty="0" smtClean="0"/>
-                <a:t>Materiais</a:t>
-              </a:r>
-              <a:endParaRPr sz="1200" b="1" dirty="0"/>
-            </a:p>
-          </p:txBody>
-        </p:sp>
-      </p:grpSp>
-      <p:cxnSp>
-        <p:nvCxnSpPr>
-          <p:cNvPr id="110" name="Google Shape;110;p15"/>
-          <p:cNvCxnSpPr>
-            <a:stCxn id="111" idx="0"/>
-            <a:endCxn id="101" idx="2"/>
-          </p:cNvCxnSpPr>
-          <p:nvPr/>
-        </p:nvCxnSpPr>
-        <p:spPr>
-          <a:xfrm rot="5400000" flipH="1" flipV="1">
-            <a:off x="3910659" y="1540998"/>
-            <a:ext cx="1293238" cy="19543"/>
-          </a:xfrm>
-          <a:prstGeom prst="curvedConnector5">
-            <a:avLst>
-              <a:gd name="adj1" fmla="val 47911"/>
-              <a:gd name="adj2" fmla="val 108115"/>
-              <a:gd name="adj3" fmla="val 79035"/>
-            </a:avLst>
-          </a:prstGeom>
-          <a:noFill/>
-          <a:ln w="9525" cap="flat" cmpd="sng">
-            <a:solidFill>
-              <a:srgbClr val="595959"/>
-            </a:solidFill>
-            <a:prstDash val="solid"/>
-            <a:round/>
-            <a:headEnd type="none" w="med" len="med"/>
-            <a:tailEnd type="none" w="med" len="med"/>
-          </a:ln>
-        </p:spPr>
-      </p:cxnSp>
-      <p:sp>
-        <p:nvSpPr>
-          <p:cNvPr id="112" name="Google Shape;112;p15"/>
-          <p:cNvSpPr txBox="1"/>
-          <p:nvPr/>
-        </p:nvSpPr>
-        <p:spPr>
-          <a:xfrm>
-            <a:off x="130400" y="2806709"/>
-            <a:ext cx="8542500" cy="1367400"/>
-          </a:xfrm>
-          <a:prstGeom prst="rect">
-            <a:avLst/>
-          </a:prstGeom>
-          <a:noFill/>
-          <a:ln w="9525" cap="flat" cmpd="sng">
-            <a:solidFill>
-              <a:srgbClr val="FF9900"/>
-            </a:solidFill>
-            <a:prstDash val="solid"/>
-            <a:round/>
-            <a:headEnd type="none" w="sm" len="sm"/>
-            <a:tailEnd type="none" w="sm" len="sm"/>
-          </a:ln>
-        </p:spPr>
-        <p:txBody>
-          <a:bodyPr spcFirstLastPara="1" wrap="square" lIns="91425" tIns="91425" rIns="91425" bIns="91425" anchor="t" anchorCtr="0">
-            <a:noAutofit/>
-          </a:bodyPr>
-          <a:lstStyle/>
-          <a:p>
-            <a:pPr marL="0" lvl="0" indent="0" algn="l" rtl="0">
-              <a:spcBef>
-                <a:spcPts val="0"/>
-              </a:spcBef>
-              <a:spcAft>
-                <a:spcPts val="0"/>
-              </a:spcAft>
-              <a:buNone/>
-            </a:pPr>
-            <a:r>
-              <a:rPr lang="pt-BR" dirty="0"/>
-              <a:t>Capacidades Operacionais</a:t>
-            </a:r>
-            <a:endParaRPr dirty="0"/>
-          </a:p>
-        </p:txBody>
-      </p:sp>
-      <p:cxnSp>
-        <p:nvCxnSpPr>
-          <p:cNvPr id="113" name="Google Shape;113;p15"/>
-          <p:cNvCxnSpPr>
-            <a:stCxn id="104" idx="0"/>
-            <a:endCxn id="101" idx="2"/>
-          </p:cNvCxnSpPr>
-          <p:nvPr/>
-        </p:nvCxnSpPr>
-        <p:spPr>
-          <a:xfrm rot="-5400000">
-            <a:off x="3051351" y="323040"/>
-            <a:ext cx="934500" cy="2097000"/>
-          </a:xfrm>
-          <a:prstGeom prst="curvedConnector3">
-            <a:avLst>
-              <a:gd name="adj1" fmla="val 47226"/>
-            </a:avLst>
-          </a:prstGeom>
-          <a:noFill/>
-          <a:ln w="9525" cap="flat" cmpd="sng">
-            <a:solidFill>
-              <a:srgbClr val="595959"/>
-            </a:solidFill>
-            <a:prstDash val="solid"/>
-            <a:round/>
-            <a:headEnd type="none" w="med" len="med"/>
-            <a:tailEnd type="none" w="med" len="med"/>
-          </a:ln>
-        </p:spPr>
-      </p:cxnSp>
-      <p:cxnSp>
-        <p:nvCxnSpPr>
-          <p:cNvPr id="114" name="Google Shape;114;p15"/>
-          <p:cNvCxnSpPr>
-            <a:stCxn id="111" idx="2"/>
-            <a:endCxn id="115" idx="1"/>
-          </p:cNvCxnSpPr>
-          <p:nvPr/>
-        </p:nvCxnSpPr>
-        <p:spPr>
-          <a:xfrm rot="5400000">
-            <a:off x="4226948" y="3015989"/>
-            <a:ext cx="607560" cy="33558"/>
-          </a:xfrm>
-          <a:prstGeom prst="curvedConnector4">
-            <a:avLst>
-              <a:gd name="adj1" fmla="val 36046"/>
-              <a:gd name="adj2" fmla="val 781209"/>
-            </a:avLst>
-          </a:prstGeom>
-          <a:noFill/>
-          <a:ln w="9525" cap="flat" cmpd="sng">
-            <a:solidFill>
-              <a:srgbClr val="595959"/>
-            </a:solidFill>
-            <a:prstDash val="solid"/>
-            <a:round/>
-            <a:headEnd type="none" w="med" len="med"/>
-            <a:tailEnd type="none" w="med" len="med"/>
-          </a:ln>
-        </p:spPr>
-      </p:cxnSp>
-      <p:sp>
-        <p:nvSpPr>
-          <p:cNvPr id="115" name="Google Shape;115;p15"/>
-          <p:cNvSpPr/>
-          <p:nvPr/>
-        </p:nvSpPr>
-        <p:spPr>
-          <a:xfrm>
-            <a:off x="4513949" y="3166988"/>
-            <a:ext cx="2472477" cy="339120"/>
-          </a:xfrm>
-          <a:prstGeom prst="bracketPair">
-            <a:avLst/>
-          </a:prstGeom>
-          <a:noFill/>
-          <a:ln w="9525" cap="flat" cmpd="sng">
-            <a:solidFill>
-              <a:srgbClr val="595959"/>
-            </a:solidFill>
-            <a:prstDash val="solid"/>
-            <a:round/>
-            <a:headEnd type="none" w="sm" len="sm"/>
-            <a:tailEnd type="none" w="sm" len="sm"/>
-          </a:ln>
-        </p:spPr>
-        <p:txBody>
-          <a:bodyPr spcFirstLastPara="1" wrap="square" lIns="91425" tIns="91425" rIns="91425" bIns="91425" anchor="ctr" anchorCtr="0">
-            <a:noAutofit/>
-          </a:bodyPr>
-          <a:lstStyle/>
-          <a:p>
-            <a:pPr marL="457200" indent="-292100">
-              <a:buSzPts val="1000"/>
-              <a:buChar char="●"/>
-            </a:pPr>
-            <a:r>
-              <a:rPr lang="pt-BR" sz="1000" dirty="0"/>
-              <a:t>Comprar </a:t>
-            </a:r>
-            <a:r>
-              <a:rPr lang="pt-BR" sz="1000" dirty="0" smtClean="0"/>
-              <a:t>peça e material</a:t>
-            </a:r>
-            <a:endParaRPr lang="pt-BR" sz="1000" dirty="0"/>
-          </a:p>
-        </p:txBody>
-      </p:sp>
-      <p:sp>
-        <p:nvSpPr>
-          <p:cNvPr id="111" name="Google Shape;111;p15"/>
-          <p:cNvSpPr/>
-          <p:nvPr/>
-        </p:nvSpPr>
-        <p:spPr>
-          <a:xfrm>
-            <a:off x="4012651" y="2197388"/>
-            <a:ext cx="1069711" cy="531600"/>
-          </a:xfrm>
-          <a:prstGeom prst="roundRect">
-            <a:avLst>
-              <a:gd name="adj" fmla="val 16667"/>
-            </a:avLst>
-          </a:prstGeom>
-          <a:gradFill>
-            <a:gsLst>
-              <a:gs pos="0">
-                <a:srgbClr val="D4E5F5"/>
-              </a:gs>
-              <a:gs pos="100000">
-                <a:srgbClr val="70A4D5"/>
-              </a:gs>
-            </a:gsLst>
-            <a:path path="circle">
-              <a:fillToRect l="50000" t="50000" r="50000" b="50000"/>
-            </a:path>
-            <a:tileRect/>
-          </a:gradFill>
-          <a:ln w="9525" cap="flat" cmpd="sng">
-            <a:solidFill>
-              <a:srgbClr val="F3F3F3"/>
-            </a:solidFill>
-            <a:prstDash val="solid"/>
-            <a:round/>
-            <a:headEnd type="none" w="sm" len="sm"/>
-            <a:tailEnd type="none" w="sm" len="sm"/>
-          </a:ln>
-        </p:spPr>
-        <p:txBody>
-          <a:bodyPr spcFirstLastPara="1" wrap="square" lIns="91425" tIns="91425" rIns="91425" bIns="91425" anchor="ctr" anchorCtr="0">
-            <a:noAutofit/>
-          </a:bodyPr>
-          <a:lstStyle/>
-          <a:p>
-            <a:pPr marL="0" lvl="0" indent="0" algn="ctr" rtl="0">
-              <a:spcBef>
-                <a:spcPts val="0"/>
-              </a:spcBef>
-              <a:spcAft>
-                <a:spcPts val="0"/>
-              </a:spcAft>
-              <a:buNone/>
-            </a:pPr>
-            <a:r>
-              <a:rPr lang="pt-BR" sz="1000" dirty="0" smtClean="0"/>
-              <a:t>Setor Financeiro</a:t>
-            </a:r>
-            <a:endParaRPr sz="1000" dirty="0"/>
-          </a:p>
-        </p:txBody>
-      </p:sp>
-    </p:spTree>
-    <p:extLst>
-      <p:ext uri="{BB962C8B-B14F-4D97-AF65-F5344CB8AC3E}">
-        <p14:creationId xmlns:p14="http://schemas.microsoft.com/office/powerpoint/2010/main" val="1004141051"/>
-      </p:ext>
-    </p:extLst>
   </p:cSld>
   <p:clrMapOvr>
     <a:masterClrMapping/>

--- a/Artefatos/15.Arquitetura de Negócio para cada Cenário Oficina Jacarandás.pptx
+++ b/Artefatos/15.Arquitetura de Negócio para cada Cenário Oficina Jacarandás.pptx
@@ -5,14 +5,15 @@
     <p:sldMasterId id="2147483659" r:id="rId1"/>
   </p:sldMasterIdLst>
   <p:notesMasterIdLst>
-    <p:notesMasterId r:id="rId7"/>
+    <p:notesMasterId r:id="rId8"/>
   </p:notesMasterIdLst>
   <p:sldIdLst>
     <p:sldId id="256" r:id="rId2"/>
     <p:sldId id="263" r:id="rId3"/>
     <p:sldId id="257" r:id="rId4"/>
-    <p:sldId id="262" r:id="rId5"/>
-    <p:sldId id="258" r:id="rId6"/>
+    <p:sldId id="264" r:id="rId5"/>
+    <p:sldId id="262" r:id="rId6"/>
+    <p:sldId id="258" r:id="rId7"/>
   </p:sldIdLst>
   <p:sldSz cx="9144000" cy="5143500" type="screen16x9"/>
   <p:notesSz cx="6858000" cy="9144000"/>
@@ -1083,6 +1084,115 @@
   <p:cSld>
     <p:spTree>
       <p:nvGrpSpPr>
+        <p:cNvPr id="1" name="Shape 76"/>
+        <p:cNvGrpSpPr/>
+        <p:nvPr/>
+      </p:nvGrpSpPr>
+      <p:grpSpPr>
+        <a:xfrm>
+          <a:off x="0" y="0"/>
+          <a:ext cx="0" cy="0"/>
+          <a:chOff x="0" y="0"/>
+          <a:chExt cx="0" cy="0"/>
+        </a:xfrm>
+      </p:grpSpPr>
+      <p:sp>
+        <p:nvSpPr>
+          <p:cNvPr id="77" name="Google Shape;77;g70113a64af_1_47:notes"/>
+          <p:cNvSpPr>
+            <a:spLocks noGrp="1" noRot="1" noChangeAspect="1"/>
+          </p:cNvSpPr>
+          <p:nvPr>
+            <p:ph type="sldImg" idx="2"/>
+          </p:nvPr>
+        </p:nvSpPr>
+        <p:spPr>
+          <a:xfrm>
+            <a:off x="381000" y="685800"/>
+            <a:ext cx="6096000" cy="3429000"/>
+          </a:xfrm>
+          <a:custGeom>
+            <a:avLst/>
+            <a:gdLst/>
+            <a:ahLst/>
+            <a:cxnLst/>
+            <a:rect l="l" t="t" r="r" b="b"/>
+            <a:pathLst>
+              <a:path w="120000" h="120000" extrusionOk="0">
+                <a:moveTo>
+                  <a:pt x="0" y="0"/>
+                </a:moveTo>
+                <a:lnTo>
+                  <a:pt x="120000" y="0"/>
+                </a:lnTo>
+                <a:lnTo>
+                  <a:pt x="120000" y="120000"/>
+                </a:lnTo>
+                <a:lnTo>
+                  <a:pt x="0" y="120000"/>
+                </a:lnTo>
+                <a:close/>
+              </a:path>
+            </a:pathLst>
+          </a:custGeom>
+        </p:spPr>
+      </p:sp>
+      <p:sp>
+        <p:nvSpPr>
+          <p:cNvPr id="78" name="Google Shape;78;g70113a64af_1_47:notes"/>
+          <p:cNvSpPr txBox="1">
+            <a:spLocks noGrp="1"/>
+          </p:cNvSpPr>
+          <p:nvPr>
+            <p:ph type="body" idx="1"/>
+          </p:nvPr>
+        </p:nvSpPr>
+        <p:spPr>
+          <a:xfrm>
+            <a:off x="685800" y="4343400"/>
+            <a:ext cx="5486400" cy="4114800"/>
+          </a:xfrm>
+          <a:prstGeom prst="rect">
+            <a:avLst/>
+          </a:prstGeom>
+        </p:spPr>
+        <p:txBody>
+          <a:bodyPr spcFirstLastPara="1" wrap="square" lIns="91425" tIns="91425" rIns="91425" bIns="91425" anchor="t" anchorCtr="0">
+            <a:noAutofit/>
+          </a:bodyPr>
+          <a:lstStyle/>
+          <a:p>
+            <a:pPr marL="0" lvl="0" indent="0" algn="l" rtl="0">
+              <a:spcBef>
+                <a:spcPts val="0"/>
+              </a:spcBef>
+              <a:spcAft>
+                <a:spcPts val="0"/>
+              </a:spcAft>
+              <a:buNone/>
+            </a:pPr>
+            <a:endParaRPr/>
+          </a:p>
+        </p:txBody>
+      </p:sp>
+    </p:spTree>
+    <p:extLst>
+      <p:ext uri="{BB962C8B-B14F-4D97-AF65-F5344CB8AC3E}">
+        <p14:creationId xmlns:p14="http://schemas.microsoft.com/office/powerpoint/2010/main" val="1640122044"/>
+      </p:ext>
+    </p:extLst>
+  </p:cSld>
+  <p:clrMapOvr>
+    <a:masterClrMapping/>
+  </p:clrMapOvr>
+</p:notes>
+</file>
+
+<file path=ppt/notesSlides/notesSlide5.xml><?xml version="1.0" encoding="utf-8"?>
+<p:notes xmlns:a="http://schemas.openxmlformats.org/drawingml/2006/main" xmlns:r="http://schemas.openxmlformats.org/officeDocument/2006/relationships" xmlns:p="http://schemas.openxmlformats.org/presentationml/2006/main" showMasterSp="0" showMasterPhAnim="0">
+  <p:cSld>
+    <p:spTree>
+      <p:nvGrpSpPr>
         <p:cNvPr id="1" name="Shape 96"/>
         <p:cNvGrpSpPr/>
         <p:nvPr/>
@@ -1187,7 +1297,7 @@
 </p:notes>
 </file>
 
-<file path=ppt/notesSlides/notesSlide5.xml><?xml version="1.0" encoding="utf-8"?>
+<file path=ppt/notesSlides/notesSlide6.xml><?xml version="1.0" encoding="utf-8"?>
 <p:notes xmlns:a="http://schemas.openxmlformats.org/drawingml/2006/main" xmlns:r="http://schemas.openxmlformats.org/officeDocument/2006/relationships" xmlns:p="http://schemas.openxmlformats.org/presentationml/2006/main" showMasterSp="0" showMasterPhAnim="0">
   <p:cSld>
     <p:spTree>
@@ -6630,6 +6740,16 @@
             </a:r>
           </a:p>
           <a:p>
+            <a:pPr marL="457200" indent="-292100">
+              <a:buSzPts val="1000"/>
+              <a:buChar char="●"/>
+            </a:pPr>
+            <a:r>
+              <a:rPr lang="pt-BR" sz="1000" dirty="0" smtClean="0"/>
+              <a:t>Retirar veículo</a:t>
+            </a:r>
+          </a:p>
+          <a:p>
             <a:pPr marL="165100">
               <a:buSzPts val="1000"/>
             </a:pPr>
@@ -7103,15 +7223,15 @@
               <a:buChar char="❖"/>
             </a:pPr>
             <a:r>
-              <a:rPr lang="pt-BR" sz="1100" dirty="0" smtClean="0"/>
+              <a:rPr lang="pt-BR" sz="1200" dirty="0" smtClean="0"/>
               <a:t>Solicitar a </a:t>
             </a:r>
             <a:r>
-              <a:rPr lang="pt-BR" sz="1100" dirty="0"/>
+              <a:rPr lang="pt-BR" sz="1200" dirty="0"/>
               <a:t>realização de </a:t>
             </a:r>
             <a:r>
-              <a:rPr lang="pt-BR" sz="1100" dirty="0" smtClean="0"/>
+              <a:rPr lang="pt-BR" sz="1200" dirty="0" smtClean="0"/>
               <a:t>serviços</a:t>
             </a:r>
           </a:p>
@@ -7533,6 +7653,10 @@
               <a:buSzPts val="1000"/>
               <a:buChar char="●"/>
             </a:pPr>
+            <a:r>
+              <a:rPr lang="pt-BR" sz="1000" dirty="0" smtClean="0"/>
+              <a:t>Iniciar e Finalizar serviço</a:t>
+            </a:r>
             <a:endParaRPr lang="pt-BR" sz="1000" dirty="0"/>
           </a:p>
         </p:txBody>
@@ -7938,8 +8062,8 @@
         </p:nvSpPr>
         <p:spPr>
           <a:xfrm>
-            <a:off x="1297000" y="3374520"/>
-            <a:ext cx="2628073" cy="728903"/>
+            <a:off x="1643865" y="3374520"/>
+            <a:ext cx="2281208" cy="728903"/>
           </a:xfrm>
           <a:prstGeom prst="bracketPair">
             <a:avLst/>
@@ -8177,7 +8301,7 @@
               <a:buChar char="❖"/>
             </a:pPr>
             <a:r>
-              <a:rPr lang="pt-BR" sz="1100" dirty="0" smtClean="0"/>
+              <a:rPr lang="pt-BR" sz="1200" dirty="0" smtClean="0"/>
               <a:t>Pagar Pelo Serviço </a:t>
             </a:r>
           </a:p>
@@ -8418,18 +8542,21 @@
         <p:nvCxnSpPr>
           <p:cNvPr id="90" name="Google Shape;90;p14"/>
           <p:cNvCxnSpPr>
+            <a:stCxn id="63" idx="0"/>
             <a:endCxn id="81" idx="2"/>
           </p:cNvCxnSpPr>
           <p:nvPr/>
         </p:nvCxnSpPr>
         <p:spPr>
-          <a:xfrm rot="5400000" flipH="1" flipV="1">
-            <a:off x="3194757" y="1061504"/>
-            <a:ext cx="1469383" cy="981958"/>
+          <a:xfrm rot="16200000" flipV="1">
+            <a:off x="3846572" y="1391646"/>
+            <a:ext cx="1167490" cy="19780"/>
           </a:xfrm>
-          <a:prstGeom prst="curvedConnector3">
+          <a:prstGeom prst="curvedConnector5">
             <a:avLst>
-              <a:gd name="adj1" fmla="val 53701"/>
+              <a:gd name="adj1" fmla="val 47686"/>
+              <a:gd name="adj2" fmla="val 26158"/>
+              <a:gd name="adj3" fmla="val 65900"/>
             </a:avLst>
           </a:prstGeom>
           <a:noFill/>
@@ -8528,7 +8655,7 @@
         </p:nvSpPr>
         <p:spPr>
           <a:xfrm>
-            <a:off x="2982804" y="1985281"/>
+            <a:off x="3866378" y="1985281"/>
             <a:ext cx="1147657" cy="531600"/>
           </a:xfrm>
           <a:prstGeom prst="roundRect">
@@ -8648,8 +8775,441 @@
         </p:nvCxnSpPr>
         <p:spPr>
           <a:xfrm flipV="1">
-            <a:off x="3308279" y="2471086"/>
-            <a:ext cx="259376" cy="1287578"/>
+            <a:off x="3308279" y="2526868"/>
+            <a:ext cx="1131927" cy="1231796"/>
+          </a:xfrm>
+          <a:prstGeom prst="curvedConnector2">
+            <a:avLst/>
+          </a:prstGeom>
+          <a:noFill/>
+          <a:ln w="9525" cap="flat" cmpd="sng">
+            <a:solidFill>
+              <a:srgbClr val="595959"/>
+            </a:solidFill>
+            <a:prstDash val="solid"/>
+            <a:round/>
+            <a:headEnd type="none" w="med" len="med"/>
+            <a:tailEnd type="none" w="med" len="med"/>
+          </a:ln>
+        </p:spPr>
+      </p:cxnSp>
+    </p:spTree>
+  </p:cSld>
+  <p:clrMapOvr>
+    <a:masterClrMapping/>
+  </p:clrMapOvr>
+</p:sld>
+</file>
+
+<file path=ppt/slides/slide4.xml><?xml version="1.0" encoding="utf-8"?>
+<p:sld xmlns:a="http://schemas.openxmlformats.org/drawingml/2006/main" xmlns:r="http://schemas.openxmlformats.org/officeDocument/2006/relationships" xmlns:p="http://schemas.openxmlformats.org/presentationml/2006/main">
+  <p:cSld>
+    <p:spTree>
+      <p:nvGrpSpPr>
+        <p:cNvPr id="1" name="Shape 79"/>
+        <p:cNvGrpSpPr/>
+        <p:nvPr/>
+      </p:nvGrpSpPr>
+      <p:grpSpPr>
+        <a:xfrm>
+          <a:off x="0" y="0"/>
+          <a:ext cx="0" cy="0"/>
+          <a:chOff x="0" y="0"/>
+          <a:chExt cx="0" cy="0"/>
+        </a:xfrm>
+      </p:grpSpPr>
+      <p:sp>
+        <p:nvSpPr>
+          <p:cNvPr id="80" name="Google Shape;80;p14"/>
+          <p:cNvSpPr txBox="1"/>
+          <p:nvPr/>
+        </p:nvSpPr>
+        <p:spPr>
+          <a:xfrm>
+            <a:off x="130400" y="1513688"/>
+            <a:ext cx="8542500" cy="1367400"/>
+          </a:xfrm>
+          <a:prstGeom prst="rect">
+            <a:avLst/>
+          </a:prstGeom>
+          <a:noFill/>
+          <a:ln w="9525" cap="flat" cmpd="sng">
+            <a:solidFill>
+              <a:srgbClr val="FF9900"/>
+            </a:solidFill>
+            <a:prstDash val="solid"/>
+            <a:round/>
+            <a:headEnd type="none" w="sm" len="sm"/>
+            <a:tailEnd type="none" w="sm" len="sm"/>
+          </a:ln>
+        </p:spPr>
+        <p:txBody>
+          <a:bodyPr spcFirstLastPara="1" wrap="square" lIns="91425" tIns="91425" rIns="91425" bIns="91425" anchor="t" anchorCtr="0">
+            <a:noAutofit/>
+          </a:bodyPr>
+          <a:lstStyle/>
+          <a:p>
+            <a:pPr marL="0" lvl="0" indent="0" algn="l" rtl="0">
+              <a:spcBef>
+                <a:spcPts val="0"/>
+              </a:spcBef>
+              <a:spcAft>
+                <a:spcPts val="0"/>
+              </a:spcAft>
+              <a:buNone/>
+            </a:pPr>
+            <a:r>
+              <a:rPr lang="pt-BR"/>
+              <a:t>Nós Operacionais</a:t>
+            </a:r>
+            <a:endParaRPr/>
+          </a:p>
+        </p:txBody>
+      </p:sp>
+      <p:sp>
+        <p:nvSpPr>
+          <p:cNvPr id="81" name="Google Shape;81;p14"/>
+          <p:cNvSpPr/>
+          <p:nvPr/>
+        </p:nvSpPr>
+        <p:spPr>
+          <a:xfrm>
+            <a:off x="3512927" y="99916"/>
+            <a:ext cx="1815000" cy="771900"/>
+          </a:xfrm>
+          <a:prstGeom prst="wave">
+            <a:avLst>
+              <a:gd name="adj1" fmla="val 6999"/>
+              <a:gd name="adj2" fmla="val 0"/>
+            </a:avLst>
+          </a:prstGeom>
+          <a:solidFill>
+            <a:srgbClr val="F4CCCC"/>
+          </a:solidFill>
+          <a:ln w="9525" cap="flat" cmpd="sng">
+            <a:solidFill>
+              <a:srgbClr val="FFFFFF"/>
+            </a:solidFill>
+            <a:prstDash val="solid"/>
+            <a:round/>
+            <a:headEnd type="none" w="sm" len="sm"/>
+            <a:tailEnd type="none" w="sm" len="sm"/>
+          </a:ln>
+        </p:spPr>
+        <p:txBody>
+          <a:bodyPr spcFirstLastPara="1" wrap="square" lIns="91425" tIns="91425" rIns="91425" bIns="91425" anchor="ctr" anchorCtr="0">
+            <a:noAutofit/>
+          </a:bodyPr>
+          <a:lstStyle/>
+          <a:p>
+            <a:pPr marL="165100">
+              <a:buSzPts val="1000"/>
+            </a:pPr>
+            <a:endParaRPr lang="pt-BR" sz="1200" dirty="0" smtClean="0"/>
+          </a:p>
+          <a:p>
+            <a:pPr marL="457200" indent="-292100">
+              <a:buSzPts val="1000"/>
+              <a:buChar char="❖"/>
+            </a:pPr>
+            <a:r>
+              <a:rPr lang="pt-BR" sz="1200" dirty="0" smtClean="0"/>
+              <a:t>Retirar Veículo </a:t>
+            </a:r>
+          </a:p>
+          <a:p>
+            <a:pPr marL="457200" indent="-292100">
+              <a:buSzPts val="1000"/>
+              <a:buChar char="❖"/>
+            </a:pPr>
+            <a:endParaRPr lang="pt-BR" sz="1100" dirty="0"/>
+          </a:p>
+        </p:txBody>
+      </p:sp>
+      <p:grpSp>
+        <p:nvGrpSpPr>
+          <p:cNvPr id="82" name="Google Shape;82;p14"/>
+          <p:cNvGrpSpPr/>
+          <p:nvPr/>
+        </p:nvGrpSpPr>
+        <p:grpSpPr>
+          <a:xfrm>
+            <a:off x="1957577" y="1838790"/>
+            <a:ext cx="1021200" cy="830484"/>
+            <a:chOff x="2852000" y="3424900"/>
+            <a:chExt cx="1021200" cy="830484"/>
+          </a:xfrm>
+        </p:grpSpPr>
+        <p:grpSp>
+          <p:nvGrpSpPr>
+            <p:cNvPr id="83" name="Google Shape;83;p14"/>
+            <p:cNvGrpSpPr/>
+            <p:nvPr/>
+          </p:nvGrpSpPr>
+          <p:grpSpPr>
+            <a:xfrm>
+              <a:off x="3206355" y="3424900"/>
+              <a:ext cx="308885" cy="587736"/>
+              <a:chOff x="1499725" y="1450825"/>
+              <a:chExt cx="497400" cy="843600"/>
+            </a:xfrm>
+          </p:grpSpPr>
+          <p:sp>
+            <p:nvSpPr>
+              <p:cNvPr id="84" name="Google Shape;84;p14"/>
+              <p:cNvSpPr/>
+              <p:nvPr/>
+            </p:nvSpPr>
+            <p:spPr>
+              <a:xfrm>
+                <a:off x="1597825" y="1450825"/>
+                <a:ext cx="313200" cy="281400"/>
+              </a:xfrm>
+              <a:prstGeom prst="flowChartConnector">
+                <a:avLst/>
+              </a:prstGeom>
+              <a:solidFill>
+                <a:srgbClr val="EEEEEE"/>
+              </a:solidFill>
+              <a:ln w="9525" cap="flat" cmpd="sng">
+                <a:solidFill>
+                  <a:srgbClr val="595959"/>
+                </a:solidFill>
+                <a:prstDash val="solid"/>
+                <a:round/>
+                <a:headEnd type="none" w="sm" len="sm"/>
+                <a:tailEnd type="none" w="sm" len="sm"/>
+              </a:ln>
+            </p:spPr>
+            <p:txBody>
+              <a:bodyPr spcFirstLastPara="1" wrap="square" lIns="91425" tIns="91425" rIns="91425" bIns="91425" anchor="ctr" anchorCtr="0">
+                <a:noAutofit/>
+              </a:bodyPr>
+              <a:lstStyle/>
+              <a:p>
+                <a:pPr marL="0" lvl="0" indent="0" algn="l" rtl="0">
+                  <a:spcBef>
+                    <a:spcPts val="0"/>
+                  </a:spcBef>
+                  <a:spcAft>
+                    <a:spcPts val="0"/>
+                  </a:spcAft>
+                  <a:buNone/>
+                </a:pPr>
+                <a:endParaRPr/>
+              </a:p>
+            </p:txBody>
+          </p:sp>
+          <p:cxnSp>
+            <p:nvCxnSpPr>
+              <p:cNvPr id="85" name="Google Shape;85;p14"/>
+              <p:cNvCxnSpPr>
+                <a:stCxn id="84" idx="4"/>
+              </p:cNvCxnSpPr>
+              <p:nvPr/>
+            </p:nvCxnSpPr>
+            <p:spPr>
+              <a:xfrm flipH="1">
+                <a:off x="1748725" y="1732225"/>
+                <a:ext cx="5700" cy="293100"/>
+              </a:xfrm>
+              <a:prstGeom prst="straightConnector1">
+                <a:avLst/>
+              </a:prstGeom>
+              <a:noFill/>
+              <a:ln w="9525" cap="flat" cmpd="sng">
+                <a:solidFill>
+                  <a:srgbClr val="595959"/>
+                </a:solidFill>
+                <a:prstDash val="solid"/>
+                <a:round/>
+                <a:headEnd type="none" w="med" len="med"/>
+                <a:tailEnd type="none" w="med" len="med"/>
+              </a:ln>
+            </p:spPr>
+          </p:cxnSp>
+          <p:cxnSp>
+            <p:nvCxnSpPr>
+              <p:cNvPr id="86" name="Google Shape;86;p14"/>
+              <p:cNvCxnSpPr/>
+              <p:nvPr/>
+            </p:nvCxnSpPr>
+            <p:spPr>
+              <a:xfrm>
+                <a:off x="1527475" y="1858775"/>
+                <a:ext cx="453900" cy="1800"/>
+              </a:xfrm>
+              <a:prstGeom prst="straightConnector1">
+                <a:avLst/>
+              </a:prstGeom>
+              <a:noFill/>
+              <a:ln w="9525" cap="flat" cmpd="sng">
+                <a:solidFill>
+                  <a:srgbClr val="595959"/>
+                </a:solidFill>
+                <a:prstDash val="solid"/>
+                <a:round/>
+                <a:headEnd type="none" w="med" len="med"/>
+                <a:tailEnd type="none" w="med" len="med"/>
+              </a:ln>
+            </p:spPr>
+          </p:cxnSp>
+          <p:cxnSp>
+            <p:nvCxnSpPr>
+              <p:cNvPr id="87" name="Google Shape;87;p14"/>
+              <p:cNvCxnSpPr/>
+              <p:nvPr/>
+            </p:nvCxnSpPr>
+            <p:spPr>
+              <a:xfrm flipH="1">
+                <a:off x="1499725" y="2022925"/>
+                <a:ext cx="248700" cy="271500"/>
+              </a:xfrm>
+              <a:prstGeom prst="straightConnector1">
+                <a:avLst/>
+              </a:prstGeom>
+              <a:noFill/>
+              <a:ln w="9525" cap="flat" cmpd="sng">
+                <a:solidFill>
+                  <a:srgbClr val="595959"/>
+                </a:solidFill>
+                <a:prstDash val="solid"/>
+                <a:round/>
+                <a:headEnd type="none" w="med" len="med"/>
+                <a:tailEnd type="none" w="med" len="med"/>
+              </a:ln>
+            </p:spPr>
+          </p:cxnSp>
+          <p:cxnSp>
+            <p:nvCxnSpPr>
+              <p:cNvPr id="88" name="Google Shape;88;p14"/>
+              <p:cNvCxnSpPr/>
+              <p:nvPr/>
+            </p:nvCxnSpPr>
+            <p:spPr>
+              <a:xfrm rot="10800000">
+                <a:off x="1748425" y="2022925"/>
+                <a:ext cx="248700" cy="271500"/>
+              </a:xfrm>
+              <a:prstGeom prst="straightConnector1">
+                <a:avLst/>
+              </a:prstGeom>
+              <a:noFill/>
+              <a:ln w="9525" cap="flat" cmpd="sng">
+                <a:solidFill>
+                  <a:srgbClr val="595959"/>
+                </a:solidFill>
+                <a:prstDash val="solid"/>
+                <a:round/>
+                <a:headEnd type="none" w="med" len="med"/>
+                <a:tailEnd type="none" w="med" len="med"/>
+              </a:ln>
+            </p:spPr>
+          </p:cxnSp>
+        </p:grpSp>
+        <p:sp>
+          <p:nvSpPr>
+            <p:cNvPr id="89" name="Google Shape;89;p14"/>
+            <p:cNvSpPr txBox="1"/>
+            <p:nvPr/>
+          </p:nvSpPr>
+          <p:spPr>
+            <a:xfrm>
+              <a:off x="2852000" y="3912484"/>
+              <a:ext cx="1021200" cy="342900"/>
+            </a:xfrm>
+            <a:prstGeom prst="rect">
+              <a:avLst/>
+            </a:prstGeom>
+            <a:noFill/>
+            <a:ln>
+              <a:noFill/>
+            </a:ln>
+          </p:spPr>
+          <p:txBody>
+            <a:bodyPr spcFirstLastPara="1" wrap="square" lIns="91425" tIns="91425" rIns="91425" bIns="91425" anchor="t" anchorCtr="0">
+              <a:noAutofit/>
+            </a:bodyPr>
+            <a:lstStyle/>
+            <a:p>
+              <a:pPr marL="0" lvl="0" indent="0" algn="ctr" rtl="0">
+                <a:spcBef>
+                  <a:spcPts val="0"/>
+                </a:spcBef>
+                <a:spcAft>
+                  <a:spcPts val="0"/>
+                </a:spcAft>
+                <a:buNone/>
+              </a:pPr>
+              <a:r>
+                <a:rPr lang="pt-BR" sz="1200" b="1" dirty="0"/>
+                <a:t>Cliente</a:t>
+              </a:r>
+              <a:endParaRPr sz="1200" b="1" dirty="0"/>
+            </a:p>
+          </p:txBody>
+        </p:sp>
+      </p:grpSp>
+      <p:sp>
+        <p:nvSpPr>
+          <p:cNvPr id="92" name="Google Shape;92;p14"/>
+          <p:cNvSpPr txBox="1"/>
+          <p:nvPr/>
+        </p:nvSpPr>
+        <p:spPr>
+          <a:xfrm>
+            <a:off x="134749" y="2866613"/>
+            <a:ext cx="8542500" cy="1367400"/>
+          </a:xfrm>
+          <a:prstGeom prst="rect">
+            <a:avLst/>
+          </a:prstGeom>
+          <a:noFill/>
+          <a:ln w="9525" cap="flat" cmpd="sng">
+            <a:solidFill>
+              <a:srgbClr val="FF9900"/>
+            </a:solidFill>
+            <a:prstDash val="solid"/>
+            <a:round/>
+            <a:headEnd type="none" w="sm" len="sm"/>
+            <a:tailEnd type="none" w="sm" len="sm"/>
+          </a:ln>
+        </p:spPr>
+        <p:txBody>
+          <a:bodyPr spcFirstLastPara="1" wrap="square" lIns="91425" tIns="91425" rIns="91425" bIns="91425" anchor="t" anchorCtr="0">
+            <a:noAutofit/>
+          </a:bodyPr>
+          <a:lstStyle/>
+          <a:p>
+            <a:pPr marL="0" lvl="0" indent="0" algn="l" rtl="0">
+              <a:spcBef>
+                <a:spcPts val="0"/>
+              </a:spcBef>
+              <a:spcAft>
+                <a:spcPts val="0"/>
+              </a:spcAft>
+              <a:buNone/>
+            </a:pPr>
+            <a:r>
+              <a:rPr lang="pt-BR" u="sng"/>
+              <a:t>Capacidades Operacionais</a:t>
+            </a:r>
+            <a:endParaRPr u="sng"/>
+          </a:p>
+        </p:txBody>
+      </p:sp>
+      <p:cxnSp>
+        <p:nvCxnSpPr>
+          <p:cNvPr id="93" name="Google Shape;93;p14"/>
+          <p:cNvCxnSpPr>
+            <a:endCxn id="81" idx="1"/>
+          </p:cNvCxnSpPr>
+          <p:nvPr/>
+        </p:nvCxnSpPr>
+        <p:spPr>
+          <a:xfrm rot="5400000" flipH="1" flipV="1">
+            <a:off x="2313189" y="639053"/>
+            <a:ext cx="1352924" cy="1046551"/>
           </a:xfrm>
           <a:prstGeom prst="curvedConnector2">
             <a:avLst/>
@@ -8668,141 +9228,13 @@
       </p:cxnSp>
       <p:sp>
         <p:nvSpPr>
-          <p:cNvPr id="18" name="Google Shape;91;p14"/>
-          <p:cNvSpPr/>
-          <p:nvPr/>
-        </p:nvSpPr>
-        <p:spPr>
-          <a:xfrm>
-            <a:off x="4550698" y="1981539"/>
-            <a:ext cx="1147657" cy="531600"/>
-          </a:xfrm>
-          <a:prstGeom prst="roundRect">
-            <a:avLst>
-              <a:gd name="adj" fmla="val 16667"/>
-            </a:avLst>
-          </a:prstGeom>
-          <a:gradFill>
-            <a:gsLst>
-              <a:gs pos="0">
-                <a:srgbClr val="D4E5F5"/>
-              </a:gs>
-              <a:gs pos="100000">
-                <a:srgbClr val="70A4D5"/>
-              </a:gs>
-            </a:gsLst>
-            <a:path path="circle">
-              <a:fillToRect l="50000" t="50000" r="50000" b="50000"/>
-            </a:path>
-            <a:tileRect/>
-          </a:gradFill>
-          <a:ln w="9525" cap="flat" cmpd="sng">
-            <a:solidFill>
-              <a:srgbClr val="F3F3F3"/>
-            </a:solidFill>
-            <a:prstDash val="solid"/>
-            <a:round/>
-            <a:headEnd type="none" w="sm" len="sm"/>
-            <a:tailEnd type="none" w="sm" len="sm"/>
-          </a:ln>
-        </p:spPr>
-        <p:txBody>
-          <a:bodyPr spcFirstLastPara="1" wrap="square" lIns="91425" tIns="91425" rIns="91425" bIns="91425" anchor="ctr" anchorCtr="0">
-            <a:noAutofit/>
-          </a:bodyPr>
-          <a:lstStyle/>
-          <a:p>
-            <a:pPr marL="0" lvl="0" indent="0" algn="ctr" rtl="0">
-              <a:spcBef>
-                <a:spcPts val="0"/>
-              </a:spcBef>
-              <a:spcAft>
-                <a:spcPts val="0"/>
-              </a:spcAft>
-              <a:buNone/>
-            </a:pPr>
-            <a:r>
-              <a:rPr lang="pt-BR" sz="1000" dirty="0" smtClean="0"/>
-              <a:t>Setor de Serviço</a:t>
-            </a:r>
-          </a:p>
-        </p:txBody>
-      </p:sp>
-      <p:sp>
-        <p:nvSpPr>
-          <p:cNvPr id="21" name="Google Shape;95;p14"/>
-          <p:cNvSpPr/>
-          <p:nvPr/>
-        </p:nvSpPr>
-        <p:spPr>
-          <a:xfrm>
-            <a:off x="4223430" y="3466671"/>
-            <a:ext cx="1766654" cy="645313"/>
-          </a:xfrm>
-          <a:prstGeom prst="bracketPair">
-            <a:avLst/>
-          </a:prstGeom>
-          <a:noFill/>
-          <a:ln w="9525" cap="flat" cmpd="sng">
-            <a:solidFill>
-              <a:srgbClr val="595959"/>
-            </a:solidFill>
-            <a:prstDash val="solid"/>
-            <a:round/>
-            <a:headEnd type="none" w="sm" len="sm"/>
-            <a:tailEnd type="none" w="sm" len="sm"/>
-          </a:ln>
-        </p:spPr>
-        <p:txBody>
-          <a:bodyPr spcFirstLastPara="1" wrap="square" lIns="91425" tIns="91425" rIns="91425" bIns="91425" anchor="ctr" anchorCtr="0">
-            <a:noAutofit/>
-          </a:bodyPr>
-          <a:lstStyle/>
-          <a:p>
-            <a:pPr marL="457200" indent="-292100">
-              <a:buSzPts val="1000"/>
-              <a:buChar char="●"/>
-            </a:pPr>
-            <a:r>
-              <a:rPr lang="pt-BR" sz="1000" dirty="0" smtClean="0"/>
-              <a:t>Iniciar Serviço</a:t>
-            </a:r>
-          </a:p>
-          <a:p>
-            <a:pPr marL="457200" indent="-292100">
-              <a:buSzPts val="1000"/>
-              <a:buChar char="●"/>
-            </a:pPr>
-            <a:r>
-              <a:rPr lang="pt-BR" sz="1000" dirty="0" smtClean="0"/>
-              <a:t>Finalizar Serviço</a:t>
-            </a:r>
-            <a:endParaRPr lang="pt-BR" sz="1000" dirty="0"/>
-          </a:p>
-          <a:p>
-            <a:pPr marL="165100">
-              <a:buSzPts val="1000"/>
-            </a:pPr>
-            <a:endParaRPr lang="pt-BR" sz="1000" dirty="0"/>
-          </a:p>
-          <a:p>
-            <a:pPr marL="457200" indent="-292100">
-              <a:buSzPts val="1000"/>
-              <a:buChar char="●"/>
-            </a:pPr>
-            <a:endParaRPr lang="pt-BR" sz="1000" dirty="0"/>
-          </a:p>
-        </p:txBody>
-      </p:sp>
-      <p:sp>
-        <p:nvSpPr>
           <p:cNvPr id="24" name="Google Shape;95;p14"/>
           <p:cNvSpPr/>
           <p:nvPr/>
         </p:nvSpPr>
         <p:spPr>
           <a:xfrm>
-            <a:off x="6463191" y="3481863"/>
+            <a:off x="4245548" y="3247627"/>
             <a:ext cx="1874261" cy="619847"/>
           </a:xfrm>
           <a:prstGeom prst="bracketPair">
@@ -8850,36 +9282,6 @@
           </a:p>
         </p:txBody>
       </p:sp>
-      <p:cxnSp>
-        <p:nvCxnSpPr>
-          <p:cNvPr id="26" name="Google Shape;90;p14"/>
-          <p:cNvCxnSpPr>
-            <a:stCxn id="21" idx="0"/>
-          </p:cNvCxnSpPr>
-          <p:nvPr/>
-        </p:nvCxnSpPr>
-        <p:spPr>
-          <a:xfrm rot="5400000" flipH="1" flipV="1">
-            <a:off x="4650692" y="2975556"/>
-            <a:ext cx="947180" cy="35050"/>
-          </a:xfrm>
-          <a:prstGeom prst="curvedConnector3">
-            <a:avLst>
-              <a:gd name="adj1" fmla="val 50000"/>
-            </a:avLst>
-          </a:prstGeom>
-          <a:noFill/>
-          <a:ln w="9525" cap="flat" cmpd="sng">
-            <a:solidFill>
-              <a:srgbClr val="595959"/>
-            </a:solidFill>
-            <a:prstDash val="solid"/>
-            <a:round/>
-            <a:headEnd type="none" w="med" len="med"/>
-            <a:tailEnd type="none" w="med" len="med"/>
-          </a:ln>
-        </p:spPr>
-      </p:cxnSp>
       <p:sp>
         <p:nvSpPr>
           <p:cNvPr id="30" name="Google Shape;91;p14"/>
@@ -8888,7 +9290,7 @@
         </p:nvSpPr>
         <p:spPr>
           <a:xfrm>
-            <a:off x="6769824" y="1978973"/>
+            <a:off x="3920482" y="2160726"/>
             <a:ext cx="1147657" cy="531600"/>
           </a:xfrm>
           <a:prstGeom prst="roundRect">
@@ -8946,52 +9348,20 @@
         <p:nvCxnSpPr>
           <p:cNvPr id="31" name="Google Shape;90;p14"/>
           <p:cNvCxnSpPr>
-            <a:stCxn id="24" idx="3"/>
+            <a:stCxn id="24" idx="1"/>
+            <a:endCxn id="30" idx="2"/>
           </p:cNvCxnSpPr>
           <p:nvPr/>
         </p:nvCxnSpPr>
         <p:spPr>
-          <a:xfrm flipH="1" flipV="1">
-            <a:off x="7308340" y="2519491"/>
-            <a:ext cx="1029112" cy="1272296"/>
+          <a:xfrm rot="10800000" flipH="1">
+            <a:off x="4245547" y="2692327"/>
+            <a:ext cx="248763" cy="865225"/>
           </a:xfrm>
           <a:prstGeom prst="curvedConnector4">
             <a:avLst>
-              <a:gd name="adj1" fmla="val -22213"/>
-              <a:gd name="adj2" fmla="val 62180"/>
-            </a:avLst>
-          </a:prstGeom>
-          <a:noFill/>
-          <a:ln w="9525" cap="flat" cmpd="sng">
-            <a:solidFill>
-              <a:srgbClr val="595959"/>
-            </a:solidFill>
-            <a:prstDash val="solid"/>
-            <a:round/>
-            <a:headEnd type="none" w="med" len="med"/>
-            <a:tailEnd type="none" w="med" len="med"/>
-          </a:ln>
-        </p:spPr>
-      </p:cxnSp>
-      <p:cxnSp>
-        <p:nvCxnSpPr>
-          <p:cNvPr id="38" name="Google Shape;90;p14"/>
-          <p:cNvCxnSpPr>
-            <a:stCxn id="18" idx="0"/>
-            <a:endCxn id="81" idx="2"/>
-          </p:cNvCxnSpPr>
-          <p:nvPr/>
-        </p:nvCxnSpPr>
-        <p:spPr>
-          <a:xfrm rot="16200000" flipV="1">
-            <a:off x="4190603" y="1047615"/>
-            <a:ext cx="1163748" cy="704100"/>
-          </a:xfrm>
-          <a:prstGeom prst="curvedConnector5">
-            <a:avLst>
-              <a:gd name="adj1" fmla="val 43265"/>
-              <a:gd name="adj2" fmla="val 42477"/>
-              <a:gd name="adj3" fmla="val 42835"/>
+              <a:gd name="adj1" fmla="val -91895"/>
+              <a:gd name="adj2" fmla="val 67910"/>
             </a:avLst>
           </a:prstGeom>
           <a:noFill/>
@@ -9017,12 +9387,14 @@
         </p:nvCxnSpPr>
         <p:spPr>
           <a:xfrm rot="16200000" flipV="1">
-            <a:off x="5301449" y="-63231"/>
-            <a:ext cx="1161182" cy="2923226"/>
+            <a:off x="3785902" y="1452317"/>
+            <a:ext cx="1342935" cy="73884"/>
           </a:xfrm>
-          <a:prstGeom prst="curvedConnector3">
+          <a:prstGeom prst="curvedConnector5">
             <a:avLst>
-              <a:gd name="adj1" fmla="val 48790"/>
+              <a:gd name="adj1" fmla="val 47988"/>
+              <a:gd name="adj2" fmla="val 80233"/>
+              <a:gd name="adj3" fmla="val 69589"/>
             </a:avLst>
           </a:prstGeom>
           <a:noFill/>
@@ -9038,6 +9410,11 @@
         </p:spPr>
       </p:cxnSp>
     </p:spTree>
+    <p:extLst>
+      <p:ext uri="{BB962C8B-B14F-4D97-AF65-F5344CB8AC3E}">
+        <p14:creationId xmlns:p14="http://schemas.microsoft.com/office/powerpoint/2010/main" val="1066817848"/>
+      </p:ext>
+    </p:extLst>
   </p:cSld>
   <p:clrMapOvr>
     <a:masterClrMapping/>
@@ -9045,7 +9422,7 @@
 </p:sld>
 </file>
 
-<file path=ppt/slides/slide4.xml><?xml version="1.0" encoding="utf-8"?>
+<file path=ppt/slides/slide5.xml><?xml version="1.0" encoding="utf-8"?>
 <p:sld xmlns:a="http://schemas.openxmlformats.org/drawingml/2006/main" xmlns:r="http://schemas.openxmlformats.org/officeDocument/2006/relationships" xmlns:p="http://schemas.openxmlformats.org/presentationml/2006/main">
   <p:cSld>
     <p:spTree>
@@ -9468,19 +9845,17 @@
           <p:cNvPr id="113" name="Google Shape;113;p15"/>
           <p:cNvCxnSpPr>
             <a:stCxn id="104" idx="0"/>
-            <a:endCxn id="101" idx="2"/>
+            <a:endCxn id="101" idx="1"/>
           </p:cNvCxnSpPr>
           <p:nvPr/>
         </p:nvCxnSpPr>
         <p:spPr>
-          <a:xfrm rot="-5400000">
-            <a:off x="3051351" y="323040"/>
-            <a:ext cx="934500" cy="2097000"/>
+          <a:xfrm rot="5400000" flipH="1" flipV="1">
+            <a:off x="2431543" y="610784"/>
+            <a:ext cx="1266565" cy="1189449"/>
           </a:xfrm>
-          <a:prstGeom prst="curvedConnector3">
-            <a:avLst>
-              <a:gd name="adj1" fmla="val 47226"/>
-            </a:avLst>
+          <a:prstGeom prst="curvedConnector2">
+            <a:avLst/>
           </a:prstGeom>
           <a:noFill/>
           <a:ln w="9525" cap="flat" cmpd="sng">
@@ -9505,13 +9880,13 @@
         </p:nvCxnSpPr>
         <p:spPr>
           <a:xfrm rot="5400000">
-            <a:off x="4226948" y="3015989"/>
-            <a:ext cx="607560" cy="33558"/>
+            <a:off x="4226949" y="3015990"/>
+            <a:ext cx="607560" cy="33557"/>
           </a:xfrm>
           <a:prstGeom prst="curvedConnector4">
             <a:avLst>
               <a:gd name="adj1" fmla="val 36046"/>
-              <a:gd name="adj2" fmla="val 781209"/>
+              <a:gd name="adj2" fmla="val 781229"/>
             </a:avLst>
           </a:prstGeom>
           <a:noFill/>
@@ -9534,8 +9909,8 @@
         </p:nvSpPr>
         <p:spPr>
           <a:xfrm>
-            <a:off x="4513949" y="3166988"/>
-            <a:ext cx="2472477" cy="339120"/>
+            <a:off x="4513950" y="3166988"/>
+            <a:ext cx="1445061" cy="339120"/>
           </a:xfrm>
           <a:prstGeom prst="bracketPair">
             <a:avLst/>
@@ -9562,12 +9937,8 @@
               <a:buChar char="●"/>
             </a:pPr>
             <a:r>
-              <a:rPr lang="pt-BR" sz="1000" dirty="0"/>
-              <a:t>Comprar </a:t>
-            </a:r>
-            <a:r>
               <a:rPr lang="pt-BR" sz="1000" dirty="0" smtClean="0"/>
-              <a:t>peça e material</a:t>
+              <a:t>Comprar material</a:t>
             </a:r>
             <a:endParaRPr lang="pt-BR" sz="1000" dirty="0"/>
           </a:p>
@@ -9649,7 +10020,7 @@
 </p:sld>
 </file>
 
-<file path=ppt/slides/slide5.xml><?xml version="1.0" encoding="utf-8"?>
+<file path=ppt/slides/slide6.xml><?xml version="1.0" encoding="utf-8"?>
 <p:sld xmlns:a="http://schemas.openxmlformats.org/drawingml/2006/main" xmlns:r="http://schemas.openxmlformats.org/officeDocument/2006/relationships" xmlns:p="http://schemas.openxmlformats.org/presentationml/2006/main">
   <p:cSld>
     <p:spTree>
@@ -9752,7 +10123,8 @@
           <a:p>
             <a:pPr marL="457200" indent="-292100">
               <a:buSzPts val="1000"/>
-              <a:buChar char="●"/>
+              <a:buFont typeface="Wingdings" panose="05000000000000000000" pitchFamily="2" charset="2"/>
+              <a:buChar char="v"/>
             </a:pPr>
             <a:r>
               <a:rPr lang="pt-BR" sz="1200" dirty="0" smtClean="0"/>
@@ -10112,19 +10484,19 @@
         <p:nvCxnSpPr>
           <p:cNvPr id="113" name="Google Shape;113;p15"/>
           <p:cNvCxnSpPr>
+            <a:stCxn id="104" idx="0"/>
             <a:endCxn id="101" idx="2"/>
           </p:cNvCxnSpPr>
           <p:nvPr/>
         </p:nvCxnSpPr>
         <p:spPr>
-          <a:xfrm flipV="1">
-            <a:off x="2492177" y="891112"/>
-            <a:ext cx="2119357" cy="660633"/>
+          <a:xfrm rot="5400000" flipH="1" flipV="1">
+            <a:off x="3210471" y="150743"/>
+            <a:ext cx="660694" cy="2141432"/>
           </a:xfrm>
-          <a:prstGeom prst="curvedConnector4">
+          <a:prstGeom prst="curvedConnector3">
             <a:avLst>
-              <a:gd name="adj1" fmla="val 27541"/>
-              <a:gd name="adj2" fmla="val 14345"/>
+              <a:gd name="adj1" fmla="val 61021"/>
             </a:avLst>
           </a:prstGeom>
           <a:noFill/>

--- a/Artefatos/15.Arquitetura de Negócio para cada Cenário Oficina Jacarandás.pptx
+++ b/Artefatos/15.Arquitetura de Negócio para cada Cenário Oficina Jacarandás.pptx
@@ -5,7 +5,7 @@
     <p:sldMasterId id="2147483659" r:id="rId1"/>
   </p:sldMasterIdLst>
   <p:notesMasterIdLst>
-    <p:notesMasterId r:id="rId8"/>
+    <p:notesMasterId r:id="rId9"/>
   </p:notesMasterIdLst>
   <p:sldIdLst>
     <p:sldId id="256" r:id="rId2"/>
@@ -14,6 +14,7 @@
     <p:sldId id="264" r:id="rId5"/>
     <p:sldId id="262" r:id="rId6"/>
     <p:sldId id="258" r:id="rId7"/>
+    <p:sldId id="267" r:id="rId8"/>
   </p:sldIdLst>
   <p:sldSz cx="9144000" cy="5143500" type="screen16x9"/>
   <p:notesSz cx="6858000" cy="9144000"/>
@@ -1397,6 +1398,115 @@
     <p:extLst>
       <p:ext uri="{BB962C8B-B14F-4D97-AF65-F5344CB8AC3E}">
         <p14:creationId xmlns:p14="http://schemas.microsoft.com/office/powerpoint/2010/main" val="1245799505"/>
+      </p:ext>
+    </p:extLst>
+  </p:cSld>
+  <p:clrMapOvr>
+    <a:masterClrMapping/>
+  </p:clrMapOvr>
+</p:notes>
+</file>
+
+<file path=ppt/notesSlides/notesSlide7.xml><?xml version="1.0" encoding="utf-8"?>
+<p:notes xmlns:a="http://schemas.openxmlformats.org/drawingml/2006/main" xmlns:r="http://schemas.openxmlformats.org/officeDocument/2006/relationships" xmlns:p="http://schemas.openxmlformats.org/presentationml/2006/main" showMasterSp="0" showMasterPhAnim="0">
+  <p:cSld>
+    <p:spTree>
+      <p:nvGrpSpPr>
+        <p:cNvPr id="1" name="Shape 96"/>
+        <p:cNvGrpSpPr/>
+        <p:nvPr/>
+      </p:nvGrpSpPr>
+      <p:grpSpPr>
+        <a:xfrm>
+          <a:off x="0" y="0"/>
+          <a:ext cx="0" cy="0"/>
+          <a:chOff x="0" y="0"/>
+          <a:chExt cx="0" cy="0"/>
+        </a:xfrm>
+      </p:grpSpPr>
+      <p:sp>
+        <p:nvSpPr>
+          <p:cNvPr id="97" name="Google Shape;97;g70113a64af_1_76:notes"/>
+          <p:cNvSpPr>
+            <a:spLocks noGrp="1" noRot="1" noChangeAspect="1"/>
+          </p:cNvSpPr>
+          <p:nvPr>
+            <p:ph type="sldImg" idx="2"/>
+          </p:nvPr>
+        </p:nvSpPr>
+        <p:spPr>
+          <a:xfrm>
+            <a:off x="381000" y="685800"/>
+            <a:ext cx="6096000" cy="3429000"/>
+          </a:xfrm>
+          <a:custGeom>
+            <a:avLst/>
+            <a:gdLst/>
+            <a:ahLst/>
+            <a:cxnLst/>
+            <a:rect l="l" t="t" r="r" b="b"/>
+            <a:pathLst>
+              <a:path w="120000" h="120000" extrusionOk="0">
+                <a:moveTo>
+                  <a:pt x="0" y="0"/>
+                </a:moveTo>
+                <a:lnTo>
+                  <a:pt x="120000" y="0"/>
+                </a:lnTo>
+                <a:lnTo>
+                  <a:pt x="120000" y="120000"/>
+                </a:lnTo>
+                <a:lnTo>
+                  <a:pt x="0" y="120000"/>
+                </a:lnTo>
+                <a:close/>
+              </a:path>
+            </a:pathLst>
+          </a:custGeom>
+        </p:spPr>
+      </p:sp>
+      <p:sp>
+        <p:nvSpPr>
+          <p:cNvPr id="98" name="Google Shape;98;g70113a64af_1_76:notes"/>
+          <p:cNvSpPr txBox="1">
+            <a:spLocks noGrp="1"/>
+          </p:cNvSpPr>
+          <p:nvPr>
+            <p:ph type="body" idx="1"/>
+          </p:nvPr>
+        </p:nvSpPr>
+        <p:spPr>
+          <a:xfrm>
+            <a:off x="685800" y="4343400"/>
+            <a:ext cx="5486400" cy="4114800"/>
+          </a:xfrm>
+          <a:prstGeom prst="rect">
+            <a:avLst/>
+          </a:prstGeom>
+        </p:spPr>
+        <p:txBody>
+          <a:bodyPr spcFirstLastPara="1" wrap="square" lIns="91425" tIns="91425" rIns="91425" bIns="91425" anchor="t" anchorCtr="0">
+            <a:noAutofit/>
+          </a:bodyPr>
+          <a:lstStyle/>
+          <a:p>
+            <a:pPr marL="0" lvl="0" indent="0" algn="l" rtl="0">
+              <a:spcBef>
+                <a:spcPts val="0"/>
+              </a:spcBef>
+              <a:spcAft>
+                <a:spcPts val="0"/>
+              </a:spcAft>
+              <a:buNone/>
+            </a:pPr>
+            <a:endParaRPr/>
+          </a:p>
+        </p:txBody>
+      </p:sp>
+    </p:spTree>
+    <p:extLst>
+      <p:ext uri="{BB962C8B-B14F-4D97-AF65-F5344CB8AC3E}">
+        <p14:creationId xmlns:p14="http://schemas.microsoft.com/office/powerpoint/2010/main" val="3069000416"/>
       </p:ext>
     </p:extLst>
   </p:cSld>
@@ -6600,7 +6710,7 @@
         </p:nvSpPr>
         <p:spPr>
           <a:xfrm>
-            <a:off x="4387299" y="3187254"/>
+            <a:off x="4397573" y="3187254"/>
             <a:ext cx="3033900" cy="1000490"/>
           </a:xfrm>
           <a:prstGeom prst="rect">
@@ -6630,7 +6740,7 @@
           <p:cNvPr id="27" name="Google Shape;75;p13">
             <a:extLst>
               <a:ext uri="{FF2B5EF4-FFF2-40B4-BE49-F238E27FC236}">
-                <a16:creationId xmlns="" xmlns:a16="http://schemas.microsoft.com/office/drawing/2014/main" id="{A045D80E-4EF0-424F-8522-EEA629B4D528}"/>
+                <a16:creationId xmlns:a16="http://schemas.microsoft.com/office/drawing/2014/main" xmlns="" id="{A045D80E-4EF0-424F-8522-EEA629B4D528}"/>
               </a:ext>
             </a:extLst>
           </p:cNvPr>
@@ -6661,12 +6771,8 @@
               <a:buChar char="●"/>
             </a:pPr>
             <a:r>
-              <a:rPr lang="pt-BR" sz="1000" dirty="0"/>
-              <a:t>Fornecer </a:t>
-            </a:r>
-            <a:r>
               <a:rPr lang="pt-BR" sz="1000" dirty="0" smtClean="0"/>
-              <a:t>material </a:t>
+              <a:t>Fornecer material </a:t>
             </a:r>
             <a:r>
               <a:rPr lang="pt-BR" sz="1000" dirty="0"/>
@@ -6680,7 +6786,7 @@
           <p:cNvPr id="28" name="Google Shape;75;p13">
             <a:extLst>
               <a:ext uri="{FF2B5EF4-FFF2-40B4-BE49-F238E27FC236}">
-                <a16:creationId xmlns="" xmlns:a16="http://schemas.microsoft.com/office/drawing/2014/main" id="{77F1DC65-51E4-4A38-ADC6-19ED54B9B934}"/>
+                <a16:creationId xmlns:a16="http://schemas.microsoft.com/office/drawing/2014/main" xmlns="" id="{77F1DC65-51E4-4A38-ADC6-19ED54B9B934}"/>
               </a:ext>
             </a:extLst>
           </p:cNvPr>
@@ -6771,7 +6877,7 @@
         </p:nvGrpSpPr>
         <p:grpSpPr>
           <a:xfrm>
-            <a:off x="6465148" y="1206036"/>
+            <a:off x="6465148" y="1370420"/>
             <a:ext cx="2317636" cy="1145495"/>
             <a:chOff x="2852000" y="3424900"/>
             <a:chExt cx="2317636" cy="1145495"/>
@@ -7035,15 +7141,13 @@
       <p:cxnSp>
         <p:nvCxnSpPr>
           <p:cNvPr id="40" name="Google Shape;72;p13"/>
-          <p:cNvCxnSpPr>
-            <a:endCxn id="55" idx="3"/>
-          </p:cNvCxnSpPr>
+          <p:cNvCxnSpPr/>
           <p:nvPr/>
         </p:nvCxnSpPr>
         <p:spPr>
           <a:xfrm rot="10800000" flipV="1">
             <a:off x="5122022" y="2069201"/>
-            <a:ext cx="1343127" cy="928007"/>
+            <a:ext cx="1343129" cy="794804"/>
           </a:xfrm>
           <a:prstGeom prst="curvedConnector3">
             <a:avLst>
@@ -7070,7 +7174,7 @@
         </p:nvSpPr>
         <p:spPr>
           <a:xfrm>
-            <a:off x="5929196" y="2597098"/>
+            <a:off x="5929196" y="2630355"/>
             <a:ext cx="2853588" cy="400110"/>
           </a:xfrm>
           <a:prstGeom prst="rect">
@@ -7103,6 +7207,309 @@
           </a:p>
         </p:txBody>
       </p:sp>
+      <p:grpSp>
+        <p:nvGrpSpPr>
+          <p:cNvPr id="36" name="Google Shape;64;p13"/>
+          <p:cNvGrpSpPr/>
+          <p:nvPr/>
+        </p:nvGrpSpPr>
+        <p:grpSpPr>
+          <a:xfrm>
+            <a:off x="6478628" y="3324352"/>
+            <a:ext cx="1108691" cy="998677"/>
+            <a:chOff x="2852000" y="3424900"/>
+            <a:chExt cx="1021200" cy="906684"/>
+          </a:xfrm>
+        </p:grpSpPr>
+        <p:grpSp>
+          <p:nvGrpSpPr>
+            <p:cNvPr id="37" name="Google Shape;65;p13"/>
+            <p:cNvGrpSpPr/>
+            <p:nvPr/>
+          </p:nvGrpSpPr>
+          <p:grpSpPr>
+            <a:xfrm>
+              <a:off x="3206355" y="3424900"/>
+              <a:ext cx="308885" cy="587736"/>
+              <a:chOff x="1499725" y="1450825"/>
+              <a:chExt cx="497400" cy="843600"/>
+            </a:xfrm>
+          </p:grpSpPr>
+          <p:sp>
+            <p:nvSpPr>
+              <p:cNvPr id="39" name="Google Shape;66;p13"/>
+              <p:cNvSpPr/>
+              <p:nvPr/>
+            </p:nvSpPr>
+            <p:spPr>
+              <a:xfrm>
+                <a:off x="1597825" y="1450825"/>
+                <a:ext cx="313200" cy="281400"/>
+              </a:xfrm>
+              <a:prstGeom prst="flowChartConnector">
+                <a:avLst/>
+              </a:prstGeom>
+              <a:solidFill>
+                <a:srgbClr val="EEEEEE"/>
+              </a:solidFill>
+              <a:ln w="9525" cap="flat" cmpd="sng">
+                <a:solidFill>
+                  <a:srgbClr val="595959"/>
+                </a:solidFill>
+                <a:prstDash val="solid"/>
+                <a:round/>
+                <a:headEnd type="none" w="sm" len="sm"/>
+                <a:tailEnd type="none" w="sm" len="sm"/>
+              </a:ln>
+            </p:spPr>
+            <p:txBody>
+              <a:bodyPr spcFirstLastPara="1" wrap="square" lIns="91425" tIns="91425" rIns="91425" bIns="91425" anchor="ctr" anchorCtr="0">
+                <a:noAutofit/>
+              </a:bodyPr>
+              <a:lstStyle/>
+              <a:p>
+                <a:pPr marL="0" lvl="0" indent="0" algn="l" rtl="0">
+                  <a:spcBef>
+                    <a:spcPts val="0"/>
+                  </a:spcBef>
+                  <a:spcAft>
+                    <a:spcPts val="0"/>
+                  </a:spcAft>
+                  <a:buNone/>
+                </a:pPr>
+                <a:endParaRPr/>
+              </a:p>
+            </p:txBody>
+          </p:sp>
+          <p:cxnSp>
+            <p:nvCxnSpPr>
+              <p:cNvPr id="41" name="Google Shape;67;p13"/>
+              <p:cNvCxnSpPr>
+                <a:stCxn id="39" idx="4"/>
+              </p:cNvCxnSpPr>
+              <p:nvPr/>
+            </p:nvCxnSpPr>
+            <p:spPr>
+              <a:xfrm flipH="1">
+                <a:off x="1748725" y="1732225"/>
+                <a:ext cx="5700" cy="293100"/>
+              </a:xfrm>
+              <a:prstGeom prst="straightConnector1">
+                <a:avLst/>
+              </a:prstGeom>
+              <a:noFill/>
+              <a:ln w="9525" cap="flat" cmpd="sng">
+                <a:solidFill>
+                  <a:srgbClr val="595959"/>
+                </a:solidFill>
+                <a:prstDash val="solid"/>
+                <a:round/>
+                <a:headEnd type="none" w="med" len="med"/>
+                <a:tailEnd type="none" w="med" len="med"/>
+              </a:ln>
+            </p:spPr>
+          </p:cxnSp>
+          <p:cxnSp>
+            <p:nvCxnSpPr>
+              <p:cNvPr id="42" name="Google Shape;68;p13"/>
+              <p:cNvCxnSpPr/>
+              <p:nvPr/>
+            </p:nvCxnSpPr>
+            <p:spPr>
+              <a:xfrm>
+                <a:off x="1527475" y="1858775"/>
+                <a:ext cx="453900" cy="1800"/>
+              </a:xfrm>
+              <a:prstGeom prst="straightConnector1">
+                <a:avLst/>
+              </a:prstGeom>
+              <a:noFill/>
+              <a:ln w="9525" cap="flat" cmpd="sng">
+                <a:solidFill>
+                  <a:srgbClr val="595959"/>
+                </a:solidFill>
+                <a:prstDash val="solid"/>
+                <a:round/>
+                <a:headEnd type="none" w="med" len="med"/>
+                <a:tailEnd type="none" w="med" len="med"/>
+              </a:ln>
+            </p:spPr>
+          </p:cxnSp>
+          <p:cxnSp>
+            <p:nvCxnSpPr>
+              <p:cNvPr id="43" name="Google Shape;69;p13"/>
+              <p:cNvCxnSpPr/>
+              <p:nvPr/>
+            </p:nvCxnSpPr>
+            <p:spPr>
+              <a:xfrm flipH="1">
+                <a:off x="1499725" y="2022925"/>
+                <a:ext cx="248700" cy="271500"/>
+              </a:xfrm>
+              <a:prstGeom prst="straightConnector1">
+                <a:avLst/>
+              </a:prstGeom>
+              <a:noFill/>
+              <a:ln w="9525" cap="flat" cmpd="sng">
+                <a:solidFill>
+                  <a:srgbClr val="595959"/>
+                </a:solidFill>
+                <a:prstDash val="solid"/>
+                <a:round/>
+                <a:headEnd type="none" w="med" len="med"/>
+                <a:tailEnd type="none" w="med" len="med"/>
+              </a:ln>
+            </p:spPr>
+          </p:cxnSp>
+          <p:cxnSp>
+            <p:nvCxnSpPr>
+              <p:cNvPr id="44" name="Google Shape;70;p13"/>
+              <p:cNvCxnSpPr/>
+              <p:nvPr/>
+            </p:nvCxnSpPr>
+            <p:spPr>
+              <a:xfrm rot="10800000">
+                <a:off x="1748425" y="2022925"/>
+                <a:ext cx="248700" cy="271500"/>
+              </a:xfrm>
+              <a:prstGeom prst="straightConnector1">
+                <a:avLst/>
+              </a:prstGeom>
+              <a:noFill/>
+              <a:ln w="9525" cap="flat" cmpd="sng">
+                <a:solidFill>
+                  <a:srgbClr val="595959"/>
+                </a:solidFill>
+                <a:prstDash val="solid"/>
+                <a:round/>
+                <a:headEnd type="none" w="med" len="med"/>
+                <a:tailEnd type="none" w="med" len="med"/>
+              </a:ln>
+            </p:spPr>
+          </p:cxnSp>
+        </p:grpSp>
+        <p:sp>
+          <p:nvSpPr>
+            <p:cNvPr id="38" name="Google Shape;71;p13"/>
+            <p:cNvSpPr txBox="1"/>
+            <p:nvPr/>
+          </p:nvSpPr>
+          <p:spPr>
+            <a:xfrm>
+              <a:off x="2852000" y="3988684"/>
+              <a:ext cx="1021200" cy="342900"/>
+            </a:xfrm>
+            <a:prstGeom prst="rect">
+              <a:avLst/>
+            </a:prstGeom>
+            <a:noFill/>
+            <a:ln>
+              <a:noFill/>
+            </a:ln>
+          </p:spPr>
+          <p:txBody>
+            <a:bodyPr spcFirstLastPara="1" wrap="square" lIns="91425" tIns="91425" rIns="91425" bIns="91425" anchor="t" anchorCtr="0">
+              <a:noAutofit/>
+            </a:bodyPr>
+            <a:lstStyle/>
+            <a:p>
+              <a:pPr marL="0" lvl="0" indent="0" algn="l" rtl="0">
+                <a:spcBef>
+                  <a:spcPts val="0"/>
+                </a:spcBef>
+                <a:spcAft>
+                  <a:spcPts val="0"/>
+                </a:spcAft>
+                <a:buNone/>
+              </a:pPr>
+              <a:r>
+                <a:rPr lang="pt-BR" sz="1200" b="1" dirty="0" smtClean="0"/>
+                <a:t>  </a:t>
+              </a:r>
+              <a:r>
+                <a:rPr lang="pt-BR" sz="1200" b="1" dirty="0" smtClean="0"/>
+                <a:t>Operadora de cartão</a:t>
+              </a:r>
+              <a:r>
+                <a:rPr lang="pt-BR" sz="1200" b="1" dirty="0"/>
+                <a:t>	</a:t>
+              </a:r>
+              <a:endParaRPr sz="1200" b="1" dirty="0"/>
+            </a:p>
+          </p:txBody>
+        </p:sp>
+      </p:grpSp>
+      <p:sp>
+        <p:nvSpPr>
+          <p:cNvPr id="91" name="Google Shape;75;p13">
+            <a:extLst>
+              <a:ext uri="{FF2B5EF4-FFF2-40B4-BE49-F238E27FC236}">
+                <a16:creationId xmlns:a16="http://schemas.microsoft.com/office/drawing/2014/main" xmlns="" id="{A045D80E-4EF0-424F-8522-EEA629B4D528}"/>
+              </a:ext>
+            </a:extLst>
+          </p:cNvPr>
+          <p:cNvSpPr txBox="1"/>
+          <p:nvPr/>
+        </p:nvSpPr>
+        <p:spPr>
+          <a:xfrm>
+            <a:off x="5467977" y="4444564"/>
+            <a:ext cx="3011938" cy="401776"/>
+          </a:xfrm>
+          <a:prstGeom prst="rect">
+            <a:avLst/>
+          </a:prstGeom>
+          <a:noFill/>
+          <a:ln>
+            <a:noFill/>
+          </a:ln>
+        </p:spPr>
+        <p:txBody>
+          <a:bodyPr spcFirstLastPara="1" wrap="square" lIns="91425" tIns="91425" rIns="91425" bIns="91425" anchor="t" anchorCtr="0">
+            <a:noAutofit/>
+          </a:bodyPr>
+          <a:lstStyle/>
+          <a:p>
+            <a:pPr marL="457200" indent="-292100">
+              <a:buSzPts val="1000"/>
+              <a:buChar char="●"/>
+            </a:pPr>
+            <a:r>
+              <a:rPr lang="pt-BR" sz="1000" dirty="0" smtClean="0"/>
+              <a:t>Fornecer pagamento no cartão</a:t>
+            </a:r>
+            <a:endParaRPr lang="pt-BR" sz="1000" dirty="0"/>
+          </a:p>
+        </p:txBody>
+      </p:sp>
+      <p:cxnSp>
+        <p:nvCxnSpPr>
+          <p:cNvPr id="92" name="Google Shape;72;p13"/>
+          <p:cNvCxnSpPr/>
+          <p:nvPr/>
+        </p:nvCxnSpPr>
+        <p:spPr>
+          <a:xfrm rot="10800000">
+            <a:off x="5098380" y="3162414"/>
+            <a:ext cx="1492841" cy="949575"/>
+          </a:xfrm>
+          <a:prstGeom prst="curvedConnector3">
+            <a:avLst>
+              <a:gd name="adj1" fmla="val 50000"/>
+            </a:avLst>
+          </a:prstGeom>
+          <a:noFill/>
+          <a:ln w="9525" cap="flat" cmpd="sng">
+            <a:solidFill>
+              <a:srgbClr val="595959"/>
+            </a:solidFill>
+            <a:prstDash val="solid"/>
+            <a:round/>
+            <a:headEnd type="none" w="med" len="med"/>
+            <a:tailEnd type="none" w="med" len="med"/>
+          </a:ln>
+        </p:spPr>
+      </p:cxnSp>
     </p:spTree>
   </p:cSld>
   <p:clrMapOvr>
@@ -8793,6 +9200,262 @@
           </a:ln>
         </p:spPr>
       </p:cxnSp>
+      <p:grpSp>
+        <p:nvGrpSpPr>
+          <p:cNvPr id="19" name="Google Shape;64;p13"/>
+          <p:cNvGrpSpPr/>
+          <p:nvPr/>
+        </p:nvGrpSpPr>
+        <p:grpSpPr>
+          <a:xfrm>
+            <a:off x="6156656" y="1838790"/>
+            <a:ext cx="994157" cy="932226"/>
+            <a:chOff x="2958109" y="3424900"/>
+            <a:chExt cx="959820" cy="888459"/>
+          </a:xfrm>
+        </p:grpSpPr>
+        <p:grpSp>
+          <p:nvGrpSpPr>
+            <p:cNvPr id="20" name="Google Shape;65;p13"/>
+            <p:cNvGrpSpPr/>
+            <p:nvPr/>
+          </p:nvGrpSpPr>
+          <p:grpSpPr>
+            <a:xfrm>
+              <a:off x="3206355" y="3424900"/>
+              <a:ext cx="308885" cy="587736"/>
+              <a:chOff x="1499725" y="1450825"/>
+              <a:chExt cx="497400" cy="843600"/>
+            </a:xfrm>
+          </p:grpSpPr>
+          <p:sp>
+            <p:nvSpPr>
+              <p:cNvPr id="22" name="Google Shape;66;p13"/>
+              <p:cNvSpPr/>
+              <p:nvPr/>
+            </p:nvSpPr>
+            <p:spPr>
+              <a:xfrm>
+                <a:off x="1597825" y="1450825"/>
+                <a:ext cx="313200" cy="281400"/>
+              </a:xfrm>
+              <a:prstGeom prst="flowChartConnector">
+                <a:avLst/>
+              </a:prstGeom>
+              <a:solidFill>
+                <a:srgbClr val="EEEEEE"/>
+              </a:solidFill>
+              <a:ln w="9525" cap="flat" cmpd="sng">
+                <a:solidFill>
+                  <a:srgbClr val="595959"/>
+                </a:solidFill>
+                <a:prstDash val="solid"/>
+                <a:round/>
+                <a:headEnd type="none" w="sm" len="sm"/>
+                <a:tailEnd type="none" w="sm" len="sm"/>
+              </a:ln>
+            </p:spPr>
+            <p:txBody>
+              <a:bodyPr spcFirstLastPara="1" wrap="square" lIns="91425" tIns="91425" rIns="91425" bIns="91425" anchor="ctr" anchorCtr="0">
+                <a:noAutofit/>
+              </a:bodyPr>
+              <a:lstStyle/>
+              <a:p>
+                <a:pPr marL="0" lvl="0" indent="0" algn="l" rtl="0">
+                  <a:spcBef>
+                    <a:spcPts val="0"/>
+                  </a:spcBef>
+                  <a:spcAft>
+                    <a:spcPts val="0"/>
+                  </a:spcAft>
+                  <a:buNone/>
+                </a:pPr>
+                <a:endParaRPr/>
+              </a:p>
+            </p:txBody>
+          </p:sp>
+          <p:cxnSp>
+            <p:nvCxnSpPr>
+              <p:cNvPr id="23" name="Google Shape;67;p13"/>
+              <p:cNvCxnSpPr>
+                <a:stCxn id="22" idx="4"/>
+              </p:cNvCxnSpPr>
+              <p:nvPr/>
+            </p:nvCxnSpPr>
+            <p:spPr>
+              <a:xfrm flipH="1">
+                <a:off x="1748725" y="1732225"/>
+                <a:ext cx="5700" cy="293100"/>
+              </a:xfrm>
+              <a:prstGeom prst="straightConnector1">
+                <a:avLst/>
+              </a:prstGeom>
+              <a:noFill/>
+              <a:ln w="9525" cap="flat" cmpd="sng">
+                <a:solidFill>
+                  <a:srgbClr val="595959"/>
+                </a:solidFill>
+                <a:prstDash val="solid"/>
+                <a:round/>
+                <a:headEnd type="none" w="med" len="med"/>
+                <a:tailEnd type="none" w="med" len="med"/>
+              </a:ln>
+            </p:spPr>
+          </p:cxnSp>
+          <p:cxnSp>
+            <p:nvCxnSpPr>
+              <p:cNvPr id="24" name="Google Shape;68;p13"/>
+              <p:cNvCxnSpPr/>
+              <p:nvPr/>
+            </p:nvCxnSpPr>
+            <p:spPr>
+              <a:xfrm>
+                <a:off x="1527475" y="1858775"/>
+                <a:ext cx="453900" cy="1800"/>
+              </a:xfrm>
+              <a:prstGeom prst="straightConnector1">
+                <a:avLst/>
+              </a:prstGeom>
+              <a:noFill/>
+              <a:ln w="9525" cap="flat" cmpd="sng">
+                <a:solidFill>
+                  <a:srgbClr val="595959"/>
+                </a:solidFill>
+                <a:prstDash val="solid"/>
+                <a:round/>
+                <a:headEnd type="none" w="med" len="med"/>
+                <a:tailEnd type="none" w="med" len="med"/>
+              </a:ln>
+            </p:spPr>
+          </p:cxnSp>
+          <p:cxnSp>
+            <p:nvCxnSpPr>
+              <p:cNvPr id="25" name="Google Shape;69;p13"/>
+              <p:cNvCxnSpPr/>
+              <p:nvPr/>
+            </p:nvCxnSpPr>
+            <p:spPr>
+              <a:xfrm flipH="1">
+                <a:off x="1499725" y="2022925"/>
+                <a:ext cx="248700" cy="271500"/>
+              </a:xfrm>
+              <a:prstGeom prst="straightConnector1">
+                <a:avLst/>
+              </a:prstGeom>
+              <a:noFill/>
+              <a:ln w="9525" cap="flat" cmpd="sng">
+                <a:solidFill>
+                  <a:srgbClr val="595959"/>
+                </a:solidFill>
+                <a:prstDash val="solid"/>
+                <a:round/>
+                <a:headEnd type="none" w="med" len="med"/>
+                <a:tailEnd type="none" w="med" len="med"/>
+              </a:ln>
+            </p:spPr>
+          </p:cxnSp>
+          <p:cxnSp>
+            <p:nvCxnSpPr>
+              <p:cNvPr id="26" name="Google Shape;70;p13"/>
+              <p:cNvCxnSpPr/>
+              <p:nvPr/>
+            </p:nvCxnSpPr>
+            <p:spPr>
+              <a:xfrm rot="10800000">
+                <a:off x="1748425" y="2022925"/>
+                <a:ext cx="248700" cy="271500"/>
+              </a:xfrm>
+              <a:prstGeom prst="straightConnector1">
+                <a:avLst/>
+              </a:prstGeom>
+              <a:noFill/>
+              <a:ln w="9525" cap="flat" cmpd="sng">
+                <a:solidFill>
+                  <a:srgbClr val="595959"/>
+                </a:solidFill>
+                <a:prstDash val="solid"/>
+                <a:round/>
+                <a:headEnd type="none" w="med" len="med"/>
+                <a:tailEnd type="none" w="med" len="med"/>
+              </a:ln>
+            </p:spPr>
+          </p:cxnSp>
+        </p:grpSp>
+        <p:sp>
+          <p:nvSpPr>
+            <p:cNvPr id="21" name="Google Shape;71;p13"/>
+            <p:cNvSpPr txBox="1"/>
+            <p:nvPr/>
+          </p:nvSpPr>
+          <p:spPr>
+            <a:xfrm>
+              <a:off x="2958109" y="3970459"/>
+              <a:ext cx="959820" cy="342900"/>
+            </a:xfrm>
+            <a:prstGeom prst="rect">
+              <a:avLst/>
+            </a:prstGeom>
+            <a:noFill/>
+            <a:ln>
+              <a:noFill/>
+            </a:ln>
+          </p:spPr>
+          <p:txBody>
+            <a:bodyPr spcFirstLastPara="1" wrap="square" lIns="91425" tIns="91425" rIns="91425" bIns="91425" anchor="t" anchorCtr="0">
+              <a:noAutofit/>
+            </a:bodyPr>
+            <a:lstStyle/>
+            <a:p>
+              <a:pPr marL="0" lvl="0" indent="0" rtl="0">
+                <a:spcBef>
+                  <a:spcPts val="0"/>
+                </a:spcBef>
+                <a:spcAft>
+                  <a:spcPts val="0"/>
+                </a:spcAft>
+                <a:buNone/>
+              </a:pPr>
+              <a:r>
+                <a:rPr lang="pt-BR" sz="1200" b="1" dirty="0" smtClean="0"/>
+                <a:t>Operadora               de cartão</a:t>
+              </a:r>
+              <a:r>
+                <a:rPr lang="pt-BR" sz="1200" b="1" dirty="0"/>
+                <a:t>	</a:t>
+              </a:r>
+              <a:endParaRPr sz="1200" b="1" dirty="0"/>
+            </a:p>
+          </p:txBody>
+        </p:sp>
+      </p:grpSp>
+      <p:cxnSp>
+        <p:nvCxnSpPr>
+          <p:cNvPr id="27" name="Google Shape;93;p14"/>
+          <p:cNvCxnSpPr>
+            <a:endCxn id="81" idx="3"/>
+          </p:cNvCxnSpPr>
+          <p:nvPr/>
+        </p:nvCxnSpPr>
+        <p:spPr>
+          <a:xfrm rot="16200000" flipV="1">
+            <a:off x="5274246" y="539547"/>
+            <a:ext cx="1352924" cy="1245562"/>
+          </a:xfrm>
+          <a:prstGeom prst="curvedConnector2">
+            <a:avLst/>
+          </a:prstGeom>
+          <a:noFill/>
+          <a:ln w="9525" cap="flat" cmpd="sng">
+            <a:solidFill>
+              <a:srgbClr val="595959"/>
+            </a:solidFill>
+            <a:prstDash val="solid"/>
+            <a:round/>
+            <a:headEnd type="none" w="med" len="med"/>
+            <a:tailEnd type="none" w="med" len="med"/>
+          </a:ln>
+        </p:spPr>
+      </p:cxnSp>
     </p:spTree>
   </p:cSld>
   <p:clrMapOvr>
@@ -10134,271 +10797,6 @@
           </a:p>
         </p:txBody>
       </p:sp>
-      <p:grpSp>
-        <p:nvGrpSpPr>
-          <p:cNvPr id="102" name="Google Shape;102;p15"/>
-          <p:cNvGrpSpPr/>
-          <p:nvPr/>
-        </p:nvGrpSpPr>
-        <p:grpSpPr>
-          <a:xfrm>
-            <a:off x="1828800" y="1551806"/>
-            <a:ext cx="1276354" cy="830484"/>
-            <a:chOff x="2723222" y="3424900"/>
-            <a:chExt cx="1276354" cy="830484"/>
-          </a:xfrm>
-        </p:grpSpPr>
-        <p:grpSp>
-          <p:nvGrpSpPr>
-            <p:cNvPr id="103" name="Google Shape;103;p15"/>
-            <p:cNvGrpSpPr/>
-            <p:nvPr/>
-          </p:nvGrpSpPr>
-          <p:grpSpPr>
-            <a:xfrm>
-              <a:off x="3206355" y="3424900"/>
-              <a:ext cx="308885" cy="587736"/>
-              <a:chOff x="1499725" y="1450825"/>
-              <a:chExt cx="497400" cy="843600"/>
-            </a:xfrm>
-          </p:grpSpPr>
-          <p:sp>
-            <p:nvSpPr>
-              <p:cNvPr id="104" name="Google Shape;104;p15"/>
-              <p:cNvSpPr/>
-              <p:nvPr/>
-            </p:nvSpPr>
-            <p:spPr>
-              <a:xfrm>
-                <a:off x="1597825" y="1450825"/>
-                <a:ext cx="313200" cy="281400"/>
-              </a:xfrm>
-              <a:prstGeom prst="flowChartConnector">
-                <a:avLst/>
-              </a:prstGeom>
-              <a:solidFill>
-                <a:srgbClr val="EEEEEE"/>
-              </a:solidFill>
-              <a:ln w="9525" cap="flat" cmpd="sng">
-                <a:solidFill>
-                  <a:srgbClr val="595959"/>
-                </a:solidFill>
-                <a:prstDash val="solid"/>
-                <a:round/>
-                <a:headEnd type="none" w="sm" len="sm"/>
-                <a:tailEnd type="none" w="sm" len="sm"/>
-              </a:ln>
-            </p:spPr>
-            <p:txBody>
-              <a:bodyPr spcFirstLastPara="1" wrap="square" lIns="91425" tIns="91425" rIns="91425" bIns="91425" anchor="ctr" anchorCtr="0">
-                <a:noAutofit/>
-              </a:bodyPr>
-              <a:lstStyle/>
-              <a:p>
-                <a:pPr marL="0" lvl="0" indent="0" algn="l" rtl="0">
-                  <a:spcBef>
-                    <a:spcPts val="0"/>
-                  </a:spcBef>
-                  <a:spcAft>
-                    <a:spcPts val="0"/>
-                  </a:spcAft>
-                  <a:buNone/>
-                </a:pPr>
-                <a:endParaRPr/>
-              </a:p>
-            </p:txBody>
-          </p:sp>
-          <p:cxnSp>
-            <p:nvCxnSpPr>
-              <p:cNvPr id="105" name="Google Shape;105;p15"/>
-              <p:cNvCxnSpPr>
-                <a:stCxn id="104" idx="4"/>
-              </p:cNvCxnSpPr>
-              <p:nvPr/>
-            </p:nvCxnSpPr>
-            <p:spPr>
-              <a:xfrm flipH="1">
-                <a:off x="1748725" y="1732225"/>
-                <a:ext cx="5700" cy="293100"/>
-              </a:xfrm>
-              <a:prstGeom prst="straightConnector1">
-                <a:avLst/>
-              </a:prstGeom>
-              <a:noFill/>
-              <a:ln w="9525" cap="flat" cmpd="sng">
-                <a:solidFill>
-                  <a:srgbClr val="595959"/>
-                </a:solidFill>
-                <a:prstDash val="solid"/>
-                <a:round/>
-                <a:headEnd type="none" w="med" len="med"/>
-                <a:tailEnd type="none" w="med" len="med"/>
-              </a:ln>
-            </p:spPr>
-          </p:cxnSp>
-          <p:cxnSp>
-            <p:nvCxnSpPr>
-              <p:cNvPr id="106" name="Google Shape;106;p15"/>
-              <p:cNvCxnSpPr/>
-              <p:nvPr/>
-            </p:nvCxnSpPr>
-            <p:spPr>
-              <a:xfrm>
-                <a:off x="1527475" y="1858775"/>
-                <a:ext cx="453900" cy="1800"/>
-              </a:xfrm>
-              <a:prstGeom prst="straightConnector1">
-                <a:avLst/>
-              </a:prstGeom>
-              <a:noFill/>
-              <a:ln w="9525" cap="flat" cmpd="sng">
-                <a:solidFill>
-                  <a:srgbClr val="595959"/>
-                </a:solidFill>
-                <a:prstDash val="solid"/>
-                <a:round/>
-                <a:headEnd type="none" w="med" len="med"/>
-                <a:tailEnd type="none" w="med" len="med"/>
-              </a:ln>
-            </p:spPr>
-          </p:cxnSp>
-          <p:cxnSp>
-            <p:nvCxnSpPr>
-              <p:cNvPr id="107" name="Google Shape;107;p15"/>
-              <p:cNvCxnSpPr/>
-              <p:nvPr/>
-            </p:nvCxnSpPr>
-            <p:spPr>
-              <a:xfrm flipH="1">
-                <a:off x="1499725" y="2022925"/>
-                <a:ext cx="248700" cy="271500"/>
-              </a:xfrm>
-              <a:prstGeom prst="straightConnector1">
-                <a:avLst/>
-              </a:prstGeom>
-              <a:noFill/>
-              <a:ln w="9525" cap="flat" cmpd="sng">
-                <a:solidFill>
-                  <a:srgbClr val="595959"/>
-                </a:solidFill>
-                <a:prstDash val="solid"/>
-                <a:round/>
-                <a:headEnd type="none" w="med" len="med"/>
-                <a:tailEnd type="none" w="med" len="med"/>
-              </a:ln>
-            </p:spPr>
-          </p:cxnSp>
-          <p:cxnSp>
-            <p:nvCxnSpPr>
-              <p:cNvPr id="108" name="Google Shape;108;p15"/>
-              <p:cNvCxnSpPr/>
-              <p:nvPr/>
-            </p:nvCxnSpPr>
-            <p:spPr>
-              <a:xfrm rot="10800000">
-                <a:off x="1748425" y="2022925"/>
-                <a:ext cx="248700" cy="271500"/>
-              </a:xfrm>
-              <a:prstGeom prst="straightConnector1">
-                <a:avLst/>
-              </a:prstGeom>
-              <a:noFill/>
-              <a:ln w="9525" cap="flat" cmpd="sng">
-                <a:solidFill>
-                  <a:srgbClr val="595959"/>
-                </a:solidFill>
-                <a:prstDash val="solid"/>
-                <a:round/>
-                <a:headEnd type="none" w="med" len="med"/>
-                <a:tailEnd type="none" w="med" len="med"/>
-              </a:ln>
-            </p:spPr>
-          </p:cxnSp>
-        </p:grpSp>
-        <p:sp>
-          <p:nvSpPr>
-            <p:cNvPr id="109" name="Google Shape;109;p15"/>
-            <p:cNvSpPr txBox="1"/>
-            <p:nvPr/>
-          </p:nvSpPr>
-          <p:spPr>
-            <a:xfrm>
-              <a:off x="2723222" y="3912484"/>
-              <a:ext cx="1276354" cy="342900"/>
-            </a:xfrm>
-            <a:prstGeom prst="rect">
-              <a:avLst/>
-            </a:prstGeom>
-            <a:noFill/>
-            <a:ln>
-              <a:noFill/>
-            </a:ln>
-          </p:spPr>
-          <p:txBody>
-            <a:bodyPr spcFirstLastPara="1" wrap="square" lIns="91425" tIns="91425" rIns="91425" bIns="91425" anchor="t" anchorCtr="0">
-              <a:noAutofit/>
-            </a:bodyPr>
-            <a:lstStyle/>
-            <a:p>
-              <a:pPr marL="0" lvl="0" indent="0" algn="ctr" rtl="0">
-                <a:spcBef>
-                  <a:spcPts val="0"/>
-                </a:spcBef>
-                <a:spcAft>
-                  <a:spcPts val="0"/>
-                </a:spcAft>
-                <a:buNone/>
-              </a:pPr>
-              <a:r>
-                <a:rPr lang="pt-BR" sz="1200" b="1" dirty="0" smtClean="0"/>
-                <a:t>Candidatos</a:t>
-              </a:r>
-            </a:p>
-            <a:p>
-              <a:pPr marL="0" lvl="0" indent="0" algn="ctr" rtl="0">
-                <a:spcBef>
-                  <a:spcPts val="0"/>
-                </a:spcBef>
-                <a:spcAft>
-                  <a:spcPts val="0"/>
-                </a:spcAft>
-                <a:buNone/>
-              </a:pPr>
-              <a:r>
-                <a:rPr lang="pt-BR" sz="1200" b="1" dirty="0" smtClean="0"/>
-                <a:t>Para</a:t>
-              </a:r>
-            </a:p>
-            <a:p>
-              <a:pPr marL="0" lvl="0" indent="0" algn="ctr" rtl="0">
-                <a:spcBef>
-                  <a:spcPts val="0"/>
-                </a:spcBef>
-                <a:spcAft>
-                  <a:spcPts val="0"/>
-                </a:spcAft>
-                <a:buNone/>
-              </a:pPr>
-              <a:r>
-                <a:rPr lang="pt-BR" sz="1200" b="1" dirty="0" smtClean="0"/>
-                <a:t>Funcionários</a:t>
-              </a:r>
-            </a:p>
-            <a:p>
-              <a:pPr marL="0" lvl="0" indent="0" algn="ctr" rtl="0">
-                <a:spcBef>
-                  <a:spcPts val="0"/>
-                </a:spcBef>
-                <a:spcAft>
-                  <a:spcPts val="0"/>
-                </a:spcAft>
-                <a:buNone/>
-              </a:pPr>
-              <a:endParaRPr sz="1200" b="1" dirty="0"/>
-            </a:p>
-          </p:txBody>
-        </p:sp>
-      </p:grpSp>
       <p:cxnSp>
         <p:nvCxnSpPr>
           <p:cNvPr id="110" name="Google Shape;110;p15"/>
@@ -10649,7 +11047,892 @@
           </a:p>
         </p:txBody>
       </p:sp>
+      <p:grpSp>
+        <p:nvGrpSpPr>
+          <p:cNvPr id="26" name="Google Shape;102;p15"/>
+          <p:cNvGrpSpPr/>
+          <p:nvPr/>
+        </p:nvGrpSpPr>
+        <p:grpSpPr>
+          <a:xfrm>
+            <a:off x="1828800" y="1551806"/>
+            <a:ext cx="1276354" cy="830484"/>
+            <a:chOff x="2723222" y="3424900"/>
+            <a:chExt cx="1276354" cy="830484"/>
+          </a:xfrm>
+        </p:grpSpPr>
+        <p:grpSp>
+          <p:nvGrpSpPr>
+            <p:cNvPr id="27" name="Google Shape;103;p15"/>
+            <p:cNvGrpSpPr/>
+            <p:nvPr/>
+          </p:nvGrpSpPr>
+          <p:grpSpPr>
+            <a:xfrm>
+              <a:off x="3206355" y="3424900"/>
+              <a:ext cx="308885" cy="587736"/>
+              <a:chOff x="1499725" y="1450825"/>
+              <a:chExt cx="497400" cy="843600"/>
+            </a:xfrm>
+          </p:grpSpPr>
+          <p:sp>
+            <p:nvSpPr>
+              <p:cNvPr id="29" name="Google Shape;104;p15"/>
+              <p:cNvSpPr/>
+              <p:nvPr/>
+            </p:nvSpPr>
+            <p:spPr>
+              <a:xfrm>
+                <a:off x="1597825" y="1450825"/>
+                <a:ext cx="313200" cy="281400"/>
+              </a:xfrm>
+              <a:prstGeom prst="flowChartConnector">
+                <a:avLst/>
+              </a:prstGeom>
+              <a:solidFill>
+                <a:srgbClr val="EEEEEE"/>
+              </a:solidFill>
+              <a:ln w="9525" cap="flat" cmpd="sng">
+                <a:solidFill>
+                  <a:srgbClr val="595959"/>
+                </a:solidFill>
+                <a:prstDash val="solid"/>
+                <a:round/>
+                <a:headEnd type="none" w="sm" len="sm"/>
+                <a:tailEnd type="none" w="sm" len="sm"/>
+              </a:ln>
+            </p:spPr>
+            <p:txBody>
+              <a:bodyPr spcFirstLastPara="1" wrap="square" lIns="91425" tIns="91425" rIns="91425" bIns="91425" anchor="ctr" anchorCtr="0">
+                <a:noAutofit/>
+              </a:bodyPr>
+              <a:lstStyle/>
+              <a:p>
+                <a:pPr marL="0" lvl="0" indent="0" algn="l" rtl="0">
+                  <a:spcBef>
+                    <a:spcPts val="0"/>
+                  </a:spcBef>
+                  <a:spcAft>
+                    <a:spcPts val="0"/>
+                  </a:spcAft>
+                  <a:buNone/>
+                </a:pPr>
+                <a:endParaRPr/>
+              </a:p>
+            </p:txBody>
+          </p:sp>
+          <p:cxnSp>
+            <p:nvCxnSpPr>
+              <p:cNvPr id="30" name="Google Shape;105;p15"/>
+              <p:cNvCxnSpPr>
+                <a:stCxn id="29" idx="4"/>
+              </p:cNvCxnSpPr>
+              <p:nvPr/>
+            </p:nvCxnSpPr>
+            <p:spPr>
+              <a:xfrm flipH="1">
+                <a:off x="1748725" y="1732225"/>
+                <a:ext cx="5700" cy="293100"/>
+              </a:xfrm>
+              <a:prstGeom prst="straightConnector1">
+                <a:avLst/>
+              </a:prstGeom>
+              <a:noFill/>
+              <a:ln w="9525" cap="flat" cmpd="sng">
+                <a:solidFill>
+                  <a:srgbClr val="595959"/>
+                </a:solidFill>
+                <a:prstDash val="solid"/>
+                <a:round/>
+                <a:headEnd type="none" w="med" len="med"/>
+                <a:tailEnd type="none" w="med" len="med"/>
+              </a:ln>
+            </p:spPr>
+          </p:cxnSp>
+          <p:cxnSp>
+            <p:nvCxnSpPr>
+              <p:cNvPr id="31" name="Google Shape;106;p15"/>
+              <p:cNvCxnSpPr/>
+              <p:nvPr/>
+            </p:nvCxnSpPr>
+            <p:spPr>
+              <a:xfrm>
+                <a:off x="1527475" y="1858775"/>
+                <a:ext cx="453900" cy="1800"/>
+              </a:xfrm>
+              <a:prstGeom prst="straightConnector1">
+                <a:avLst/>
+              </a:prstGeom>
+              <a:noFill/>
+              <a:ln w="9525" cap="flat" cmpd="sng">
+                <a:solidFill>
+                  <a:srgbClr val="595959"/>
+                </a:solidFill>
+                <a:prstDash val="solid"/>
+                <a:round/>
+                <a:headEnd type="none" w="med" len="med"/>
+                <a:tailEnd type="none" w="med" len="med"/>
+              </a:ln>
+            </p:spPr>
+          </p:cxnSp>
+          <p:cxnSp>
+            <p:nvCxnSpPr>
+              <p:cNvPr id="32" name="Google Shape;107;p15"/>
+              <p:cNvCxnSpPr/>
+              <p:nvPr/>
+            </p:nvCxnSpPr>
+            <p:spPr>
+              <a:xfrm flipH="1">
+                <a:off x="1499725" y="2022925"/>
+                <a:ext cx="248700" cy="271500"/>
+              </a:xfrm>
+              <a:prstGeom prst="straightConnector1">
+                <a:avLst/>
+              </a:prstGeom>
+              <a:noFill/>
+              <a:ln w="9525" cap="flat" cmpd="sng">
+                <a:solidFill>
+                  <a:srgbClr val="595959"/>
+                </a:solidFill>
+                <a:prstDash val="solid"/>
+                <a:round/>
+                <a:headEnd type="none" w="med" len="med"/>
+                <a:tailEnd type="none" w="med" len="med"/>
+              </a:ln>
+            </p:spPr>
+          </p:cxnSp>
+          <p:cxnSp>
+            <p:nvCxnSpPr>
+              <p:cNvPr id="33" name="Google Shape;108;p15"/>
+              <p:cNvCxnSpPr/>
+              <p:nvPr/>
+            </p:nvCxnSpPr>
+            <p:spPr>
+              <a:xfrm rot="10800000">
+                <a:off x="1748425" y="2022925"/>
+                <a:ext cx="248700" cy="271500"/>
+              </a:xfrm>
+              <a:prstGeom prst="straightConnector1">
+                <a:avLst/>
+              </a:prstGeom>
+              <a:noFill/>
+              <a:ln w="9525" cap="flat" cmpd="sng">
+                <a:solidFill>
+                  <a:srgbClr val="595959"/>
+                </a:solidFill>
+                <a:prstDash val="solid"/>
+                <a:round/>
+                <a:headEnd type="none" w="med" len="med"/>
+                <a:tailEnd type="none" w="med" len="med"/>
+              </a:ln>
+            </p:spPr>
+          </p:cxnSp>
+        </p:grpSp>
+        <p:sp>
+          <p:nvSpPr>
+            <p:cNvPr id="28" name="Google Shape;109;p15"/>
+            <p:cNvSpPr txBox="1"/>
+            <p:nvPr/>
+          </p:nvSpPr>
+          <p:spPr>
+            <a:xfrm>
+              <a:off x="2723222" y="3912484"/>
+              <a:ext cx="1276354" cy="342900"/>
+            </a:xfrm>
+            <a:prstGeom prst="rect">
+              <a:avLst/>
+            </a:prstGeom>
+            <a:noFill/>
+            <a:ln>
+              <a:noFill/>
+            </a:ln>
+          </p:spPr>
+          <p:txBody>
+            <a:bodyPr spcFirstLastPara="1" wrap="square" lIns="91425" tIns="91425" rIns="91425" bIns="91425" anchor="t" anchorCtr="0">
+              <a:noAutofit/>
+            </a:bodyPr>
+            <a:lstStyle/>
+            <a:p>
+              <a:pPr marL="0" lvl="0" indent="0" algn="ctr" rtl="0">
+                <a:spcBef>
+                  <a:spcPts val="0"/>
+                </a:spcBef>
+                <a:spcAft>
+                  <a:spcPts val="0"/>
+                </a:spcAft>
+                <a:buNone/>
+              </a:pPr>
+              <a:r>
+                <a:rPr lang="pt-BR" sz="1200" b="1" dirty="0" smtClean="0"/>
+                <a:t>Candidatos</a:t>
+              </a:r>
+            </a:p>
+            <a:p>
+              <a:pPr marL="0" lvl="0" indent="0" algn="ctr" rtl="0">
+                <a:spcBef>
+                  <a:spcPts val="0"/>
+                </a:spcBef>
+                <a:spcAft>
+                  <a:spcPts val="0"/>
+                </a:spcAft>
+                <a:buNone/>
+              </a:pPr>
+              <a:r>
+                <a:rPr lang="pt-BR" sz="1200" b="1" dirty="0" smtClean="0"/>
+                <a:t>Para</a:t>
+              </a:r>
+            </a:p>
+            <a:p>
+              <a:pPr marL="0" lvl="0" indent="0" algn="ctr" rtl="0">
+                <a:spcBef>
+                  <a:spcPts val="0"/>
+                </a:spcBef>
+                <a:spcAft>
+                  <a:spcPts val="0"/>
+                </a:spcAft>
+                <a:buNone/>
+              </a:pPr>
+              <a:r>
+                <a:rPr lang="pt-BR" sz="1200" b="1" dirty="0" smtClean="0"/>
+                <a:t>Funcionários</a:t>
+              </a:r>
+            </a:p>
+            <a:p>
+              <a:pPr marL="0" lvl="0" indent="0" algn="ctr" rtl="0">
+                <a:spcBef>
+                  <a:spcPts val="0"/>
+                </a:spcBef>
+                <a:spcAft>
+                  <a:spcPts val="0"/>
+                </a:spcAft>
+                <a:buNone/>
+              </a:pPr>
+              <a:endParaRPr sz="1200" b="1" dirty="0"/>
+            </a:p>
+          </p:txBody>
+        </p:sp>
+      </p:grpSp>
     </p:spTree>
+  </p:cSld>
+  <p:clrMapOvr>
+    <a:masterClrMapping/>
+  </p:clrMapOvr>
+</p:sld>
+</file>
+
+<file path=ppt/slides/slide7.xml><?xml version="1.0" encoding="utf-8"?>
+<p:sld xmlns:a="http://schemas.openxmlformats.org/drawingml/2006/main" xmlns:r="http://schemas.openxmlformats.org/officeDocument/2006/relationships" xmlns:p="http://schemas.openxmlformats.org/presentationml/2006/main">
+  <p:cSld>
+    <p:spTree>
+      <p:nvGrpSpPr>
+        <p:cNvPr id="1" name="Shape 99"/>
+        <p:cNvGrpSpPr/>
+        <p:nvPr/>
+      </p:nvGrpSpPr>
+      <p:grpSpPr>
+        <a:xfrm>
+          <a:off x="0" y="0"/>
+          <a:ext cx="0" cy="0"/>
+          <a:chOff x="0" y="0"/>
+          <a:chExt cx="0" cy="0"/>
+        </a:xfrm>
+      </p:grpSpPr>
+      <p:sp>
+        <p:nvSpPr>
+          <p:cNvPr id="100" name="Google Shape;100;p15"/>
+          <p:cNvSpPr txBox="1"/>
+          <p:nvPr/>
+        </p:nvSpPr>
+        <p:spPr>
+          <a:xfrm>
+            <a:off x="130400" y="1480979"/>
+            <a:ext cx="8542500" cy="1367400"/>
+          </a:xfrm>
+          <a:prstGeom prst="rect">
+            <a:avLst/>
+          </a:prstGeom>
+          <a:noFill/>
+          <a:ln w="9525" cap="flat" cmpd="sng">
+            <a:solidFill>
+              <a:srgbClr val="FF9900"/>
+            </a:solidFill>
+            <a:prstDash val="solid"/>
+            <a:round/>
+            <a:headEnd type="none" w="sm" len="sm"/>
+            <a:tailEnd type="none" w="sm" len="sm"/>
+          </a:ln>
+        </p:spPr>
+        <p:txBody>
+          <a:bodyPr spcFirstLastPara="1" wrap="square" lIns="91425" tIns="91425" rIns="91425" bIns="91425" anchor="t" anchorCtr="0">
+            <a:noAutofit/>
+          </a:bodyPr>
+          <a:lstStyle/>
+          <a:p>
+            <a:pPr marL="0" lvl="0" indent="0" algn="l" rtl="0">
+              <a:spcBef>
+                <a:spcPts val="0"/>
+              </a:spcBef>
+              <a:spcAft>
+                <a:spcPts val="0"/>
+              </a:spcAft>
+              <a:buNone/>
+            </a:pPr>
+            <a:r>
+              <a:rPr lang="pt-BR"/>
+              <a:t>Nós Operacionais</a:t>
+            </a:r>
+            <a:endParaRPr/>
+          </a:p>
+        </p:txBody>
+      </p:sp>
+      <p:sp>
+        <p:nvSpPr>
+          <p:cNvPr id="101" name="Google Shape;101;p15"/>
+          <p:cNvSpPr/>
+          <p:nvPr/>
+        </p:nvSpPr>
+        <p:spPr>
+          <a:xfrm>
+            <a:off x="3659550" y="0"/>
+            <a:ext cx="1903968" cy="958175"/>
+          </a:xfrm>
+          <a:prstGeom prst="wave">
+            <a:avLst>
+              <a:gd name="adj1" fmla="val 6999"/>
+              <a:gd name="adj2" fmla="val 0"/>
+            </a:avLst>
+          </a:prstGeom>
+          <a:solidFill>
+            <a:srgbClr val="F4CCCC"/>
+          </a:solidFill>
+          <a:ln w="9525" cap="flat" cmpd="sng">
+            <a:solidFill>
+              <a:srgbClr val="FFFFFF"/>
+            </a:solidFill>
+            <a:prstDash val="solid"/>
+            <a:round/>
+            <a:headEnd type="none" w="sm" len="sm"/>
+            <a:tailEnd type="none" w="sm" len="sm"/>
+          </a:ln>
+        </p:spPr>
+        <p:txBody>
+          <a:bodyPr spcFirstLastPara="1" wrap="square" lIns="91425" tIns="91425" rIns="91425" bIns="91425" anchor="ctr" anchorCtr="0">
+            <a:noAutofit/>
+          </a:bodyPr>
+          <a:lstStyle/>
+          <a:p>
+            <a:pPr marL="457200" indent="-292100">
+              <a:buSzPts val="1000"/>
+              <a:buFont typeface="Wingdings" panose="05000000000000000000" pitchFamily="2" charset="2"/>
+              <a:buChar char="v"/>
+            </a:pPr>
+            <a:endParaRPr lang="pt-BR" sz="1200" dirty="0" smtClean="0"/>
+          </a:p>
+          <a:p>
+            <a:pPr marL="457200" indent="-292100">
+              <a:buSzPts val="1000"/>
+              <a:buFont typeface="Wingdings" panose="05000000000000000000" pitchFamily="2" charset="2"/>
+              <a:buChar char="v"/>
+            </a:pPr>
+            <a:r>
+              <a:rPr lang="pt-BR" sz="1200" dirty="0" smtClean="0"/>
+              <a:t>Fornecer Pagamento no cartão</a:t>
+            </a:r>
+            <a:endParaRPr lang="pt-BR" sz="1200" dirty="0"/>
+          </a:p>
+          <a:p>
+            <a:pPr marL="457200" indent="-292100">
+              <a:buSzPts val="1000"/>
+              <a:buFont typeface="Wingdings" panose="05000000000000000000" pitchFamily="2" charset="2"/>
+              <a:buChar char="v"/>
+            </a:pPr>
+            <a:endParaRPr lang="pt-BR" sz="1200" dirty="0"/>
+          </a:p>
+        </p:txBody>
+      </p:sp>
+      <p:cxnSp>
+        <p:nvCxnSpPr>
+          <p:cNvPr id="110" name="Google Shape;110;p15"/>
+          <p:cNvCxnSpPr>
+            <a:stCxn id="111" idx="0"/>
+            <a:endCxn id="101" idx="2"/>
+          </p:cNvCxnSpPr>
+          <p:nvPr/>
+        </p:nvCxnSpPr>
+        <p:spPr>
+          <a:xfrm rot="5400000" flipH="1" flipV="1">
+            <a:off x="3997574" y="1460588"/>
+            <a:ext cx="1183436" cy="44484"/>
+          </a:xfrm>
+          <a:prstGeom prst="curvedConnector5">
+            <a:avLst>
+              <a:gd name="adj1" fmla="val 47167"/>
+              <a:gd name="adj2" fmla="val 95999"/>
+              <a:gd name="adj3" fmla="val 77425"/>
+            </a:avLst>
+          </a:prstGeom>
+          <a:noFill/>
+          <a:ln w="9525" cap="flat" cmpd="sng">
+            <a:solidFill>
+              <a:srgbClr val="595959"/>
+            </a:solidFill>
+            <a:prstDash val="solid"/>
+            <a:round/>
+            <a:headEnd type="none" w="med" len="med"/>
+            <a:tailEnd type="none" w="med" len="med"/>
+          </a:ln>
+        </p:spPr>
+      </p:cxnSp>
+      <p:sp>
+        <p:nvSpPr>
+          <p:cNvPr id="112" name="Google Shape;112;p15"/>
+          <p:cNvSpPr txBox="1"/>
+          <p:nvPr/>
+        </p:nvSpPr>
+        <p:spPr>
+          <a:xfrm>
+            <a:off x="130400" y="2848379"/>
+            <a:ext cx="8542500" cy="1367400"/>
+          </a:xfrm>
+          <a:prstGeom prst="rect">
+            <a:avLst/>
+          </a:prstGeom>
+          <a:noFill/>
+          <a:ln w="9525" cap="flat" cmpd="sng">
+            <a:solidFill>
+              <a:srgbClr val="FF9900"/>
+            </a:solidFill>
+            <a:prstDash val="solid"/>
+            <a:round/>
+            <a:headEnd type="none" w="sm" len="sm"/>
+            <a:tailEnd type="none" w="sm" len="sm"/>
+          </a:ln>
+        </p:spPr>
+        <p:txBody>
+          <a:bodyPr spcFirstLastPara="1" wrap="square" lIns="91425" tIns="91425" rIns="91425" bIns="91425" anchor="t" anchorCtr="0">
+            <a:noAutofit/>
+          </a:bodyPr>
+          <a:lstStyle/>
+          <a:p>
+            <a:pPr marL="0" lvl="0" indent="0" algn="l" rtl="0">
+              <a:spcBef>
+                <a:spcPts val="0"/>
+              </a:spcBef>
+              <a:spcAft>
+                <a:spcPts val="0"/>
+              </a:spcAft>
+              <a:buNone/>
+            </a:pPr>
+            <a:r>
+              <a:rPr lang="pt-BR" dirty="0"/>
+              <a:t>Capacidades Operacionais</a:t>
+            </a:r>
+            <a:endParaRPr dirty="0"/>
+          </a:p>
+        </p:txBody>
+      </p:sp>
+      <p:cxnSp>
+        <p:nvCxnSpPr>
+          <p:cNvPr id="113" name="Google Shape;113;p15"/>
+          <p:cNvCxnSpPr>
+            <a:endCxn id="101" idx="1"/>
+          </p:cNvCxnSpPr>
+          <p:nvPr/>
+        </p:nvCxnSpPr>
+        <p:spPr>
+          <a:xfrm flipV="1">
+            <a:off x="2470102" y="479088"/>
+            <a:ext cx="1189448" cy="1072718"/>
+          </a:xfrm>
+          <a:prstGeom prst="curvedConnector3">
+            <a:avLst>
+              <a:gd name="adj1" fmla="val 50000"/>
+            </a:avLst>
+          </a:prstGeom>
+          <a:noFill/>
+          <a:ln w="9525" cap="flat" cmpd="sng">
+            <a:solidFill>
+              <a:srgbClr val="595959"/>
+            </a:solidFill>
+            <a:prstDash val="solid"/>
+            <a:round/>
+            <a:headEnd type="none" w="med" len="med"/>
+            <a:tailEnd type="none" w="med" len="med"/>
+          </a:ln>
+        </p:spPr>
+      </p:cxnSp>
+      <p:cxnSp>
+        <p:nvCxnSpPr>
+          <p:cNvPr id="114" name="Google Shape;114;p15"/>
+          <p:cNvCxnSpPr>
+            <a:stCxn id="111" idx="2"/>
+            <a:endCxn id="115" idx="1"/>
+          </p:cNvCxnSpPr>
+          <p:nvPr/>
+        </p:nvCxnSpPr>
+        <p:spPr>
+          <a:xfrm rot="5400000">
+            <a:off x="4112367" y="3007731"/>
+            <a:ext cx="856266" cy="53100"/>
+          </a:xfrm>
+          <a:prstGeom prst="curvedConnector4">
+            <a:avLst>
+              <a:gd name="adj1" fmla="val 32749"/>
+              <a:gd name="adj2" fmla="val 530508"/>
+            </a:avLst>
+          </a:prstGeom>
+          <a:noFill/>
+          <a:ln w="9525" cap="flat" cmpd="sng">
+            <a:solidFill>
+              <a:srgbClr val="595959"/>
+            </a:solidFill>
+            <a:prstDash val="solid"/>
+            <a:round/>
+            <a:headEnd type="none" w="med" len="med"/>
+            <a:tailEnd type="none" w="med" len="med"/>
+          </a:ln>
+        </p:spPr>
+      </p:cxnSp>
+      <p:sp>
+        <p:nvSpPr>
+          <p:cNvPr id="115" name="Google Shape;115;p15"/>
+          <p:cNvSpPr/>
+          <p:nvPr/>
+        </p:nvSpPr>
+        <p:spPr>
+          <a:xfrm>
+            <a:off x="4513950" y="3166988"/>
+            <a:ext cx="2103020" cy="590852"/>
+          </a:xfrm>
+          <a:prstGeom prst="bracketPair">
+            <a:avLst/>
+          </a:prstGeom>
+          <a:noFill/>
+          <a:ln w="9525" cap="flat" cmpd="sng">
+            <a:solidFill>
+              <a:srgbClr val="595959"/>
+            </a:solidFill>
+            <a:prstDash val="solid"/>
+            <a:round/>
+            <a:headEnd type="none" w="sm" len="sm"/>
+            <a:tailEnd type="none" w="sm" len="sm"/>
+          </a:ln>
+        </p:spPr>
+        <p:txBody>
+          <a:bodyPr spcFirstLastPara="1" wrap="square" lIns="91425" tIns="91425" rIns="91425" bIns="91425" anchor="ctr" anchorCtr="0">
+            <a:noAutofit/>
+          </a:bodyPr>
+          <a:lstStyle/>
+          <a:p>
+            <a:pPr marL="457200" indent="-292100">
+              <a:buSzPts val="1000"/>
+              <a:buChar char="●"/>
+            </a:pPr>
+            <a:r>
+              <a:rPr lang="pt-BR" sz="1000" dirty="0" smtClean="0"/>
+              <a:t>Pagamento no Cartão</a:t>
+            </a:r>
+            <a:endParaRPr lang="pt-BR" sz="1000" dirty="0"/>
+          </a:p>
+        </p:txBody>
+      </p:sp>
+      <p:sp>
+        <p:nvSpPr>
+          <p:cNvPr id="111" name="Google Shape;111;p15"/>
+          <p:cNvSpPr/>
+          <p:nvPr/>
+        </p:nvSpPr>
+        <p:spPr>
+          <a:xfrm>
+            <a:off x="4032194" y="2074548"/>
+            <a:ext cx="1069711" cy="531600"/>
+          </a:xfrm>
+          <a:prstGeom prst="roundRect">
+            <a:avLst>
+              <a:gd name="adj" fmla="val 16667"/>
+            </a:avLst>
+          </a:prstGeom>
+          <a:gradFill>
+            <a:gsLst>
+              <a:gs pos="0">
+                <a:srgbClr val="D4E5F5"/>
+              </a:gs>
+              <a:gs pos="100000">
+                <a:srgbClr val="70A4D5"/>
+              </a:gs>
+            </a:gsLst>
+            <a:path path="circle">
+              <a:fillToRect l="50000" t="50000" r="50000" b="50000"/>
+            </a:path>
+            <a:tileRect/>
+          </a:gradFill>
+          <a:ln w="9525" cap="flat" cmpd="sng">
+            <a:solidFill>
+              <a:srgbClr val="F3F3F3"/>
+            </a:solidFill>
+            <a:prstDash val="solid"/>
+            <a:round/>
+            <a:headEnd type="none" w="sm" len="sm"/>
+            <a:tailEnd type="none" w="sm" len="sm"/>
+          </a:ln>
+        </p:spPr>
+        <p:txBody>
+          <a:bodyPr spcFirstLastPara="1" wrap="square" lIns="91425" tIns="91425" rIns="91425" bIns="91425" anchor="ctr" anchorCtr="0">
+            <a:noAutofit/>
+          </a:bodyPr>
+          <a:lstStyle/>
+          <a:p>
+            <a:pPr marL="0" lvl="0" indent="0" algn="ctr" rtl="0">
+              <a:spcBef>
+                <a:spcPts val="0"/>
+              </a:spcBef>
+              <a:spcAft>
+                <a:spcPts val="0"/>
+              </a:spcAft>
+              <a:buNone/>
+            </a:pPr>
+            <a:r>
+              <a:rPr lang="pt-BR" sz="1000" dirty="0" smtClean="0"/>
+              <a:t>Setor de Pagamento</a:t>
+            </a:r>
+            <a:endParaRPr sz="1000" dirty="0"/>
+          </a:p>
+        </p:txBody>
+      </p:sp>
+      <p:grpSp>
+        <p:nvGrpSpPr>
+          <p:cNvPr id="18" name="Google Shape;64;p13"/>
+          <p:cNvGrpSpPr/>
+          <p:nvPr/>
+        </p:nvGrpSpPr>
+        <p:grpSpPr>
+          <a:xfrm>
+            <a:off x="1982273" y="1536649"/>
+            <a:ext cx="1130795" cy="1170172"/>
+            <a:chOff x="2902756" y="3424900"/>
+            <a:chExt cx="1041560" cy="1062382"/>
+          </a:xfrm>
+        </p:grpSpPr>
+        <p:grpSp>
+          <p:nvGrpSpPr>
+            <p:cNvPr id="19" name="Google Shape;65;p13"/>
+            <p:cNvGrpSpPr/>
+            <p:nvPr/>
+          </p:nvGrpSpPr>
+          <p:grpSpPr>
+            <a:xfrm>
+              <a:off x="3206355" y="3424900"/>
+              <a:ext cx="308885" cy="587736"/>
+              <a:chOff x="1499725" y="1450825"/>
+              <a:chExt cx="497400" cy="843600"/>
+            </a:xfrm>
+          </p:grpSpPr>
+          <p:sp>
+            <p:nvSpPr>
+              <p:cNvPr id="21" name="Google Shape;66;p13"/>
+              <p:cNvSpPr/>
+              <p:nvPr/>
+            </p:nvSpPr>
+            <p:spPr>
+              <a:xfrm>
+                <a:off x="1597825" y="1450825"/>
+                <a:ext cx="313200" cy="281400"/>
+              </a:xfrm>
+              <a:prstGeom prst="flowChartConnector">
+                <a:avLst/>
+              </a:prstGeom>
+              <a:solidFill>
+                <a:srgbClr val="EEEEEE"/>
+              </a:solidFill>
+              <a:ln w="9525" cap="flat" cmpd="sng">
+                <a:solidFill>
+                  <a:srgbClr val="595959"/>
+                </a:solidFill>
+                <a:prstDash val="solid"/>
+                <a:round/>
+                <a:headEnd type="none" w="sm" len="sm"/>
+                <a:tailEnd type="none" w="sm" len="sm"/>
+              </a:ln>
+            </p:spPr>
+            <p:txBody>
+              <a:bodyPr spcFirstLastPara="1" wrap="square" lIns="91425" tIns="91425" rIns="91425" bIns="91425" anchor="ctr" anchorCtr="0">
+                <a:noAutofit/>
+              </a:bodyPr>
+              <a:lstStyle/>
+              <a:p>
+                <a:pPr marL="0" lvl="0" indent="0" algn="l" rtl="0">
+                  <a:spcBef>
+                    <a:spcPts val="0"/>
+                  </a:spcBef>
+                  <a:spcAft>
+                    <a:spcPts val="0"/>
+                  </a:spcAft>
+                  <a:buNone/>
+                </a:pPr>
+                <a:endParaRPr/>
+              </a:p>
+            </p:txBody>
+          </p:sp>
+          <p:cxnSp>
+            <p:nvCxnSpPr>
+              <p:cNvPr id="22" name="Google Shape;67;p13"/>
+              <p:cNvCxnSpPr>
+                <a:stCxn id="21" idx="4"/>
+              </p:cNvCxnSpPr>
+              <p:nvPr/>
+            </p:nvCxnSpPr>
+            <p:spPr>
+              <a:xfrm flipH="1">
+                <a:off x="1748725" y="1732225"/>
+                <a:ext cx="5700" cy="293100"/>
+              </a:xfrm>
+              <a:prstGeom prst="straightConnector1">
+                <a:avLst/>
+              </a:prstGeom>
+              <a:noFill/>
+              <a:ln w="9525" cap="flat" cmpd="sng">
+                <a:solidFill>
+                  <a:srgbClr val="595959"/>
+                </a:solidFill>
+                <a:prstDash val="solid"/>
+                <a:round/>
+                <a:headEnd type="none" w="med" len="med"/>
+                <a:tailEnd type="none" w="med" len="med"/>
+              </a:ln>
+            </p:spPr>
+          </p:cxnSp>
+          <p:cxnSp>
+            <p:nvCxnSpPr>
+              <p:cNvPr id="23" name="Google Shape;68;p13"/>
+              <p:cNvCxnSpPr/>
+              <p:nvPr/>
+            </p:nvCxnSpPr>
+            <p:spPr>
+              <a:xfrm>
+                <a:off x="1527475" y="1858775"/>
+                <a:ext cx="453900" cy="1800"/>
+              </a:xfrm>
+              <a:prstGeom prst="straightConnector1">
+                <a:avLst/>
+              </a:prstGeom>
+              <a:noFill/>
+              <a:ln w="9525" cap="flat" cmpd="sng">
+                <a:solidFill>
+                  <a:srgbClr val="595959"/>
+                </a:solidFill>
+                <a:prstDash val="solid"/>
+                <a:round/>
+                <a:headEnd type="none" w="med" len="med"/>
+                <a:tailEnd type="none" w="med" len="med"/>
+              </a:ln>
+            </p:spPr>
+          </p:cxnSp>
+          <p:cxnSp>
+            <p:nvCxnSpPr>
+              <p:cNvPr id="24" name="Google Shape;69;p13"/>
+              <p:cNvCxnSpPr/>
+              <p:nvPr/>
+            </p:nvCxnSpPr>
+            <p:spPr>
+              <a:xfrm flipH="1">
+                <a:off x="1499725" y="2022925"/>
+                <a:ext cx="248700" cy="271500"/>
+              </a:xfrm>
+              <a:prstGeom prst="straightConnector1">
+                <a:avLst/>
+              </a:prstGeom>
+              <a:noFill/>
+              <a:ln w="9525" cap="flat" cmpd="sng">
+                <a:solidFill>
+                  <a:srgbClr val="595959"/>
+                </a:solidFill>
+                <a:prstDash val="solid"/>
+                <a:round/>
+                <a:headEnd type="none" w="med" len="med"/>
+                <a:tailEnd type="none" w="med" len="med"/>
+              </a:ln>
+            </p:spPr>
+          </p:cxnSp>
+          <p:cxnSp>
+            <p:nvCxnSpPr>
+              <p:cNvPr id="25" name="Google Shape;70;p13"/>
+              <p:cNvCxnSpPr/>
+              <p:nvPr/>
+            </p:nvCxnSpPr>
+            <p:spPr>
+              <a:xfrm rot="10800000">
+                <a:off x="1748425" y="2022925"/>
+                <a:ext cx="248700" cy="271500"/>
+              </a:xfrm>
+              <a:prstGeom prst="straightConnector1">
+                <a:avLst/>
+              </a:prstGeom>
+              <a:noFill/>
+              <a:ln w="9525" cap="flat" cmpd="sng">
+                <a:solidFill>
+                  <a:srgbClr val="595959"/>
+                </a:solidFill>
+                <a:prstDash val="solid"/>
+                <a:round/>
+                <a:headEnd type="none" w="med" len="med"/>
+                <a:tailEnd type="none" w="med" len="med"/>
+              </a:ln>
+            </p:spPr>
+          </p:cxnSp>
+        </p:grpSp>
+        <p:sp>
+          <p:nvSpPr>
+            <p:cNvPr id="20" name="Google Shape;71;p13"/>
+            <p:cNvSpPr txBox="1"/>
+            <p:nvPr/>
+          </p:nvSpPr>
+          <p:spPr>
+            <a:xfrm>
+              <a:off x="2902756" y="3988684"/>
+              <a:ext cx="1041560" cy="498598"/>
+            </a:xfrm>
+            <a:prstGeom prst="rect">
+              <a:avLst/>
+            </a:prstGeom>
+            <a:noFill/>
+            <a:ln>
+              <a:noFill/>
+            </a:ln>
+          </p:spPr>
+          <p:txBody>
+            <a:bodyPr spcFirstLastPara="1" wrap="square" lIns="91425" tIns="91425" rIns="91425" bIns="91425" anchor="t" anchorCtr="0">
+              <a:noAutofit/>
+            </a:bodyPr>
+            <a:lstStyle/>
+            <a:p>
+              <a:pPr marL="0" lvl="0" indent="0" rtl="0">
+                <a:spcBef>
+                  <a:spcPts val="0"/>
+                </a:spcBef>
+                <a:spcAft>
+                  <a:spcPts val="0"/>
+                </a:spcAft>
+                <a:buNone/>
+              </a:pPr>
+              <a:r>
+                <a:rPr lang="pt-BR" sz="1200" b="1" dirty="0" smtClean="0"/>
+                <a:t>Operadora             de cartão</a:t>
+              </a:r>
+              <a:r>
+                <a:rPr lang="pt-BR" sz="1200" b="1" dirty="0"/>
+                <a:t>	</a:t>
+              </a:r>
+              <a:endParaRPr sz="1200" b="1" dirty="0"/>
+            </a:p>
+          </p:txBody>
+        </p:sp>
+      </p:grpSp>
+    </p:spTree>
+    <p:extLst>
+      <p:ext uri="{BB962C8B-B14F-4D97-AF65-F5344CB8AC3E}">
+        <p14:creationId xmlns:p14="http://schemas.microsoft.com/office/powerpoint/2010/main" val="3052399059"/>
+      </p:ext>
+    </p:extLst>
   </p:cSld>
   <p:clrMapOvr>
     <a:masterClrMapping/>

--- a/Artefatos/15.Arquitetura de Negócio para cada Cenário Oficina Jacarandás.pptx
+++ b/Artefatos/15.Arquitetura de Negócio para cada Cenário Oficina Jacarandás.pptx
@@ -6595,12 +6595,8 @@
                 <a:buNone/>
               </a:pPr>
               <a:r>
-                <a:rPr lang="pt-BR" sz="1200" b="1" dirty="0" smtClean="0"/>
-                <a:t>    Cliente</a:t>
-              </a:r>
-              <a:r>
                 <a:rPr lang="pt-BR" sz="1200" b="1" dirty="0"/>
-                <a:t>	</a:t>
+                <a:t>    Cliente	</a:t>
               </a:r>
               <a:endParaRPr sz="1200" b="1" dirty="0"/>
             </a:p>
@@ -6698,7 +6694,7 @@
                 <a:spcPts val="0"/>
               </a:spcAft>
             </a:pPr>
-            <a:endParaRPr lang="pt-BR" sz="1000" dirty="0" smtClean="0"/>
+            <a:endParaRPr lang="pt-BR" sz="1000" dirty="0"/>
           </a:p>
         </p:txBody>
       </p:sp>
@@ -6740,7 +6736,7 @@
           <p:cNvPr id="27" name="Google Shape;75;p13">
             <a:extLst>
               <a:ext uri="{FF2B5EF4-FFF2-40B4-BE49-F238E27FC236}">
-                <a16:creationId xmlns:a16="http://schemas.microsoft.com/office/drawing/2014/main" xmlns="" id="{A045D80E-4EF0-424F-8522-EEA629B4D528}"/>
+                <a16:creationId xmlns="" xmlns:a16="http://schemas.microsoft.com/office/drawing/2014/main" id="{A045D80E-4EF0-424F-8522-EEA629B4D528}"/>
               </a:ext>
             </a:extLst>
           </p:cNvPr>
@@ -6771,12 +6767,8 @@
               <a:buChar char="●"/>
             </a:pPr>
             <a:r>
-              <a:rPr lang="pt-BR" sz="1000" dirty="0" smtClean="0"/>
-              <a:t>Fornecer material </a:t>
-            </a:r>
-            <a:r>
               <a:rPr lang="pt-BR" sz="1000" dirty="0"/>
-              <a:t>para Oficina</a:t>
+              <a:t>Fornecer material para Oficina</a:t>
             </a:r>
           </a:p>
         </p:txBody>
@@ -6786,7 +6778,7 @@
           <p:cNvPr id="28" name="Google Shape;75;p13">
             <a:extLst>
               <a:ext uri="{FF2B5EF4-FFF2-40B4-BE49-F238E27FC236}">
-                <a16:creationId xmlns:a16="http://schemas.microsoft.com/office/drawing/2014/main" xmlns="" id="{77F1DC65-51E4-4A38-ADC6-19ED54B9B934}"/>
+                <a16:creationId xmlns="" xmlns:a16="http://schemas.microsoft.com/office/drawing/2014/main" id="{77F1DC65-51E4-4A38-ADC6-19ED54B9B934}"/>
               </a:ext>
             </a:extLst>
           </p:cNvPr>
@@ -6815,7 +6807,7 @@
             <a:pPr marL="165100">
               <a:buSzPts val="1000"/>
             </a:pPr>
-            <a:endParaRPr lang="pt-BR" sz="1000" dirty="0" smtClean="0"/>
+            <a:endParaRPr lang="pt-BR" sz="1000" dirty="0"/>
           </a:p>
           <a:p>
             <a:pPr marL="457200" indent="-292100">
@@ -6823,16 +6815,8 @@
               <a:buChar char="●"/>
             </a:pPr>
             <a:r>
-              <a:rPr lang="pt-BR" sz="1000" dirty="0" smtClean="0"/>
-              <a:t>Solicitar a </a:t>
-            </a:r>
-            <a:r>
               <a:rPr lang="pt-BR" sz="1000" dirty="0"/>
-              <a:t>realização de </a:t>
-            </a:r>
-            <a:r>
-              <a:rPr lang="pt-BR" sz="1000" dirty="0" smtClean="0"/>
-              <a:t>serviços</a:t>
+              <a:t>Solicitar a realização de serviços</a:t>
             </a:r>
           </a:p>
           <a:p>
@@ -6841,7 +6825,7 @@
               <a:buChar char="●"/>
             </a:pPr>
             <a:r>
-              <a:rPr lang="pt-BR" sz="1000" dirty="0" smtClean="0"/>
+              <a:rPr lang="pt-BR" sz="1000" dirty="0"/>
               <a:t>Pagar Pelo Serviço</a:t>
             </a:r>
           </a:p>
@@ -6851,7 +6835,7 @@
               <a:buChar char="●"/>
             </a:pPr>
             <a:r>
-              <a:rPr lang="pt-BR" sz="1000" dirty="0" smtClean="0"/>
+              <a:rPr lang="pt-BR" sz="1000" dirty="0"/>
               <a:t>Retirar veículo</a:t>
             </a:r>
           </a:p>
@@ -6859,7 +6843,7 @@
             <a:pPr marL="165100">
               <a:buSzPts val="1000"/>
             </a:pPr>
-            <a:endParaRPr lang="pt-BR" sz="1000" dirty="0" smtClean="0"/>
+            <a:endParaRPr lang="pt-BR" sz="1000" dirty="0"/>
           </a:p>
           <a:p>
             <a:pPr marL="165100">
@@ -7085,7 +7069,7 @@
                 <a:buNone/>
               </a:pPr>
               <a:r>
-                <a:rPr lang="pt-BR" sz="1200" b="1" dirty="0" smtClean="0"/>
+                <a:rPr lang="pt-BR" sz="1200" b="1" dirty="0"/>
                 <a:t>Candidatos</a:t>
               </a:r>
             </a:p>
@@ -7100,7 +7084,7 @@
                 <a:buNone/>
               </a:pPr>
               <a:r>
-                <a:rPr lang="pt-BR" sz="1200" b="1" dirty="0" smtClean="0"/>
+                <a:rPr lang="pt-BR" sz="1200" b="1" dirty="0"/>
                 <a:t>      para</a:t>
               </a:r>
             </a:p>
@@ -7115,7 +7099,7 @@
                 <a:buNone/>
               </a:pPr>
               <a:r>
-                <a:rPr lang="pt-BR" sz="1200" b="1" dirty="0" smtClean="0"/>
+                <a:rPr lang="pt-BR" sz="1200" b="1" dirty="0"/>
                 <a:t>funcionários</a:t>
               </a:r>
             </a:p>
@@ -7193,10 +7177,9 @@
               <a:buChar char="●"/>
             </a:pPr>
             <a:r>
-              <a:rPr lang="pt-BR" sz="1000" dirty="0" smtClean="0"/>
+              <a:rPr lang="pt-BR" sz="1000" dirty="0"/>
               <a:t>Ser Contratado</a:t>
             </a:r>
-            <a:endParaRPr lang="pt-BR" sz="1000" dirty="0"/>
           </a:p>
           <a:p>
             <a:pPr marL="457200" indent="-292100">
@@ -7423,16 +7406,8 @@
                 <a:buNone/>
               </a:pPr>
               <a:r>
-                <a:rPr lang="pt-BR" sz="1200" b="1" dirty="0" smtClean="0"/>
-                <a:t>  </a:t>
-              </a:r>
-              <a:r>
-                <a:rPr lang="pt-BR" sz="1200" b="1" dirty="0" smtClean="0"/>
-                <a:t>Operadora de cartão</a:t>
-              </a:r>
-              <a:r>
                 <a:rPr lang="pt-BR" sz="1200" b="1" dirty="0"/>
-                <a:t>	</a:t>
+                <a:t>  Operadora de cartão	</a:t>
               </a:r>
               <a:endParaRPr sz="1200" b="1" dirty="0"/>
             </a:p>
@@ -7444,7 +7419,7 @@
           <p:cNvPr id="91" name="Google Shape;75;p13">
             <a:extLst>
               <a:ext uri="{FF2B5EF4-FFF2-40B4-BE49-F238E27FC236}">
-                <a16:creationId xmlns:a16="http://schemas.microsoft.com/office/drawing/2014/main" xmlns="" id="{A045D80E-4EF0-424F-8522-EEA629B4D528}"/>
+                <a16:creationId xmlns="" xmlns:a16="http://schemas.microsoft.com/office/drawing/2014/main" id="{A045D80E-4EF0-424F-8522-EEA629B4D528}"/>
               </a:ext>
             </a:extLst>
           </p:cNvPr>
@@ -7453,7 +7428,7 @@
         </p:nvSpPr>
         <p:spPr>
           <a:xfrm>
-            <a:off x="5467977" y="4444564"/>
+            <a:off x="5850021" y="4455168"/>
             <a:ext cx="3011938" cy="401776"/>
           </a:xfrm>
           <a:prstGeom prst="rect">
@@ -7475,10 +7450,9 @@
               <a:buChar char="●"/>
             </a:pPr>
             <a:r>
-              <a:rPr lang="pt-BR" sz="1000" dirty="0" smtClean="0"/>
-              <a:t>Fornecer pagamento no cartão</a:t>
+              <a:rPr lang="pt-BR" sz="1000" dirty="0"/>
+              <a:t>Fechar contrato de serviço</a:t>
             </a:r>
-            <a:endParaRPr lang="pt-BR" sz="1000" dirty="0"/>
           </a:p>
         </p:txBody>
       </p:sp>
@@ -7622,7 +7596,7 @@
             <a:pPr marL="165100">
               <a:buSzPts val="1000"/>
             </a:pPr>
-            <a:endParaRPr lang="pt-BR" sz="1200" dirty="0" smtClean="0"/>
+            <a:endParaRPr lang="pt-BR" sz="1200" dirty="0"/>
           </a:p>
           <a:p>
             <a:pPr marL="457200" indent="-292100">
@@ -7630,16 +7604,8 @@
               <a:buChar char="❖"/>
             </a:pPr>
             <a:r>
-              <a:rPr lang="pt-BR" sz="1200" dirty="0" smtClean="0"/>
-              <a:t>Solicitar a </a:t>
-            </a:r>
-            <a:r>
               <a:rPr lang="pt-BR" sz="1200" dirty="0"/>
-              <a:t>realização de </a:t>
-            </a:r>
-            <a:r>
-              <a:rPr lang="pt-BR" sz="1200" dirty="0" smtClean="0"/>
-              <a:t>serviços</a:t>
+              <a:t>Solicitar a realização de serviços</a:t>
             </a:r>
           </a:p>
           <a:p>
@@ -8050,10 +8016,10 @@
               <a:buChar char="●"/>
             </a:pPr>
             <a:r>
-              <a:rPr lang="pt-BR" sz="1000" dirty="0" smtClean="0"/>
+              <a:rPr lang="pt-BR" sz="1000" dirty="0"/>
               <a:t>Avaliar o serviço que deve ser realizado</a:t>
             </a:r>
-            <a:endParaRPr lang="en-US" sz="1000" dirty="0" smtClean="0"/>
+            <a:endParaRPr lang="en-US" sz="1000" dirty="0"/>
           </a:p>
           <a:p>
             <a:pPr marL="457200" indent="-292100">
@@ -8061,10 +8027,9 @@
               <a:buChar char="●"/>
             </a:pPr>
             <a:r>
-              <a:rPr lang="pt-BR" sz="1000" dirty="0" smtClean="0"/>
+              <a:rPr lang="pt-BR" sz="1000" dirty="0"/>
               <a:t>Iniciar e Finalizar serviço</a:t>
             </a:r>
-            <a:endParaRPr lang="pt-BR" sz="1000" dirty="0"/>
           </a:p>
         </p:txBody>
       </p:sp>
@@ -8124,8 +8089,12 @@
               <a:buNone/>
             </a:pPr>
             <a:r>
+              <a:rPr lang="pt-BR" sz="1000" dirty="0"/>
+              <a:t>Setor de </a:t>
+            </a:r>
+            <a:r>
               <a:rPr lang="pt-BR" sz="1000" dirty="0" smtClean="0"/>
-              <a:t>Setor de Serviços</a:t>
+              <a:t>Serviço</a:t>
             </a:r>
             <a:endParaRPr sz="1000" dirty="0"/>
           </a:p>
@@ -8347,7 +8316,7 @@
                 <a:buNone/>
               </a:pPr>
               <a:r>
-                <a:rPr lang="pt-BR" sz="1200" b="1" dirty="0" smtClean="0"/>
+                <a:rPr lang="pt-BR" sz="1200" b="1" dirty="0"/>
                 <a:t>Fornecedor de Materiais </a:t>
               </a:r>
               <a:endParaRPr sz="1200" b="1" dirty="0"/>
@@ -8440,7 +8409,7 @@
               <a:buNone/>
             </a:pPr>
             <a:r>
-              <a:rPr lang="pt-BR" sz="1000" dirty="0" smtClean="0"/>
+              <a:rPr lang="pt-BR" sz="1000" dirty="0"/>
               <a:t>Setor de </a:t>
             </a:r>
           </a:p>
@@ -8455,7 +8424,7 @@
               <a:buNone/>
             </a:pPr>
             <a:r>
-              <a:rPr lang="pt-BR" sz="1000" dirty="0" smtClean="0"/>
+              <a:rPr lang="pt-BR" sz="1000" dirty="0"/>
               <a:t>Atendimento</a:t>
             </a:r>
           </a:p>
@@ -8498,13 +8467,8 @@
             </a:pPr>
             <a:r>
               <a:rPr lang="pt-BR" sz="1000" dirty="0"/>
-              <a:t>Criar Orçamento </a:t>
+              <a:t>Criar Orçamento de serviço</a:t>
             </a:r>
-            <a:r>
-              <a:rPr lang="pt-BR" sz="1000" dirty="0" smtClean="0"/>
-              <a:t>de serviço</a:t>
-            </a:r>
-            <a:endParaRPr lang="pt-BR" sz="1000" dirty="0"/>
           </a:p>
           <a:p>
             <a:pPr marL="165100">
@@ -8700,7 +8664,7 @@
             <a:pPr marL="165100">
               <a:buSzPts val="1000"/>
             </a:pPr>
-            <a:endParaRPr lang="pt-BR" sz="1200" dirty="0" smtClean="0"/>
+            <a:endParaRPr lang="pt-BR" sz="1200" dirty="0"/>
           </a:p>
           <a:p>
             <a:pPr marL="457200" indent="-292100">
@@ -8708,7 +8672,7 @@
               <a:buChar char="❖"/>
             </a:pPr>
             <a:r>
-              <a:rPr lang="pt-BR" sz="1200" dirty="0" smtClean="0"/>
+              <a:rPr lang="pt-BR" sz="1200" dirty="0"/>
               <a:t>Pagar Pelo Serviço </a:t>
             </a:r>
           </a:p>
@@ -9110,7 +9074,7 @@
               <a:buNone/>
             </a:pPr>
             <a:r>
-              <a:rPr lang="pt-BR" sz="1000" dirty="0" smtClean="0"/>
+              <a:rPr lang="pt-BR" sz="1000" dirty="0"/>
               <a:t>Setor de Pagamento</a:t>
             </a:r>
           </a:p>
@@ -9152,10 +9116,9 @@
               <a:buChar char="●"/>
             </a:pPr>
             <a:r>
-              <a:rPr lang="pt-BR" sz="1000" dirty="0" smtClean="0"/>
+              <a:rPr lang="pt-BR" sz="1000" dirty="0"/>
               <a:t>Confirmar Pagamento</a:t>
             </a:r>
-            <a:endParaRPr lang="pt-BR" sz="1000" dirty="0"/>
           </a:p>
           <a:p>
             <a:pPr marL="165100">
@@ -9416,12 +9379,8 @@
                 <a:buNone/>
               </a:pPr>
               <a:r>
-                <a:rPr lang="pt-BR" sz="1200" b="1" dirty="0" smtClean="0"/>
-                <a:t>Operadora               de cartão</a:t>
-              </a:r>
-              <a:r>
                 <a:rPr lang="pt-BR" sz="1200" b="1" dirty="0"/>
-                <a:t>	</a:t>
+                <a:t>Operadora               de cartão	</a:t>
               </a:r>
               <a:endParaRPr sz="1200" b="1" dirty="0"/>
             </a:p>
@@ -9568,7 +9527,7 @@
             <a:pPr marL="165100">
               <a:buSzPts val="1000"/>
             </a:pPr>
-            <a:endParaRPr lang="pt-BR" sz="1200" dirty="0" smtClean="0"/>
+            <a:endParaRPr lang="pt-BR" sz="1200" dirty="0"/>
           </a:p>
           <a:p>
             <a:pPr marL="457200" indent="-292100">
@@ -9576,7 +9535,7 @@
               <a:buChar char="❖"/>
             </a:pPr>
             <a:r>
-              <a:rPr lang="pt-BR" sz="1200" dirty="0" smtClean="0"/>
+              <a:rPr lang="pt-BR" sz="1200" dirty="0"/>
               <a:t>Retirar Veículo </a:t>
             </a:r>
           </a:p>
@@ -9925,10 +9884,9 @@
               <a:buChar char="●"/>
             </a:pPr>
             <a:r>
-              <a:rPr lang="pt-BR" sz="1000" dirty="0" smtClean="0"/>
+              <a:rPr lang="pt-BR" sz="1000" dirty="0"/>
               <a:t>Entrar em contato com o cliente</a:t>
             </a:r>
-            <a:endParaRPr lang="pt-BR" sz="1000" dirty="0"/>
           </a:p>
           <a:p>
             <a:pPr marL="165100">
@@ -10001,7 +9959,7 @@
               <a:buNone/>
             </a:pPr>
             <a:r>
-              <a:rPr lang="pt-BR" sz="1000" dirty="0" smtClean="0"/>
+              <a:rPr lang="pt-BR" sz="1000" dirty="0"/>
               <a:t>Setor de atendimento</a:t>
             </a:r>
           </a:p>
@@ -10191,12 +10149,8 @@
               <a:buChar char="❖"/>
             </a:pPr>
             <a:r>
-              <a:rPr lang="pt-BR" sz="1200" dirty="0" smtClean="0"/>
-              <a:t>Fornecer materiais </a:t>
-            </a:r>
-            <a:r>
               <a:rPr lang="pt-BR" sz="1200" dirty="0"/>
-              <a:t>para Oficina</a:t>
+              <a:t>Fornecer materiais para Oficina</a:t>
             </a:r>
             <a:endParaRPr sz="1200" dirty="0"/>
           </a:p>
@@ -10411,11 +10365,7 @@
               <a:pPr algn="ctr"/>
               <a:r>
                 <a:rPr lang="pt-BR" sz="1200" b="1" dirty="0"/>
-                <a:t>Fornecedor de </a:t>
-              </a:r>
-              <a:r>
-                <a:rPr lang="pt-BR" sz="1200" b="1" dirty="0" smtClean="0"/>
-                <a:t>Materiais</a:t>
+                <a:t>Fornecedor de Materiais</a:t>
               </a:r>
               <a:endParaRPr sz="1200" b="1" dirty="0"/>
             </a:p>
@@ -10600,10 +10550,9 @@
               <a:buChar char="●"/>
             </a:pPr>
             <a:r>
-              <a:rPr lang="pt-BR" sz="1000" dirty="0" smtClean="0"/>
+              <a:rPr lang="pt-BR" sz="1000" dirty="0"/>
               <a:t>Comprar material</a:t>
             </a:r>
-            <a:endParaRPr lang="pt-BR" sz="1000" dirty="0"/>
           </a:p>
         </p:txBody>
       </p:sp>
@@ -10663,7 +10612,7 @@
               <a:buNone/>
             </a:pPr>
             <a:r>
-              <a:rPr lang="pt-BR" sz="1000" dirty="0" smtClean="0"/>
+              <a:rPr lang="pt-BR" sz="1000" dirty="0"/>
               <a:t>Setor Financeiro</a:t>
             </a:r>
             <a:endParaRPr sz="1000" dirty="0"/>
@@ -10790,10 +10739,9 @@
               <a:buChar char="v"/>
             </a:pPr>
             <a:r>
-              <a:rPr lang="pt-BR" sz="1200" dirty="0" smtClean="0"/>
+              <a:rPr lang="pt-BR" sz="1200" dirty="0"/>
               <a:t>Ser Contratado</a:t>
             </a:r>
-            <a:endParaRPr lang="pt-BR" sz="1200" dirty="0"/>
           </a:p>
         </p:txBody>
       </p:sp>
@@ -10977,10 +10925,9 @@
               <a:buChar char="●"/>
             </a:pPr>
             <a:r>
-              <a:rPr lang="pt-BR" sz="1000" dirty="0" smtClean="0"/>
+              <a:rPr lang="pt-BR" sz="1000" dirty="0"/>
               <a:t>Processo Seletivo</a:t>
             </a:r>
-            <a:endParaRPr lang="pt-BR" sz="1000" dirty="0"/>
           </a:p>
         </p:txBody>
       </p:sp>
@@ -11040,7 +10987,7 @@
               <a:buNone/>
             </a:pPr>
             <a:r>
-              <a:rPr lang="pt-BR" sz="1000" dirty="0" smtClean="0"/>
+              <a:rPr lang="pt-BR" sz="1000" dirty="0"/>
               <a:t>Setor de RH</a:t>
             </a:r>
             <a:endParaRPr sz="1000" dirty="0"/>
@@ -11263,7 +11210,7 @@
                 <a:buNone/>
               </a:pPr>
               <a:r>
-                <a:rPr lang="pt-BR" sz="1200" b="1" dirty="0" smtClean="0"/>
+                <a:rPr lang="pt-BR" sz="1200" b="1" dirty="0"/>
                 <a:t>Candidatos</a:t>
               </a:r>
             </a:p>
@@ -11278,7 +11225,7 @@
                 <a:buNone/>
               </a:pPr>
               <a:r>
-                <a:rPr lang="pt-BR" sz="1200" b="1" dirty="0" smtClean="0"/>
+                <a:rPr lang="pt-BR" sz="1200" b="1" dirty="0"/>
                 <a:t>Para</a:t>
               </a:r>
             </a:p>
@@ -11293,7 +11240,7 @@
                 <a:buNone/>
               </a:pPr>
               <a:r>
-                <a:rPr lang="pt-BR" sz="1200" b="1" dirty="0" smtClean="0"/>
+                <a:rPr lang="pt-BR" sz="1200" b="1" dirty="0"/>
                 <a:t>Funcionários</a:t>
               </a:r>
             </a:p>
@@ -11426,17 +11373,9 @@
               <a:buFont typeface="Wingdings" panose="05000000000000000000" pitchFamily="2" charset="2"/>
               <a:buChar char="v"/>
             </a:pPr>
-            <a:endParaRPr lang="pt-BR" sz="1200" dirty="0" smtClean="0"/>
-          </a:p>
-          <a:p>
-            <a:pPr marL="457200" indent="-292100">
-              <a:buSzPts val="1000"/>
-              <a:buFont typeface="Wingdings" panose="05000000000000000000" pitchFamily="2" charset="2"/>
-              <a:buChar char="v"/>
-            </a:pPr>
             <a:r>
               <a:rPr lang="pt-BR" sz="1200" dirty="0" smtClean="0"/>
-              <a:t>Fornecer Pagamento no cartão</a:t>
+              <a:t>Fechar contrato de serviço</a:t>
             </a:r>
             <a:endParaRPr lang="pt-BR" sz="1200" dirty="0"/>
           </a:p>
@@ -11629,10 +11568,9 @@
               <a:buChar char="●"/>
             </a:pPr>
             <a:r>
-              <a:rPr lang="pt-BR" sz="1000" dirty="0" smtClean="0"/>
+              <a:rPr lang="pt-BR" sz="1000" dirty="0"/>
               <a:t>Pagamento no Cartão</a:t>
             </a:r>
-            <a:endParaRPr lang="pt-BR" sz="1000" dirty="0"/>
           </a:p>
         </p:txBody>
       </p:sp>
@@ -11692,7 +11630,7 @@
               <a:buNone/>
             </a:pPr>
             <a:r>
-              <a:rPr lang="pt-BR" sz="1000" dirty="0" smtClean="0"/>
+              <a:rPr lang="pt-BR" sz="1000" dirty="0"/>
               <a:t>Setor de Pagamento</a:t>
             </a:r>
             <a:endParaRPr sz="1000" dirty="0"/>
@@ -11915,12 +11853,8 @@
                 <a:buNone/>
               </a:pPr>
               <a:r>
-                <a:rPr lang="pt-BR" sz="1200" b="1" dirty="0" smtClean="0"/>
-                <a:t>Operadora             de cartão</a:t>
-              </a:r>
-              <a:r>
                 <a:rPr lang="pt-BR" sz="1200" b="1" dirty="0"/>
-                <a:t>	</a:t>
+                <a:t>Operadora             de cartão	</a:t>
               </a:r>
               <a:endParaRPr sz="1200" b="1" dirty="0"/>
             </a:p>
